--- a/资料/课件/OC/OC语言-4.2-设计模式-委托.pptx
+++ b/资料/课件/OC/OC语言-4.2-设计模式-委托.pptx
@@ -5,18 +5,22 @@
     <p:sldMasterId id="2147488748" r:id="rId1"/>
   </p:sldMasterIdLst>
   <p:notesMasterIdLst>
-    <p:notesMasterId r:id="rId3"/>
+    <p:notesMasterId r:id="rId7"/>
   </p:notesMasterIdLst>
   <p:handoutMasterIdLst>
-    <p:handoutMasterId r:id="rId4"/>
+    <p:handoutMasterId r:id="rId8"/>
   </p:handoutMasterIdLst>
   <p:sldIdLst>
     <p:sldId id="1551" r:id="rId2"/>
+    <p:sldId id="1552" r:id="rId3"/>
+    <p:sldId id="1553" r:id="rId4"/>
+    <p:sldId id="1554" r:id="rId5"/>
+    <p:sldId id="1555" r:id="rId6"/>
   </p:sldIdLst>
   <p:sldSz cx="9144000" cy="6858000" type="screen4x3"/>
   <p:notesSz cx="6797675" cy="9874250"/>
   <p:custDataLst>
-    <p:tags r:id="rId6"/>
+    <p:tags r:id="rId10"/>
   </p:custDataLst>
   <p:defaultTextStyle>
     <a:defPPr>
@@ -149,12 +153,16 @@
         <p14:section name="Default Section" id="{5009879F-230C-4AAA-9B60-41FFDFBA99F4}">
           <p14:sldIdLst>
             <p14:sldId id="1551"/>
+            <p14:sldId id="1552"/>
+            <p14:sldId id="1553"/>
+            <p14:sldId id="1554"/>
+            <p14:sldId id="1555"/>
           </p14:sldIdLst>
         </p14:section>
       </p14:sectionLst>
     </p:ext>
     <p:ext uri="{EFAFB233-063F-42B5-8137-9DF3F51BA10A}">
-      <p15:sldGuideLst xmlns:p15="http://schemas.microsoft.com/office/powerpoint/2012/main" xmlns="">
+      <p15:sldGuideLst xmlns="" xmlns:p15="http://schemas.microsoft.com/office/powerpoint/2012/main">
         <p15:guide id="1" orient="horz">
           <p15:clr>
             <a:srgbClr val="A4A3A4"/>
@@ -168,7 +176,7 @@
       </p15:sldGuideLst>
     </p:ext>
     <p:ext uri="{2D200454-40CA-4A62-9FC3-DE9A4176ACB9}">
-      <p15:notesGuideLst xmlns:p15="http://schemas.microsoft.com/office/powerpoint/2012/main" xmlns="">
+      <p15:notesGuideLst xmlns="" xmlns:p15="http://schemas.microsoft.com/office/powerpoint/2012/main">
         <p15:guide id="1" orient="horz" pos="3109">
           <p15:clr>
             <a:srgbClr val="A4A3A4"/>
@@ -272,7 +280,7 @@
                 <a:ea typeface="微软雅黑" pitchFamily="34" charset="-122"/>
               </a:rPr>
               <a:pPr/>
-              <a:t>15/3/16</a:t>
+              <a:t>15/3/23</a:t>
             </a:fld>
             <a:endParaRPr lang="zh-CN" altLang="en-US" dirty="0">
               <a:ea typeface="微软雅黑" pitchFamily="34" charset="-122"/>
@@ -476,7 +484,7 @@
             <a:fld id="{DF9E65B2-A0B4-4242-9432-201E84F17494}" type="datetime1">
               <a:rPr lang="en-US" smtClean="0"/>
               <a:pPr/>
-              <a:t>15/3/16</a:t>
+              <a:t>15/3/23</a:t>
             </a:fld>
             <a:endParaRPr lang="en-US" dirty="0"/>
           </a:p>
@@ -1405,7 +1413,7 @@
             <a:fld id="{055FF6D4-D4D7-426A-98F7-170A3668379E}" type="datetime1">
               <a:rPr lang="en-US" smtClean="0"/>
               <a:pPr/>
-              <a:t>15/3/16</a:t>
+              <a:t>15/3/23</a:t>
             </a:fld>
             <a:endParaRPr lang="en-US" dirty="0"/>
           </a:p>
@@ -2032,7 +2040,7 @@
             <a:fld id="{74CBEAF9-9E58-4CC8-A6FF-6DD8A58DEEA4}" type="datetimeFigureOut">
               <a:rPr lang="en-US" smtClean="0"/>
               <a:pPr eaLnBrk="1" latinLnBrk="0" hangingPunct="1"/>
-              <a:t>15/3/16</a:t>
+              <a:t>15/3/23</a:t>
             </a:fld>
             <a:endParaRPr lang="en-US"/>
           </a:p>
@@ -2550,7 +2558,7 @@
             <a:fld id="{74CBEAF9-9E58-4CC8-A6FF-6DD8A58DEEA4}" type="datetimeFigureOut">
               <a:rPr lang="en-US" smtClean="0"/>
               <a:pPr algn="l" eaLnBrk="1" latinLnBrk="0" hangingPunct="1"/>
-              <a:t>15/3/16</a:t>
+              <a:t>15/3/23</a:t>
             </a:fld>
             <a:endParaRPr lang="en-US" dirty="0">
               <a:solidFill>
@@ -3085,7 +3093,7 @@
             <a:fld id="{74CBEAF9-9E58-4CC8-A6FF-6DD8A58DEEA4}" type="datetimeFigureOut">
               <a:rPr lang="en-US" smtClean="0"/>
               <a:pPr algn="l" eaLnBrk="1" latinLnBrk="0" hangingPunct="1"/>
-              <a:t>15/3/16</a:t>
+              <a:t>15/3/23</a:t>
             </a:fld>
             <a:endParaRPr lang="en-US" dirty="0">
               <a:solidFill>
@@ -3921,7 +3929,7 @@
             <a:fld id="{74CBEAF9-9E58-4CC8-A6FF-6DD8A58DEEA4}" type="datetimeFigureOut">
               <a:rPr lang="en-US" smtClean="0"/>
               <a:pPr eaLnBrk="1" latinLnBrk="0" hangingPunct="1"/>
-              <a:t>15/3/16</a:t>
+              <a:t>15/3/23</a:t>
             </a:fld>
             <a:endParaRPr lang="en-US"/>
           </a:p>
@@ -4503,7 +4511,7 @@
             <a:fld id="{42295D47-465E-4A05-802B-049480555B6D}" type="datetime1">
               <a:rPr lang="en-US" smtClean="0"/>
               <a:pPr/>
-              <a:t>15/3/16</a:t>
+              <a:t>15/3/23</a:t>
             </a:fld>
             <a:endParaRPr lang="en-US"/>
           </a:p>
@@ -5134,7 +5142,7 @@
             <a:fld id="{74CBEAF9-9E58-4CC8-A6FF-6DD8A58DEEA4}" type="datetimeFigureOut">
               <a:rPr lang="en-US" smtClean="0"/>
               <a:pPr algn="l" eaLnBrk="1" latinLnBrk="0" hangingPunct="1"/>
-              <a:t>15/3/16</a:t>
+              <a:t>15/3/23</a:t>
             </a:fld>
             <a:endParaRPr lang="en-US" dirty="0">
               <a:solidFill>
@@ -5916,7 +5924,7 @@
             <a:fld id="{74CBEAF9-9E58-4CC8-A6FF-6DD8A58DEEA4}" type="datetimeFigureOut">
               <a:rPr lang="en-US" smtClean="0"/>
               <a:pPr eaLnBrk="1" latinLnBrk="0" hangingPunct="1"/>
-              <a:t>15/3/16</a:t>
+              <a:t>15/3/23</a:t>
             </a:fld>
             <a:endParaRPr lang="en-US"/>
           </a:p>
@@ -6377,7 +6385,7 @@
             <a:fld id="{74CBEAF9-9E58-4CC8-A6FF-6DD8A58DEEA4}" type="datetimeFigureOut">
               <a:rPr lang="en-US" smtClean="0"/>
               <a:pPr eaLnBrk="1" latinLnBrk="0" hangingPunct="1"/>
-              <a:t>15/3/16</a:t>
+              <a:t>15/3/23</a:t>
             </a:fld>
             <a:endParaRPr lang="en-US"/>
           </a:p>
@@ -6806,7 +6814,7 @@
             <a:fld id="{74CBEAF9-9E58-4CC8-A6FF-6DD8A58DEEA4}" type="datetimeFigureOut">
               <a:rPr lang="en-US" smtClean="0"/>
               <a:pPr eaLnBrk="1" latinLnBrk="0" hangingPunct="1"/>
-              <a:t>15/3/16</a:t>
+              <a:t>15/3/23</a:t>
             </a:fld>
             <a:endParaRPr lang="en-US"/>
           </a:p>
@@ -7427,7 +7435,7 @@
             <a:fld id="{74CBEAF9-9E58-4CC8-A6FF-6DD8A58DEEA4}" type="datetimeFigureOut">
               <a:rPr lang="en-US" smtClean="0"/>
               <a:pPr eaLnBrk="1" latinLnBrk="0" hangingPunct="1"/>
-              <a:t>15/3/16</a:t>
+              <a:t>15/3/23</a:t>
             </a:fld>
             <a:endParaRPr lang="en-US"/>
           </a:p>
@@ -7692,7 +7700,7 @@
             <a:fld id="{74CBEAF9-9E58-4CC8-A6FF-6DD8A58DEEA4}" type="datetimeFigureOut">
               <a:rPr lang="en-US" smtClean="0"/>
               <a:pPr algn="l" eaLnBrk="1" latinLnBrk="0" hangingPunct="1"/>
-              <a:t>15/3/16</a:t>
+              <a:t>15/3/23</a:t>
             </a:fld>
             <a:endParaRPr lang="en-US" dirty="0">
               <a:solidFill>
@@ -8468,6 +8476,1280 @@
     <p:extLst>
       <p:ext uri="{BB962C8B-B14F-4D97-AF65-F5344CB8AC3E}">
         <p14:creationId xmlns:p14="http://schemas.microsoft.com/office/powerpoint/2010/main" val="2973930980"/>
+      </p:ext>
+    </p:extLst>
+  </p:cSld>
+  <p:clrMapOvr>
+    <a:masterClrMapping/>
+  </p:clrMapOvr>
+  <p:timing>
+    <p:tnLst>
+      <p:par>
+        <p:cTn xmlns:p14="http://schemas.microsoft.com/office/powerpoint/2010/main" id="1" dur="indefinite" restart="never" nodeType="tmRoot"/>
+      </p:par>
+    </p:tnLst>
+  </p:timing>
+</p:sld>
+</file>
+
+<file path=ppt/slides/slide2.xml><?xml version="1.0" encoding="utf-8"?>
+<p:sld xmlns:a="http://schemas.openxmlformats.org/drawingml/2006/main" xmlns:r="http://schemas.openxmlformats.org/officeDocument/2006/relationships" xmlns:p="http://schemas.openxmlformats.org/presentationml/2006/main">
+  <p:cSld>
+    <p:spTree>
+      <p:nvGrpSpPr>
+        <p:cNvPr id="1" name=""/>
+        <p:cNvGrpSpPr/>
+        <p:nvPr/>
+      </p:nvGrpSpPr>
+      <p:grpSpPr>
+        <a:xfrm>
+          <a:off x="0" y="0"/>
+          <a:ext cx="0" cy="0"/>
+          <a:chOff x="0" y="0"/>
+          <a:chExt cx="0" cy="0"/>
+        </a:xfrm>
+      </p:grpSpPr>
+      <p:sp>
+        <p:nvSpPr>
+          <p:cNvPr id="2" name="标题 1"/>
+          <p:cNvSpPr>
+            <a:spLocks noGrp="1"/>
+          </p:cNvSpPr>
+          <p:nvPr>
+            <p:ph type="title"/>
+          </p:nvPr>
+        </p:nvSpPr>
+        <p:spPr/>
+        <p:txBody>
+          <a:bodyPr/>
+          <a:lstStyle/>
+          <a:p>
+            <a:r>
+              <a:rPr kumimoji="1" lang="en-US" altLang="en-US" dirty="0" err="1"/>
+              <a:t>什么是</a:t>
+            </a:r>
+            <a:r>
+              <a:rPr kumimoji="1" lang="en-US" altLang="zh-CN" dirty="0" err="1"/>
+              <a:t>Protocol</a:t>
+            </a:r>
+            <a:endParaRPr kumimoji="1" lang="zh-CN" altLang="en-US" dirty="0"/>
+          </a:p>
+        </p:txBody>
+      </p:sp>
+      <p:sp>
+        <p:nvSpPr>
+          <p:cNvPr id="3" name="幻灯片编号占位符 2"/>
+          <p:cNvSpPr>
+            <a:spLocks noGrp="1"/>
+          </p:cNvSpPr>
+          <p:nvPr>
+            <p:ph type="sldNum" sz="quarter" idx="4"/>
+          </p:nvPr>
+        </p:nvSpPr>
+        <p:spPr/>
+        <p:txBody>
+          <a:bodyPr/>
+          <a:lstStyle/>
+          <a:p>
+            <a:fld id="{BF10DB53-D7D3-4DB6-A29F-40217B92EC88}" type="slidenum">
+              <a:rPr lang="en-US" smtClean="0"/>
+              <a:pPr/>
+              <a:t>1</a:t>
+            </a:fld>
+            <a:endParaRPr lang="en-US" dirty="0"/>
+          </a:p>
+        </p:txBody>
+      </p:sp>
+      <p:sp>
+        <p:nvSpPr>
+          <p:cNvPr id="5" name="文本框 4"/>
+          <p:cNvSpPr txBox="1"/>
+          <p:nvPr/>
+        </p:nvSpPr>
+        <p:spPr>
+          <a:xfrm>
+            <a:off x="251520" y="1556792"/>
+            <a:ext cx="8352928" cy="3046988"/>
+          </a:xfrm>
+          <a:prstGeom prst="rect">
+            <a:avLst/>
+          </a:prstGeom>
+          <a:noFill/>
+        </p:spPr>
+        <p:txBody>
+          <a:bodyPr wrap="square" rtlCol="0">
+            <a:spAutoFit/>
+          </a:bodyPr>
+          <a:lstStyle/>
+          <a:p>
+            <a:pPr marL="342900" indent="-342900">
+              <a:buFont typeface="Wingdings" charset="2"/>
+              <a:buChar char="u"/>
+            </a:pPr>
+            <a:r>
+              <a:rPr kumimoji="1" lang="en-US" altLang="zh-CN" sz="2400" dirty="0"/>
+              <a:t>Protocol</a:t>
+            </a:r>
+            <a:r>
+              <a:rPr kumimoji="1" lang="zh-CN" altLang="en-US" sz="2400" dirty="0"/>
+              <a:t>翻译过来</a:t>
+            </a:r>
+            <a:r>
+              <a:rPr kumimoji="1" lang="en-US" altLang="zh-CN" sz="2400" dirty="0"/>
+              <a:t>,</a:t>
+            </a:r>
+            <a:r>
+              <a:rPr kumimoji="1" lang="zh-CN" altLang="en-US" sz="2400" dirty="0"/>
+              <a:t> 叫做</a:t>
+            </a:r>
+            <a:r>
+              <a:rPr kumimoji="1" lang="en-US" altLang="zh-CN" sz="2400" dirty="0"/>
+              <a:t>”</a:t>
+            </a:r>
+            <a:r>
+              <a:rPr kumimoji="1" lang="zh-CN" altLang="en-US" sz="2400" dirty="0"/>
+              <a:t>协议</a:t>
+            </a:r>
+            <a:r>
+              <a:rPr kumimoji="1" lang="en-US" altLang="zh-CN" sz="2400" dirty="0"/>
+              <a:t>”</a:t>
+            </a:r>
+          </a:p>
+          <a:p>
+            <a:endParaRPr kumimoji="1" lang="en-US" altLang="zh-CN" sz="2400" dirty="0"/>
+          </a:p>
+          <a:p>
+            <a:pPr marL="342900" indent="-342900">
+              <a:buFont typeface="Wingdings" charset="2"/>
+              <a:buChar char="u"/>
+            </a:pPr>
+            <a:r>
+              <a:rPr kumimoji="1" lang="en-US" altLang="zh-CN" sz="2400" dirty="0"/>
+              <a:t>Protocol</a:t>
+            </a:r>
+            <a:r>
+              <a:rPr kumimoji="1" lang="zh-CN" altLang="en-US" sz="2400" dirty="0"/>
+              <a:t>的作用</a:t>
+            </a:r>
+            <a:endParaRPr kumimoji="1" lang="en-US" altLang="zh-CN" sz="2400" dirty="0"/>
+          </a:p>
+          <a:p>
+            <a:pPr>
+              <a:buFont typeface="Wingdings" charset="2"/>
+              <a:buChar char="Ø"/>
+            </a:pPr>
+            <a:r>
+              <a:rPr kumimoji="1" lang="zh-CN" altLang="en-US" sz="2400" dirty="0"/>
+              <a:t>用来声明一些方法</a:t>
+            </a:r>
+            <a:endParaRPr kumimoji="1" lang="en-US" altLang="zh-CN" sz="2400" dirty="0"/>
+          </a:p>
+          <a:p>
+            <a:pPr>
+              <a:buFont typeface="Wingdings" charset="2"/>
+              <a:buChar char="Ø"/>
+            </a:pPr>
+            <a:r>
+              <a:rPr kumimoji="1" lang="zh-CN" altLang="en-US" sz="2400" dirty="0"/>
+              <a:t>也就说</a:t>
+            </a:r>
+            <a:r>
+              <a:rPr kumimoji="1" lang="en-US" altLang="zh-CN" sz="2400" dirty="0"/>
+              <a:t>,</a:t>
+            </a:r>
+            <a:r>
+              <a:rPr kumimoji="1" lang="zh-CN" altLang="en-US" sz="2400" dirty="0"/>
+              <a:t> 一个</a:t>
+            </a:r>
+            <a:r>
+              <a:rPr kumimoji="1" lang="en-US" altLang="zh-CN" sz="2400" dirty="0"/>
+              <a:t>Protocol</a:t>
+            </a:r>
+            <a:r>
+              <a:rPr kumimoji="1" lang="zh-CN" altLang="en-US" sz="2400" dirty="0"/>
+              <a:t>是由一系列的方法声明组成的</a:t>
+            </a:r>
+            <a:endParaRPr kumimoji="1" lang="en-US" altLang="zh-CN" sz="2400" dirty="0"/>
+          </a:p>
+          <a:p>
+            <a:pPr>
+              <a:buFont typeface="Wingdings" charset="2"/>
+              <a:buChar char="Ø"/>
+            </a:pPr>
+            <a:endParaRPr kumimoji="1" lang="en-US" altLang="zh-CN" sz="2400" dirty="0"/>
+          </a:p>
+          <a:p>
+            <a:pPr marL="342900" indent="-342900">
+              <a:buFont typeface="Wingdings" charset="2"/>
+              <a:buChar char="u"/>
+            </a:pPr>
+            <a:r>
+              <a:rPr kumimoji="1" lang="zh-CN" altLang="en-US" sz="2400" dirty="0"/>
+              <a:t>任何类只要遵守了</a:t>
+            </a:r>
+            <a:r>
+              <a:rPr kumimoji="1" lang="en-US" altLang="zh-CN" sz="2400" dirty="0"/>
+              <a:t>Protocol,</a:t>
+            </a:r>
+            <a:r>
+              <a:rPr kumimoji="1" lang="zh-CN" altLang="en-US" sz="2400" dirty="0"/>
+              <a:t> 就相当于拥有了</a:t>
+            </a:r>
+            <a:r>
+              <a:rPr kumimoji="1" lang="en-US" altLang="zh-CN" sz="2400" dirty="0"/>
+              <a:t>Protocol</a:t>
+            </a:r>
+            <a:r>
+              <a:rPr kumimoji="1" lang="zh-CN" altLang="en-US" sz="2400" dirty="0"/>
+              <a:t>的所有方法声明</a:t>
+            </a:r>
+            <a:endParaRPr kumimoji="1" lang="en-US" altLang="zh-CN" sz="2400" dirty="0"/>
+          </a:p>
+        </p:txBody>
+      </p:sp>
+    </p:spTree>
+    <p:extLst>
+      <p:ext uri="{BB962C8B-B14F-4D97-AF65-F5344CB8AC3E}">
+        <p14:creationId xmlns:p14="http://schemas.microsoft.com/office/powerpoint/2010/main" val="1296523830"/>
+      </p:ext>
+    </p:extLst>
+  </p:cSld>
+  <p:clrMapOvr>
+    <a:masterClrMapping/>
+  </p:clrMapOvr>
+  <p:timing>
+    <p:tnLst>
+      <p:par>
+        <p:cTn xmlns:p14="http://schemas.microsoft.com/office/powerpoint/2010/main" id="1" dur="indefinite" restart="never" nodeType="tmRoot"/>
+      </p:par>
+    </p:tnLst>
+  </p:timing>
+</p:sld>
+</file>
+
+<file path=ppt/slides/slide3.xml><?xml version="1.0" encoding="utf-8"?>
+<p:sld xmlns:a="http://schemas.openxmlformats.org/drawingml/2006/main" xmlns:r="http://schemas.openxmlformats.org/officeDocument/2006/relationships" xmlns:p="http://schemas.openxmlformats.org/presentationml/2006/main">
+  <p:cSld>
+    <p:spTree>
+      <p:nvGrpSpPr>
+        <p:cNvPr id="1" name=""/>
+        <p:cNvGrpSpPr/>
+        <p:nvPr/>
+      </p:nvGrpSpPr>
+      <p:grpSpPr>
+        <a:xfrm>
+          <a:off x="0" y="0"/>
+          <a:ext cx="0" cy="0"/>
+          <a:chOff x="0" y="0"/>
+          <a:chExt cx="0" cy="0"/>
+        </a:xfrm>
+      </p:grpSpPr>
+      <p:sp>
+        <p:nvSpPr>
+          <p:cNvPr id="2" name="标题 1"/>
+          <p:cNvSpPr>
+            <a:spLocks noGrp="1"/>
+          </p:cNvSpPr>
+          <p:nvPr>
+            <p:ph type="title"/>
+          </p:nvPr>
+        </p:nvSpPr>
+        <p:spPr/>
+        <p:txBody>
+          <a:bodyPr/>
+          <a:lstStyle/>
+          <a:p>
+            <a:r>
+              <a:rPr kumimoji="1" lang="zh-CN" altLang="en-US" dirty="0"/>
+              <a:t>书写格式</a:t>
+            </a:r>
+            <a:endParaRPr kumimoji="1" lang="zh-CN" altLang="en-US" dirty="0"/>
+          </a:p>
+        </p:txBody>
+      </p:sp>
+      <p:sp>
+        <p:nvSpPr>
+          <p:cNvPr id="3" name="幻灯片编号占位符 2"/>
+          <p:cNvSpPr>
+            <a:spLocks noGrp="1"/>
+          </p:cNvSpPr>
+          <p:nvPr>
+            <p:ph type="sldNum" sz="quarter" idx="4"/>
+          </p:nvPr>
+        </p:nvSpPr>
+        <p:spPr/>
+        <p:txBody>
+          <a:bodyPr/>
+          <a:lstStyle/>
+          <a:p>
+            <a:fld id="{BF10DB53-D7D3-4DB6-A29F-40217B92EC88}" type="slidenum">
+              <a:rPr lang="en-US" smtClean="0"/>
+              <a:pPr/>
+              <a:t>2</a:t>
+            </a:fld>
+            <a:endParaRPr lang="en-US" dirty="0"/>
+          </a:p>
+        </p:txBody>
+      </p:sp>
+      <p:sp>
+        <p:nvSpPr>
+          <p:cNvPr id="5" name="文本框 4"/>
+          <p:cNvSpPr txBox="1"/>
+          <p:nvPr/>
+        </p:nvSpPr>
+        <p:spPr>
+          <a:xfrm>
+            <a:off x="251520" y="1484784"/>
+            <a:ext cx="8352928" cy="4093428"/>
+          </a:xfrm>
+          <a:prstGeom prst="rect">
+            <a:avLst/>
+          </a:prstGeom>
+          <a:noFill/>
+        </p:spPr>
+        <p:txBody>
+          <a:bodyPr wrap="square" rtlCol="0">
+            <a:spAutoFit/>
+          </a:bodyPr>
+          <a:lstStyle/>
+          <a:p>
+            <a:pPr marL="342900" indent="-342900">
+              <a:buFont typeface="Wingdings" charset="2"/>
+              <a:buChar char="u"/>
+            </a:pPr>
+            <a:r>
+              <a:rPr kumimoji="1" lang="en-US" altLang="zh-CN" sz="2000" dirty="0"/>
+              <a:t>Protocol</a:t>
+            </a:r>
+            <a:r>
+              <a:rPr kumimoji="1" lang="zh-CN" altLang="en-US" sz="2000" dirty="0"/>
+              <a:t>的定义</a:t>
+            </a:r>
+            <a:endParaRPr kumimoji="1" lang="en-US" altLang="zh-CN" sz="2000" dirty="0"/>
+          </a:p>
+          <a:p>
+            <a:pPr marL="0" indent="0">
+              <a:buNone/>
+              <a:tabLst>
+                <a:tab pos="549910" algn="l"/>
+              </a:tabLst>
+            </a:pPr>
+            <a:r>
+              <a:rPr lang="en-US" altLang="zh-CN" sz="2000" kern="0" dirty="0">
+                <a:solidFill>
+                  <a:srgbClr val="760F50"/>
+                </a:solidFill>
+                <a:latin typeface="Menlo Regular"/>
+                <a:ea typeface="宋体"/>
+                <a:cs typeface="Times New Roman"/>
+              </a:rPr>
+              <a:t>@protocol</a:t>
+            </a:r>
+            <a:r>
+              <a:rPr lang="en-US" altLang="zh-CN" sz="2000" kern="0" dirty="0">
+                <a:solidFill>
+                  <a:srgbClr val="000000"/>
+                </a:solidFill>
+                <a:latin typeface="Menlo Regular"/>
+                <a:ea typeface="宋体"/>
+                <a:cs typeface="Times New Roman"/>
+              </a:rPr>
+              <a:t> </a:t>
+            </a:r>
+            <a:r>
+              <a:rPr lang="zh-CN" altLang="zh-CN" sz="2000" kern="0" dirty="0">
+                <a:solidFill>
+                  <a:srgbClr val="000000"/>
+                </a:solidFill>
+                <a:latin typeface="Menlo Regular"/>
+                <a:ea typeface="宋体"/>
+                <a:cs typeface="Menlo Regular"/>
+              </a:rPr>
+              <a:t>协议名称</a:t>
+            </a:r>
+            <a:endParaRPr lang="en-US" altLang="zh-CN" sz="2000" kern="100" dirty="0">
+              <a:latin typeface="Cambria"/>
+              <a:ea typeface="宋体"/>
+              <a:cs typeface="Times New Roman"/>
+            </a:endParaRPr>
+          </a:p>
+          <a:p>
+            <a:pPr marL="0" indent="0">
+              <a:buNone/>
+              <a:tabLst>
+                <a:tab pos="549910" algn="l"/>
+              </a:tabLst>
+            </a:pPr>
+            <a:r>
+              <a:rPr lang="en-US" altLang="zh-CN" sz="2000" kern="0" dirty="0">
+                <a:solidFill>
+                  <a:schemeClr val="accent5">
+                    <a:lumMod val="50000"/>
+                  </a:schemeClr>
+                </a:solidFill>
+                <a:latin typeface="Menlo Regular"/>
+                <a:ea typeface="宋体"/>
+                <a:cs typeface="Times New Roman"/>
+              </a:rPr>
+              <a:t>// </a:t>
+            </a:r>
+            <a:r>
+              <a:rPr lang="zh-CN" altLang="zh-CN" sz="2000" kern="0" dirty="0">
+                <a:solidFill>
+                  <a:schemeClr val="accent5">
+                    <a:lumMod val="50000"/>
+                  </a:schemeClr>
+                </a:solidFill>
+                <a:latin typeface="Cambria"/>
+                <a:ea typeface="Heiti SC Light"/>
+                <a:cs typeface="Heiti SC Light"/>
+              </a:rPr>
+              <a:t>方法声明列表</a:t>
+            </a:r>
+            <a:endParaRPr lang="en-US" altLang="zh-CN" sz="2000" kern="100" dirty="0">
+              <a:solidFill>
+                <a:schemeClr val="accent5">
+                  <a:lumMod val="50000"/>
+                </a:schemeClr>
+              </a:solidFill>
+              <a:latin typeface="Cambria"/>
+              <a:ea typeface="宋体"/>
+              <a:cs typeface="Times New Roman"/>
+            </a:endParaRPr>
+          </a:p>
+          <a:p>
+            <a:pPr marL="0" indent="0" algn="just">
+              <a:spcAft>
+                <a:spcPts val="0"/>
+              </a:spcAft>
+              <a:buNone/>
+            </a:pPr>
+            <a:r>
+              <a:rPr lang="en-US" altLang="zh-CN" sz="2000" kern="0" dirty="0">
+                <a:solidFill>
+                  <a:srgbClr val="760F50"/>
+                </a:solidFill>
+                <a:latin typeface="Menlo Regular"/>
+                <a:ea typeface="Heiti SC Light"/>
+                <a:cs typeface="Times New Roman"/>
+              </a:rPr>
+              <a:t>@end</a:t>
+            </a:r>
+            <a:endParaRPr lang="en-US" altLang="zh-CN" sz="2000" kern="100" dirty="0">
+              <a:latin typeface="Cambria"/>
+              <a:ea typeface="宋体"/>
+              <a:cs typeface="Times New Roman"/>
+            </a:endParaRPr>
+          </a:p>
+          <a:p>
+            <a:pPr marL="0" indent="0">
+              <a:buNone/>
+            </a:pPr>
+            <a:endParaRPr kumimoji="1" lang="en-US" altLang="zh-CN" sz="2000" dirty="0"/>
+          </a:p>
+          <a:p>
+            <a:pPr marL="342900" indent="-342900">
+              <a:buFont typeface="Wingdings" charset="2"/>
+              <a:buChar char="u"/>
+            </a:pPr>
+            <a:r>
+              <a:rPr kumimoji="1" lang="zh-CN" altLang="en-US" sz="2000" dirty="0"/>
+              <a:t>类遵守协议</a:t>
+            </a:r>
+            <a:endParaRPr kumimoji="1" lang="en-US" altLang="zh-CN" sz="2000" dirty="0"/>
+          </a:p>
+          <a:p>
+            <a:pPr marL="0" indent="0">
+              <a:buNone/>
+              <a:tabLst>
+                <a:tab pos="549910" algn="l"/>
+              </a:tabLst>
+            </a:pPr>
+            <a:r>
+              <a:rPr lang="en-US" altLang="zh-CN" sz="2000" kern="0" dirty="0">
+                <a:solidFill>
+                  <a:srgbClr val="760F50"/>
+                </a:solidFill>
+                <a:latin typeface="Menlo Regular"/>
+                <a:ea typeface="宋体"/>
+                <a:cs typeface="Times New Roman"/>
+              </a:rPr>
+              <a:t>@interface</a:t>
+            </a:r>
+            <a:r>
+              <a:rPr lang="en-US" altLang="zh-CN" sz="2000" kern="0" dirty="0">
+                <a:solidFill>
+                  <a:srgbClr val="000000"/>
+                </a:solidFill>
+                <a:latin typeface="Menlo Regular"/>
+                <a:ea typeface="宋体"/>
+                <a:cs typeface="Times New Roman"/>
+              </a:rPr>
+              <a:t> </a:t>
+            </a:r>
+            <a:r>
+              <a:rPr lang="zh-CN" altLang="zh-CN" sz="2000" kern="0" dirty="0">
+                <a:solidFill>
+                  <a:srgbClr val="000000"/>
+                </a:solidFill>
+                <a:latin typeface="Menlo Regular"/>
+                <a:ea typeface="宋体"/>
+                <a:cs typeface="Menlo Regular"/>
+              </a:rPr>
+              <a:t>类名</a:t>
+            </a:r>
+            <a:r>
+              <a:rPr lang="en-US" altLang="zh-CN" sz="2000" kern="0" dirty="0">
+                <a:solidFill>
+                  <a:srgbClr val="000000"/>
+                </a:solidFill>
+                <a:latin typeface="Menlo Regular"/>
+                <a:ea typeface="宋体"/>
+                <a:cs typeface="Times New Roman"/>
+              </a:rPr>
+              <a:t> : </a:t>
+            </a:r>
+            <a:r>
+              <a:rPr lang="zh-CN" altLang="zh-CN" sz="2000" kern="0" dirty="0">
+                <a:solidFill>
+                  <a:srgbClr val="5C2699"/>
+                </a:solidFill>
+                <a:latin typeface="Menlo Regular"/>
+                <a:ea typeface="宋体"/>
+                <a:cs typeface="Menlo Regular"/>
+              </a:rPr>
+              <a:t>父类</a:t>
+            </a:r>
+            <a:r>
+              <a:rPr lang="en-US" altLang="zh-CN" sz="2000" kern="0" dirty="0">
+                <a:solidFill>
+                  <a:srgbClr val="000000"/>
+                </a:solidFill>
+                <a:latin typeface="Menlo Regular"/>
+                <a:ea typeface="宋体"/>
+                <a:cs typeface="Times New Roman"/>
+              </a:rPr>
+              <a:t> &lt;</a:t>
+            </a:r>
+            <a:r>
+              <a:rPr lang="zh-CN" altLang="zh-CN" sz="2000" kern="0" dirty="0">
+                <a:solidFill>
+                  <a:srgbClr val="FF6700"/>
+                </a:solidFill>
+                <a:latin typeface="Menlo Regular"/>
+                <a:ea typeface="宋体"/>
+                <a:cs typeface="Menlo Regular"/>
+              </a:rPr>
+              <a:t>协议名称</a:t>
+            </a:r>
+            <a:r>
+              <a:rPr lang="en-US" altLang="zh-CN" sz="2000" kern="0" dirty="0">
+                <a:solidFill>
+                  <a:srgbClr val="FF6700"/>
+                </a:solidFill>
+                <a:latin typeface="Menlo Regular"/>
+                <a:ea typeface="宋体"/>
+                <a:cs typeface="Menlo Regular"/>
+              </a:rPr>
+              <a:t>1,</a:t>
+            </a:r>
+            <a:r>
+              <a:rPr lang="zh-CN" altLang="en-US" sz="2000" kern="0" dirty="0">
+                <a:solidFill>
+                  <a:srgbClr val="FF6700"/>
+                </a:solidFill>
+                <a:latin typeface="Menlo Regular"/>
+                <a:ea typeface="宋体"/>
+                <a:cs typeface="Menlo Regular"/>
+              </a:rPr>
+              <a:t> </a:t>
+            </a:r>
+            <a:r>
+              <a:rPr lang="zh-CN" altLang="zh-CN" sz="2000" kern="0" dirty="0">
+                <a:solidFill>
+                  <a:srgbClr val="FF6700"/>
+                </a:solidFill>
+                <a:latin typeface="Menlo Regular"/>
+                <a:ea typeface="宋体"/>
+                <a:cs typeface="Menlo Regular"/>
+              </a:rPr>
+              <a:t>协议名称2</a:t>
+            </a:r>
+            <a:r>
+              <a:rPr lang="en-US" altLang="zh-CN" sz="2000" kern="0" dirty="0">
+                <a:solidFill>
+                  <a:srgbClr val="FF6700"/>
+                </a:solidFill>
+                <a:latin typeface="Menlo Regular"/>
+                <a:ea typeface="宋体"/>
+                <a:cs typeface="Menlo Regular"/>
+              </a:rPr>
+              <a:t>,…</a:t>
+            </a:r>
+            <a:r>
+              <a:rPr lang="en-US" altLang="zh-CN" sz="2000" kern="0" dirty="0">
+                <a:solidFill>
+                  <a:srgbClr val="000000"/>
+                </a:solidFill>
+                <a:latin typeface="Menlo Regular"/>
+                <a:ea typeface="宋体"/>
+                <a:cs typeface="Times New Roman"/>
+              </a:rPr>
+              <a:t>&gt;</a:t>
+            </a:r>
+            <a:endParaRPr lang="en-US" altLang="zh-CN" sz="2000" kern="100" dirty="0">
+              <a:latin typeface="Cambria"/>
+              <a:ea typeface="宋体"/>
+              <a:cs typeface="Times New Roman"/>
+            </a:endParaRPr>
+          </a:p>
+          <a:p>
+            <a:pPr marL="0" indent="0" algn="just">
+              <a:spcAft>
+                <a:spcPts val="0"/>
+              </a:spcAft>
+              <a:buNone/>
+            </a:pPr>
+            <a:r>
+              <a:rPr lang="en-US" altLang="zh-CN" sz="2000" kern="0" dirty="0">
+                <a:solidFill>
+                  <a:srgbClr val="760F50"/>
+                </a:solidFill>
+                <a:latin typeface="Menlo Regular"/>
+                <a:ea typeface="宋体"/>
+                <a:cs typeface="Times New Roman"/>
+              </a:rPr>
+              <a:t>@end</a:t>
+            </a:r>
+          </a:p>
+          <a:p>
+            <a:pPr marL="0" indent="0" algn="just">
+              <a:spcAft>
+                <a:spcPts val="0"/>
+              </a:spcAft>
+              <a:buNone/>
+            </a:pPr>
+            <a:endParaRPr lang="en-US" altLang="zh-CN" sz="2000" kern="0" dirty="0">
+              <a:solidFill>
+                <a:srgbClr val="760F50"/>
+              </a:solidFill>
+              <a:latin typeface="Menlo Regular"/>
+              <a:ea typeface="宋体"/>
+              <a:cs typeface="Times New Roman"/>
+            </a:endParaRPr>
+          </a:p>
+          <a:p>
+            <a:pPr marL="342900" indent="-342900">
+              <a:buFont typeface="Wingdings" charset="2"/>
+              <a:buChar char="u"/>
+            </a:pPr>
+            <a:r>
+              <a:rPr lang="zh-CN" altLang="zh-CN" sz="2000" dirty="0"/>
+              <a:t>协议中有</a:t>
+            </a:r>
+            <a:r>
+              <a:rPr lang="en-US" altLang="zh-CN" sz="2000" dirty="0"/>
+              <a:t>2</a:t>
+            </a:r>
+            <a:r>
+              <a:rPr lang="zh-CN" altLang="zh-CN" sz="2000" dirty="0"/>
+              <a:t>个关键字可以控制方法是否要实现</a:t>
+            </a:r>
+            <a:r>
+              <a:rPr lang="en-US" altLang="zh-CN" sz="2000" dirty="0"/>
+              <a:t>(</a:t>
+            </a:r>
+            <a:r>
+              <a:rPr lang="zh-CN" altLang="zh-CN" sz="2000" dirty="0"/>
+              <a:t>默认是</a:t>
+            </a:r>
+            <a:r>
+              <a:rPr lang="en-US" altLang="zh-CN" sz="2000" dirty="0"/>
+              <a:t>@required</a:t>
+            </a:r>
+            <a:r>
+              <a:rPr lang="zh-CN" altLang="zh-CN" sz="2000" dirty="0"/>
+              <a:t>，在大多数情况下，用途在于程序员之间的交流</a:t>
+            </a:r>
+            <a:r>
+              <a:rPr lang="en-US" altLang="zh-CN" sz="2000" dirty="0"/>
+              <a:t>)</a:t>
+            </a:r>
+          </a:p>
+          <a:p>
+            <a:pPr lvl="0">
+              <a:buFont typeface="Wingdings" charset="2"/>
+              <a:buChar char="Ø"/>
+            </a:pPr>
+            <a:r>
+              <a:rPr lang="en-US" altLang="zh-CN" sz="2000" kern="0" dirty="0">
+                <a:solidFill>
+                  <a:srgbClr val="760F50"/>
+                </a:solidFill>
+                <a:latin typeface="Menlo Regular"/>
+                <a:ea typeface="宋体"/>
+                <a:cs typeface="Times New Roman"/>
+              </a:rPr>
+              <a:t>@required</a:t>
+            </a:r>
+            <a:r>
+              <a:rPr lang="zh-CN" altLang="zh-CN" sz="2000" dirty="0"/>
+              <a:t>：这个方法必须要实现（若不实现，编译器会发出警告）</a:t>
+            </a:r>
+            <a:endParaRPr lang="en-US" altLang="zh-CN" sz="2000" dirty="0"/>
+          </a:p>
+          <a:p>
+            <a:pPr lvl="0">
+              <a:buFont typeface="Wingdings" charset="2"/>
+              <a:buChar char="Ø"/>
+            </a:pPr>
+            <a:r>
+              <a:rPr lang="en-US" altLang="zh-CN" sz="2000" kern="0" dirty="0">
+                <a:solidFill>
+                  <a:srgbClr val="760F50"/>
+                </a:solidFill>
+                <a:latin typeface="Menlo Regular"/>
+                <a:ea typeface="宋体"/>
+                <a:cs typeface="Times New Roman"/>
+              </a:rPr>
+              <a:t>@optional</a:t>
+            </a:r>
+            <a:r>
+              <a:rPr lang="zh-CN" altLang="zh-CN" sz="2000" dirty="0"/>
+              <a:t>：这个方法不一定要实现</a:t>
+            </a:r>
+            <a:endParaRPr lang="en-US" altLang="zh-CN" sz="2000" dirty="0"/>
+          </a:p>
+        </p:txBody>
+      </p:sp>
+    </p:spTree>
+    <p:extLst>
+      <p:ext uri="{BB962C8B-B14F-4D97-AF65-F5344CB8AC3E}">
+        <p14:creationId xmlns:p14="http://schemas.microsoft.com/office/powerpoint/2010/main" val="2849148976"/>
+      </p:ext>
+    </p:extLst>
+  </p:cSld>
+  <p:clrMapOvr>
+    <a:masterClrMapping/>
+  </p:clrMapOvr>
+  <p:timing>
+    <p:tnLst>
+      <p:par>
+        <p:cTn xmlns:p14="http://schemas.microsoft.com/office/powerpoint/2010/main" id="1" dur="indefinite" restart="never" nodeType="tmRoot"/>
+      </p:par>
+    </p:tnLst>
+  </p:timing>
+</p:sld>
+</file>
+
+<file path=ppt/slides/slide4.xml><?xml version="1.0" encoding="utf-8"?>
+<p:sld xmlns:a="http://schemas.openxmlformats.org/drawingml/2006/main" xmlns:r="http://schemas.openxmlformats.org/officeDocument/2006/relationships" xmlns:p="http://schemas.openxmlformats.org/presentationml/2006/main">
+  <p:cSld>
+    <p:spTree>
+      <p:nvGrpSpPr>
+        <p:cNvPr id="1" name=""/>
+        <p:cNvGrpSpPr/>
+        <p:nvPr/>
+      </p:nvGrpSpPr>
+      <p:grpSpPr>
+        <a:xfrm>
+          <a:off x="0" y="0"/>
+          <a:ext cx="0" cy="0"/>
+          <a:chOff x="0" y="0"/>
+          <a:chExt cx="0" cy="0"/>
+        </a:xfrm>
+      </p:grpSpPr>
+      <p:sp>
+        <p:nvSpPr>
+          <p:cNvPr id="2" name="标题 1"/>
+          <p:cNvSpPr>
+            <a:spLocks noGrp="1"/>
+          </p:cNvSpPr>
+          <p:nvPr>
+            <p:ph type="title"/>
+          </p:nvPr>
+        </p:nvSpPr>
+        <p:spPr/>
+        <p:txBody>
+          <a:bodyPr/>
+          <a:lstStyle/>
+          <a:p>
+            <a:r>
+              <a:rPr kumimoji="1" lang="zh-CN" altLang="en-US" dirty="0"/>
+              <a:t>协议遵守协议</a:t>
+            </a:r>
+            <a:endParaRPr kumimoji="1" lang="zh-CN" altLang="en-US" dirty="0"/>
+          </a:p>
+        </p:txBody>
+      </p:sp>
+      <p:sp>
+        <p:nvSpPr>
+          <p:cNvPr id="3" name="幻灯片编号占位符 2"/>
+          <p:cNvSpPr>
+            <a:spLocks noGrp="1"/>
+          </p:cNvSpPr>
+          <p:nvPr>
+            <p:ph type="sldNum" sz="quarter" idx="4"/>
+          </p:nvPr>
+        </p:nvSpPr>
+        <p:spPr/>
+        <p:txBody>
+          <a:bodyPr/>
+          <a:lstStyle/>
+          <a:p>
+            <a:fld id="{BF10DB53-D7D3-4DB6-A29F-40217B92EC88}" type="slidenum">
+              <a:rPr lang="en-US" smtClean="0"/>
+              <a:pPr/>
+              <a:t>3</a:t>
+            </a:fld>
+            <a:endParaRPr lang="en-US" dirty="0"/>
+          </a:p>
+        </p:txBody>
+      </p:sp>
+      <p:sp>
+        <p:nvSpPr>
+          <p:cNvPr id="5" name="文本框 4"/>
+          <p:cNvSpPr txBox="1"/>
+          <p:nvPr/>
+        </p:nvSpPr>
+        <p:spPr>
+          <a:xfrm>
+            <a:off x="251520" y="1484784"/>
+            <a:ext cx="8352928" cy="1631216"/>
+          </a:xfrm>
+          <a:prstGeom prst="rect">
+            <a:avLst/>
+          </a:prstGeom>
+          <a:noFill/>
+        </p:spPr>
+        <p:txBody>
+          <a:bodyPr wrap="square" rtlCol="0">
+            <a:spAutoFit/>
+          </a:bodyPr>
+          <a:lstStyle/>
+          <a:p>
+            <a:pPr marL="342900" lvl="0" indent="-342900">
+              <a:buFont typeface="Wingdings" charset="2"/>
+              <a:buChar char="u"/>
+            </a:pPr>
+            <a:r>
+              <a:rPr lang="zh-CN" altLang="zh-CN" sz="2000" dirty="0"/>
+              <a:t>一个协议可以遵守其他多个协议</a:t>
+            </a:r>
+            <a:endParaRPr lang="en-US" altLang="zh-CN" sz="2000" dirty="0"/>
+          </a:p>
+          <a:p>
+            <a:pPr lvl="0"/>
+            <a:endParaRPr lang="en-US" altLang="zh-CN" sz="2000" dirty="0"/>
+          </a:p>
+          <a:p>
+            <a:pPr marL="342900" lvl="0" indent="-342900">
+              <a:buFont typeface="Wingdings" charset="2"/>
+              <a:buChar char="u"/>
+            </a:pPr>
+            <a:r>
+              <a:rPr lang="zh-CN" altLang="zh-CN" sz="2000" dirty="0"/>
+              <a:t>一个协议遵守了其他协议，就相当于拥有了其他协议中的方法声明</a:t>
+            </a:r>
+            <a:endParaRPr lang="en-US" altLang="zh-CN" sz="2000" dirty="0"/>
+          </a:p>
+          <a:p>
+            <a:pPr marL="0" indent="0">
+              <a:buNone/>
+              <a:tabLst>
+                <a:tab pos="549910" algn="l"/>
+              </a:tabLst>
+            </a:pPr>
+            <a:r>
+              <a:rPr lang="en-US" altLang="zh-CN" sz="2000" kern="0" dirty="0">
+                <a:solidFill>
+                  <a:srgbClr val="760F50"/>
+                </a:solidFill>
+                <a:latin typeface="Menlo Regular"/>
+                <a:ea typeface="宋体"/>
+                <a:cs typeface="Times New Roman"/>
+              </a:rPr>
+              <a:t>@protocol</a:t>
+            </a:r>
+            <a:r>
+              <a:rPr lang="en-US" altLang="zh-CN" sz="2000" kern="0" dirty="0">
+                <a:solidFill>
+                  <a:srgbClr val="000000"/>
+                </a:solidFill>
+                <a:latin typeface="Menlo Regular"/>
+                <a:ea typeface="宋体"/>
+                <a:cs typeface="Times New Roman"/>
+              </a:rPr>
+              <a:t> </a:t>
+            </a:r>
+            <a:r>
+              <a:rPr lang="zh-CN" altLang="zh-CN" sz="2000" kern="0" dirty="0">
+                <a:solidFill>
+                  <a:srgbClr val="000000"/>
+                </a:solidFill>
+                <a:latin typeface="Menlo Regular"/>
+                <a:ea typeface="宋体"/>
+                <a:cs typeface="Menlo Regular"/>
+              </a:rPr>
+              <a:t>协议名称</a:t>
+            </a:r>
+            <a:r>
+              <a:rPr lang="en-US" altLang="zh-CN" sz="2000" kern="0" dirty="0">
+                <a:solidFill>
+                  <a:srgbClr val="000000"/>
+                </a:solidFill>
+                <a:latin typeface="Menlo Regular"/>
+                <a:ea typeface="宋体"/>
+                <a:cs typeface="Times New Roman"/>
+              </a:rPr>
+              <a:t> &lt;</a:t>
+            </a:r>
+            <a:r>
+              <a:rPr lang="zh-CN" altLang="zh-CN" sz="2000" kern="0" dirty="0">
+                <a:solidFill>
+                  <a:schemeClr val="accent3"/>
+                </a:solidFill>
+                <a:latin typeface="Menlo Regular"/>
+                <a:ea typeface="宋体"/>
+                <a:cs typeface="Menlo Regular"/>
+              </a:rPr>
+              <a:t>协议</a:t>
+            </a:r>
+            <a:r>
+              <a:rPr lang="en-US" altLang="zh-CN" sz="2000" kern="0" dirty="0">
+                <a:solidFill>
+                  <a:schemeClr val="accent3"/>
+                </a:solidFill>
+                <a:latin typeface="Menlo Regular"/>
+                <a:ea typeface="宋体"/>
+                <a:cs typeface="Times New Roman"/>
+              </a:rPr>
+              <a:t>1, </a:t>
+            </a:r>
+            <a:r>
+              <a:rPr lang="zh-CN" altLang="zh-CN" sz="2000" kern="0" dirty="0">
+                <a:solidFill>
+                  <a:schemeClr val="accent3"/>
+                </a:solidFill>
+                <a:latin typeface="Menlo Regular"/>
+                <a:ea typeface="宋体"/>
+                <a:cs typeface="Menlo Regular"/>
+              </a:rPr>
+              <a:t>协议</a:t>
+            </a:r>
+            <a:r>
+              <a:rPr lang="en-US" altLang="zh-CN" sz="2000" kern="0" dirty="0">
+                <a:solidFill>
+                  <a:schemeClr val="accent3"/>
+                </a:solidFill>
+                <a:latin typeface="Menlo Regular"/>
+                <a:ea typeface="宋体"/>
+                <a:cs typeface="Times New Roman"/>
+              </a:rPr>
+              <a:t>2</a:t>
+            </a:r>
+            <a:r>
+              <a:rPr lang="en-US" altLang="zh-CN" sz="2000" kern="0" dirty="0">
+                <a:solidFill>
+                  <a:srgbClr val="000000"/>
+                </a:solidFill>
+                <a:latin typeface="Menlo Regular"/>
+                <a:ea typeface="宋体"/>
+                <a:cs typeface="Times New Roman"/>
+              </a:rPr>
+              <a:t>&gt;</a:t>
+            </a:r>
+            <a:endParaRPr lang="en-US" altLang="zh-CN" sz="2000" kern="100" dirty="0">
+              <a:latin typeface="Cambria"/>
+              <a:ea typeface="宋体"/>
+              <a:cs typeface="Times New Roman"/>
+            </a:endParaRPr>
+          </a:p>
+          <a:p>
+            <a:pPr marL="0" indent="0" algn="just">
+              <a:spcAft>
+                <a:spcPts val="0"/>
+              </a:spcAft>
+              <a:buNone/>
+            </a:pPr>
+            <a:r>
+              <a:rPr lang="en-US" altLang="zh-CN" sz="2000" kern="0" dirty="0">
+                <a:solidFill>
+                  <a:srgbClr val="760F50"/>
+                </a:solidFill>
+                <a:latin typeface="Menlo Regular"/>
+                <a:ea typeface="宋体"/>
+                <a:cs typeface="Times New Roman"/>
+              </a:rPr>
+              <a:t>@end</a:t>
+            </a:r>
+            <a:endParaRPr lang="en-US" altLang="zh-CN" sz="2000" kern="100" dirty="0">
+              <a:latin typeface="Cambria"/>
+              <a:ea typeface="宋体"/>
+              <a:cs typeface="Times New Roman"/>
+            </a:endParaRPr>
+          </a:p>
+        </p:txBody>
+      </p:sp>
+    </p:spTree>
+    <p:extLst>
+      <p:ext uri="{BB962C8B-B14F-4D97-AF65-F5344CB8AC3E}">
+        <p14:creationId xmlns:p14="http://schemas.microsoft.com/office/powerpoint/2010/main" val="3912485790"/>
+      </p:ext>
+    </p:extLst>
+  </p:cSld>
+  <p:clrMapOvr>
+    <a:masterClrMapping/>
+  </p:clrMapOvr>
+  <p:timing>
+    <p:tnLst>
+      <p:par>
+        <p:cTn xmlns:p14="http://schemas.microsoft.com/office/powerpoint/2010/main" id="1" dur="indefinite" restart="never" nodeType="tmRoot"/>
+      </p:par>
+    </p:tnLst>
+  </p:timing>
+</p:sld>
+</file>
+
+<file path=ppt/slides/slide5.xml><?xml version="1.0" encoding="utf-8"?>
+<p:sld xmlns:a="http://schemas.openxmlformats.org/drawingml/2006/main" xmlns:r="http://schemas.openxmlformats.org/officeDocument/2006/relationships" xmlns:p="http://schemas.openxmlformats.org/presentationml/2006/main">
+  <p:cSld>
+    <p:spTree>
+      <p:nvGrpSpPr>
+        <p:cNvPr id="1" name=""/>
+        <p:cNvGrpSpPr/>
+        <p:nvPr/>
+      </p:nvGrpSpPr>
+      <p:grpSpPr>
+        <a:xfrm>
+          <a:off x="0" y="0"/>
+          <a:ext cx="0" cy="0"/>
+          <a:chOff x="0" y="0"/>
+          <a:chExt cx="0" cy="0"/>
+        </a:xfrm>
+      </p:grpSpPr>
+      <p:sp>
+        <p:nvSpPr>
+          <p:cNvPr id="2" name="标题 1"/>
+          <p:cNvSpPr>
+            <a:spLocks noGrp="1"/>
+          </p:cNvSpPr>
+          <p:nvPr>
+            <p:ph type="title"/>
+          </p:nvPr>
+        </p:nvSpPr>
+        <p:spPr/>
+        <p:txBody>
+          <a:bodyPr/>
+          <a:lstStyle/>
+          <a:p>
+            <a:r>
+              <a:rPr kumimoji="1" lang="zh-CN" altLang="en-US" dirty="0"/>
+              <a:t>基协议</a:t>
+            </a:r>
+            <a:endParaRPr kumimoji="1" lang="zh-CN" altLang="en-US" dirty="0"/>
+          </a:p>
+        </p:txBody>
+      </p:sp>
+      <p:sp>
+        <p:nvSpPr>
+          <p:cNvPr id="3" name="幻灯片编号占位符 2"/>
+          <p:cNvSpPr>
+            <a:spLocks noGrp="1"/>
+          </p:cNvSpPr>
+          <p:nvPr>
+            <p:ph type="sldNum" sz="quarter" idx="4"/>
+          </p:nvPr>
+        </p:nvSpPr>
+        <p:spPr/>
+        <p:txBody>
+          <a:bodyPr/>
+          <a:lstStyle/>
+          <a:p>
+            <a:fld id="{BF10DB53-D7D3-4DB6-A29F-40217B92EC88}" type="slidenum">
+              <a:rPr lang="en-US" smtClean="0"/>
+              <a:pPr/>
+              <a:t>4</a:t>
+            </a:fld>
+            <a:endParaRPr lang="en-US" dirty="0"/>
+          </a:p>
+        </p:txBody>
+      </p:sp>
+      <p:sp>
+        <p:nvSpPr>
+          <p:cNvPr id="5" name="文本框 4"/>
+          <p:cNvSpPr txBox="1"/>
+          <p:nvPr/>
+        </p:nvSpPr>
+        <p:spPr>
+          <a:xfrm>
+            <a:off x="251520" y="1484784"/>
+            <a:ext cx="8352928" cy="3785652"/>
+          </a:xfrm>
+          <a:prstGeom prst="rect">
+            <a:avLst/>
+          </a:prstGeom>
+          <a:noFill/>
+        </p:spPr>
+        <p:txBody>
+          <a:bodyPr wrap="square" rtlCol="0">
+            <a:spAutoFit/>
+          </a:bodyPr>
+          <a:lstStyle/>
+          <a:p>
+            <a:pPr marL="342900" lvl="0" indent="-342900">
+              <a:buClr>
+                <a:schemeClr val="tx1"/>
+              </a:buClr>
+              <a:buFont typeface="Wingdings" charset="2"/>
+              <a:buChar char="u"/>
+            </a:pPr>
+            <a:r>
+              <a:rPr lang="en-US" altLang="zh-CN" sz="2000" kern="0" dirty="0" err="1">
+                <a:solidFill>
+                  <a:srgbClr val="760F50"/>
+                </a:solidFill>
+                <a:latin typeface="Menlo Regular"/>
+                <a:ea typeface="宋体"/>
+                <a:cs typeface="Times New Roman"/>
+              </a:rPr>
+              <a:t>NSObject</a:t>
+            </a:r>
+            <a:r>
+              <a:rPr lang="zh-CN" altLang="zh-CN" sz="2000" dirty="0"/>
+              <a:t>是一个基类，最根本最基本的类，任何其他类最终都要继承它</a:t>
+            </a:r>
+            <a:endParaRPr lang="en-US" altLang="zh-CN" sz="2000" dirty="0"/>
+          </a:p>
+          <a:p>
+            <a:pPr lvl="0"/>
+            <a:endParaRPr lang="en-US" altLang="zh-CN" sz="2000" dirty="0"/>
+          </a:p>
+          <a:p>
+            <a:pPr marL="342900" lvl="0" indent="-342900">
+              <a:buFont typeface="Wingdings" charset="2"/>
+              <a:buChar char="u"/>
+            </a:pPr>
+            <a:r>
+              <a:rPr lang="zh-CN" altLang="zh-CN" sz="2000" dirty="0"/>
+              <a:t>还有名字也叫</a:t>
+            </a:r>
+            <a:r>
+              <a:rPr lang="en-US" altLang="zh-CN" sz="2000" kern="0" dirty="0" err="1">
+                <a:solidFill>
+                  <a:srgbClr val="760F50"/>
+                </a:solidFill>
+                <a:latin typeface="Menlo Regular"/>
+                <a:ea typeface="宋体"/>
+                <a:cs typeface="Times New Roman"/>
+              </a:rPr>
+              <a:t>NSObject</a:t>
+            </a:r>
+            <a:r>
+              <a:rPr lang="zh-CN" altLang="en-US" sz="2000" dirty="0"/>
+              <a:t>的</a:t>
+            </a:r>
+            <a:r>
+              <a:rPr lang="zh-CN" altLang="zh-CN" sz="2000" dirty="0"/>
+              <a:t>协议，它是一个基协议，最根本最基本的协议</a:t>
+            </a:r>
+            <a:endParaRPr lang="en-US" altLang="zh-CN" sz="2000" dirty="0"/>
+          </a:p>
+          <a:p>
+            <a:pPr lvl="0"/>
+            <a:endParaRPr lang="en-US" altLang="zh-CN" sz="2000" dirty="0"/>
+          </a:p>
+          <a:p>
+            <a:pPr marL="342900" lvl="0" indent="-342900">
+              <a:buClr>
+                <a:schemeClr val="tx1"/>
+              </a:buClr>
+              <a:buFont typeface="Wingdings" charset="2"/>
+              <a:buChar char="u"/>
+            </a:pPr>
+            <a:r>
+              <a:rPr lang="en-US" altLang="zh-CN" sz="2000" kern="0" dirty="0" err="1">
+                <a:solidFill>
+                  <a:srgbClr val="760F50"/>
+                </a:solidFill>
+                <a:latin typeface="Menlo Regular"/>
+                <a:ea typeface="宋体"/>
+                <a:cs typeface="Times New Roman"/>
+              </a:rPr>
+              <a:t>NSObject</a:t>
+            </a:r>
+            <a:r>
+              <a:rPr lang="zh-CN" altLang="zh-CN" sz="2000" dirty="0"/>
+              <a:t>协议中声明很多最基本的方法</a:t>
+            </a:r>
+            <a:endParaRPr lang="en-US" altLang="zh-CN" sz="2000" dirty="0"/>
+          </a:p>
+          <a:p>
+            <a:pPr lvl="0">
+              <a:buFont typeface="Wingdings" charset="2"/>
+              <a:buChar char="Ø"/>
+            </a:pPr>
+            <a:r>
+              <a:rPr lang="en-US" altLang="zh-CN" sz="2000" dirty="0"/>
+              <a:t>description</a:t>
+            </a:r>
+          </a:p>
+          <a:p>
+            <a:pPr lvl="0">
+              <a:buFont typeface="Wingdings" charset="2"/>
+              <a:buChar char="Ø"/>
+            </a:pPr>
+            <a:r>
+              <a:rPr lang="en-US" altLang="zh-CN" sz="2000" dirty="0"/>
+              <a:t>retain</a:t>
+            </a:r>
+          </a:p>
+          <a:p>
+            <a:pPr lvl="0">
+              <a:buFont typeface="Wingdings" charset="2"/>
+              <a:buChar char="Ø"/>
+            </a:pPr>
+            <a:r>
+              <a:rPr lang="en-US" altLang="zh-CN" sz="2000" dirty="0"/>
+              <a:t>release</a:t>
+            </a:r>
+          </a:p>
+          <a:p>
+            <a:pPr lvl="0"/>
+            <a:endParaRPr lang="en-US" altLang="zh-CN" sz="2000" dirty="0"/>
+          </a:p>
+          <a:p>
+            <a:pPr marL="342900" lvl="0" indent="-342900">
+              <a:buFont typeface="Wingdings" charset="2"/>
+              <a:buChar char="u"/>
+            </a:pPr>
+            <a:r>
+              <a:rPr lang="zh-CN" altLang="zh-CN" sz="2000" dirty="0"/>
+              <a:t>建议每个新的协议都要遵守</a:t>
+            </a:r>
+            <a:r>
+              <a:rPr lang="en-US" altLang="zh-CN" sz="2000" kern="0" dirty="0" err="1">
+                <a:solidFill>
+                  <a:srgbClr val="760F50"/>
+                </a:solidFill>
+                <a:latin typeface="Menlo Regular"/>
+                <a:ea typeface="宋体"/>
+                <a:cs typeface="Times New Roman"/>
+              </a:rPr>
+              <a:t>NSObject</a:t>
+            </a:r>
+            <a:r>
+              <a:rPr lang="zh-CN" altLang="zh-CN" sz="2000" dirty="0"/>
+              <a:t>协议</a:t>
+            </a:r>
+            <a:endParaRPr lang="en-US" altLang="zh-CN" sz="2000" dirty="0"/>
+          </a:p>
+        </p:txBody>
+      </p:sp>
+    </p:spTree>
+    <p:extLst>
+      <p:ext uri="{BB962C8B-B14F-4D97-AF65-F5344CB8AC3E}">
+        <p14:creationId xmlns:p14="http://schemas.microsoft.com/office/powerpoint/2010/main" val="798621281"/>
       </p:ext>
     </p:extLst>
   </p:cSld>

--- a/资料/课件/OC/OC语言-4.2-设计模式-委托.pptx
+++ b/资料/课件/OC/OC语言-4.2-设计模式-委托.pptx
@@ -5,22 +5,23 @@
     <p:sldMasterId id="2147488748" r:id="rId1"/>
   </p:sldMasterIdLst>
   <p:notesMasterIdLst>
-    <p:notesMasterId r:id="rId7"/>
+    <p:notesMasterId r:id="rId8"/>
   </p:notesMasterIdLst>
   <p:handoutMasterIdLst>
-    <p:handoutMasterId r:id="rId8"/>
+    <p:handoutMasterId r:id="rId9"/>
   </p:handoutMasterIdLst>
   <p:sldIdLst>
     <p:sldId id="1551" r:id="rId2"/>
-    <p:sldId id="1552" r:id="rId3"/>
-    <p:sldId id="1553" r:id="rId4"/>
-    <p:sldId id="1554" r:id="rId5"/>
-    <p:sldId id="1555" r:id="rId6"/>
+    <p:sldId id="1556" r:id="rId3"/>
+    <p:sldId id="1552" r:id="rId4"/>
+    <p:sldId id="1553" r:id="rId5"/>
+    <p:sldId id="1554" r:id="rId6"/>
+    <p:sldId id="1555" r:id="rId7"/>
   </p:sldIdLst>
   <p:sldSz cx="9144000" cy="6858000" type="screen4x3"/>
   <p:notesSz cx="6797675" cy="9874250"/>
   <p:custDataLst>
-    <p:tags r:id="rId10"/>
+    <p:tags r:id="rId11"/>
   </p:custDataLst>
   <p:defaultTextStyle>
     <a:defPPr>
@@ -153,6 +154,7 @@
         <p14:section name="Default Section" id="{5009879F-230C-4AAA-9B60-41FFDFBA99F4}">
           <p14:sldIdLst>
             <p14:sldId id="1551"/>
+            <p14:sldId id="1556"/>
             <p14:sldId id="1552"/>
             <p14:sldId id="1553"/>
             <p14:sldId id="1554"/>
@@ -162,7 +164,7 @@
       </p14:sectionLst>
     </p:ext>
     <p:ext uri="{EFAFB233-063F-42B5-8137-9DF3F51BA10A}">
-      <p15:sldGuideLst xmlns="" xmlns:p15="http://schemas.microsoft.com/office/powerpoint/2012/main">
+      <p15:sldGuideLst xmlns:p15="http://schemas.microsoft.com/office/powerpoint/2012/main" xmlns="">
         <p15:guide id="1" orient="horz">
           <p15:clr>
             <a:srgbClr val="A4A3A4"/>
@@ -176,7 +178,7 @@
       </p15:sldGuideLst>
     </p:ext>
     <p:ext uri="{2D200454-40CA-4A62-9FC3-DE9A4176ACB9}">
-      <p15:notesGuideLst xmlns="" xmlns:p15="http://schemas.microsoft.com/office/powerpoint/2012/main">
+      <p15:notesGuideLst xmlns:p15="http://schemas.microsoft.com/office/powerpoint/2012/main" xmlns="">
         <p15:guide id="1" orient="horz" pos="3109">
           <p15:clr>
             <a:srgbClr val="A4A3A4"/>
@@ -280,7 +282,7 @@
                 <a:ea typeface="微软雅黑" pitchFamily="34" charset="-122"/>
               </a:rPr>
               <a:pPr/>
-              <a:t>15/3/23</a:t>
+              <a:t>15/3/24</a:t>
             </a:fld>
             <a:endParaRPr lang="zh-CN" altLang="en-US" dirty="0">
               <a:ea typeface="微软雅黑" pitchFamily="34" charset="-122"/>
@@ -484,7 +486,7 @@
             <a:fld id="{DF9E65B2-A0B4-4242-9432-201E84F17494}" type="datetime1">
               <a:rPr lang="en-US" smtClean="0"/>
               <a:pPr/>
-              <a:t>15/3/23</a:t>
+              <a:t>15/3/24</a:t>
             </a:fld>
             <a:endParaRPr lang="en-US" dirty="0"/>
           </a:p>
@@ -1413,7 +1415,7 @@
             <a:fld id="{055FF6D4-D4D7-426A-98F7-170A3668379E}" type="datetime1">
               <a:rPr lang="en-US" smtClean="0"/>
               <a:pPr/>
-              <a:t>15/3/23</a:t>
+              <a:t>15/3/24</a:t>
             </a:fld>
             <a:endParaRPr lang="en-US" dirty="0"/>
           </a:p>
@@ -2040,7 +2042,7 @@
             <a:fld id="{74CBEAF9-9E58-4CC8-A6FF-6DD8A58DEEA4}" type="datetimeFigureOut">
               <a:rPr lang="en-US" smtClean="0"/>
               <a:pPr eaLnBrk="1" latinLnBrk="0" hangingPunct="1"/>
-              <a:t>15/3/23</a:t>
+              <a:t>15/3/24</a:t>
             </a:fld>
             <a:endParaRPr lang="en-US"/>
           </a:p>
@@ -2558,7 +2560,7 @@
             <a:fld id="{74CBEAF9-9E58-4CC8-A6FF-6DD8A58DEEA4}" type="datetimeFigureOut">
               <a:rPr lang="en-US" smtClean="0"/>
               <a:pPr algn="l" eaLnBrk="1" latinLnBrk="0" hangingPunct="1"/>
-              <a:t>15/3/23</a:t>
+              <a:t>15/3/24</a:t>
             </a:fld>
             <a:endParaRPr lang="en-US" dirty="0">
               <a:solidFill>
@@ -3093,7 +3095,7 @@
             <a:fld id="{74CBEAF9-9E58-4CC8-A6FF-6DD8A58DEEA4}" type="datetimeFigureOut">
               <a:rPr lang="en-US" smtClean="0"/>
               <a:pPr algn="l" eaLnBrk="1" latinLnBrk="0" hangingPunct="1"/>
-              <a:t>15/3/23</a:t>
+              <a:t>15/3/24</a:t>
             </a:fld>
             <a:endParaRPr lang="en-US" dirty="0">
               <a:solidFill>
@@ -3929,7 +3931,7 @@
             <a:fld id="{74CBEAF9-9E58-4CC8-A6FF-6DD8A58DEEA4}" type="datetimeFigureOut">
               <a:rPr lang="en-US" smtClean="0"/>
               <a:pPr eaLnBrk="1" latinLnBrk="0" hangingPunct="1"/>
-              <a:t>15/3/23</a:t>
+              <a:t>15/3/24</a:t>
             </a:fld>
             <a:endParaRPr lang="en-US"/>
           </a:p>
@@ -4511,7 +4513,7 @@
             <a:fld id="{42295D47-465E-4A05-802B-049480555B6D}" type="datetime1">
               <a:rPr lang="en-US" smtClean="0"/>
               <a:pPr/>
-              <a:t>15/3/23</a:t>
+              <a:t>15/3/24</a:t>
             </a:fld>
             <a:endParaRPr lang="en-US"/>
           </a:p>
@@ -5142,7 +5144,7 @@
             <a:fld id="{74CBEAF9-9E58-4CC8-A6FF-6DD8A58DEEA4}" type="datetimeFigureOut">
               <a:rPr lang="en-US" smtClean="0"/>
               <a:pPr algn="l" eaLnBrk="1" latinLnBrk="0" hangingPunct="1"/>
-              <a:t>15/3/23</a:t>
+              <a:t>15/3/24</a:t>
             </a:fld>
             <a:endParaRPr lang="en-US" dirty="0">
               <a:solidFill>
@@ -5924,7 +5926,7 @@
             <a:fld id="{74CBEAF9-9E58-4CC8-A6FF-6DD8A58DEEA4}" type="datetimeFigureOut">
               <a:rPr lang="en-US" smtClean="0"/>
               <a:pPr eaLnBrk="1" latinLnBrk="0" hangingPunct="1"/>
-              <a:t>15/3/23</a:t>
+              <a:t>15/3/24</a:t>
             </a:fld>
             <a:endParaRPr lang="en-US"/>
           </a:p>
@@ -6385,7 +6387,7 @@
             <a:fld id="{74CBEAF9-9E58-4CC8-A6FF-6DD8A58DEEA4}" type="datetimeFigureOut">
               <a:rPr lang="en-US" smtClean="0"/>
               <a:pPr eaLnBrk="1" latinLnBrk="0" hangingPunct="1"/>
-              <a:t>15/3/23</a:t>
+              <a:t>15/3/24</a:t>
             </a:fld>
             <a:endParaRPr lang="en-US"/>
           </a:p>
@@ -6814,7 +6816,7 @@
             <a:fld id="{74CBEAF9-9E58-4CC8-A6FF-6DD8A58DEEA4}" type="datetimeFigureOut">
               <a:rPr lang="en-US" smtClean="0"/>
               <a:pPr eaLnBrk="1" latinLnBrk="0" hangingPunct="1"/>
-              <a:t>15/3/23</a:t>
+              <a:t>15/3/24</a:t>
             </a:fld>
             <a:endParaRPr lang="en-US"/>
           </a:p>
@@ -7435,7 +7437,7 @@
             <a:fld id="{74CBEAF9-9E58-4CC8-A6FF-6DD8A58DEEA4}" type="datetimeFigureOut">
               <a:rPr lang="en-US" smtClean="0"/>
               <a:pPr eaLnBrk="1" latinLnBrk="0" hangingPunct="1"/>
-              <a:t>15/3/23</a:t>
+              <a:t>15/3/24</a:t>
             </a:fld>
             <a:endParaRPr lang="en-US"/>
           </a:p>
@@ -7700,7 +7702,7 @@
             <a:fld id="{74CBEAF9-9E58-4CC8-A6FF-6DD8A58DEEA4}" type="datetimeFigureOut">
               <a:rPr lang="en-US" smtClean="0"/>
               <a:pPr algn="l" eaLnBrk="1" latinLnBrk="0" hangingPunct="1"/>
-              <a:t>15/3/23</a:t>
+              <a:t>15/3/24</a:t>
             </a:fld>
             <a:endParaRPr lang="en-US" dirty="0">
               <a:solidFill>
@@ -8525,12 +8527,28 @@
           <a:lstStyle/>
           <a:p>
             <a:r>
-              <a:rPr kumimoji="1" lang="en-US" altLang="en-US" dirty="0" err="1"/>
-              <a:t>什么是</a:t>
-            </a:r>
-            <a:r>
-              <a:rPr kumimoji="1" lang="en-US" altLang="zh-CN" dirty="0" err="1"/>
-              <a:t>Protocol</a:t>
+              <a:rPr lang="en-GB" altLang="zh-CN" dirty="0">
+                <a:latin typeface="宋体" charset="0"/>
+                <a:ea typeface="宋体" charset="0"/>
+                <a:cs typeface="宋体" charset="0"/>
+              </a:rPr>
+              <a:t>Delegate(</a:t>
+            </a:r>
+            <a:r>
+              <a:rPr lang="zh-CN" altLang="zh-CN" dirty="0">
+                <a:latin typeface="宋体" charset="0"/>
+                <a:ea typeface="宋体" charset="0"/>
+                <a:cs typeface="宋体" charset="0"/>
+              </a:rPr>
+              <a:t>委托模式</a:t>
+            </a:r>
+            <a:r>
+              <a:rPr lang="en-GB" altLang="zh-CN" dirty="0">
+                <a:latin typeface="宋体" charset="0"/>
+                <a:ea typeface="宋体" charset="0"/>
+                <a:cs typeface="宋体" charset="0"/>
+              </a:rPr>
+              <a:t>)</a:t>
             </a:r>
             <a:endParaRPr kumimoji="1" lang="zh-CN" altLang="en-US" dirty="0"/>
           </a:p>
@@ -8568,8 +8586,8 @@
         </p:nvSpPr>
         <p:spPr>
           <a:xfrm>
-            <a:off x="251520" y="1556792"/>
-            <a:ext cx="8352928" cy="3046988"/>
+            <a:off x="251520" y="1412776"/>
+            <a:ext cx="8352928" cy="2277547"/>
           </a:xfrm>
           <a:prstGeom prst="rect">
             <a:avLst/>
@@ -8583,134 +8601,152 @@
           <a:lstStyle/>
           <a:p>
             <a:pPr marL="342900" indent="-342900">
-              <a:buFont typeface="Wingdings" charset="2"/>
-              <a:buChar char="u"/>
-            </a:pPr>
-            <a:r>
-              <a:rPr kumimoji="1" lang="en-US" altLang="zh-CN" sz="2400" dirty="0"/>
-              <a:t>Protocol</a:t>
-            </a:r>
-            <a:r>
-              <a:rPr kumimoji="1" lang="zh-CN" altLang="en-US" sz="2400" dirty="0"/>
-              <a:t>翻译过来</a:t>
-            </a:r>
-            <a:r>
-              <a:rPr kumimoji="1" lang="en-US" altLang="zh-CN" sz="2400" dirty="0"/>
-              <a:t>,</a:t>
-            </a:r>
-            <a:r>
-              <a:rPr kumimoji="1" lang="zh-CN" altLang="en-US" sz="2400" dirty="0"/>
-              <a:t> 叫做</a:t>
-            </a:r>
-            <a:r>
-              <a:rPr kumimoji="1" lang="en-US" altLang="zh-CN" sz="2400" dirty="0"/>
-              <a:t>”</a:t>
-            </a:r>
-            <a:r>
-              <a:rPr kumimoji="1" lang="zh-CN" altLang="en-US" sz="2400" dirty="0"/>
-              <a:t>协议</a:t>
-            </a:r>
-            <a:r>
-              <a:rPr kumimoji="1" lang="en-US" altLang="zh-CN" sz="2400" dirty="0"/>
-              <a:t>”</a:t>
-            </a:r>
-          </a:p>
-          <a:p>
-            <a:endParaRPr kumimoji="1" lang="en-US" altLang="zh-CN" sz="2400" dirty="0"/>
-          </a:p>
-          <a:p>
-            <a:pPr marL="342900" indent="-342900">
-              <a:buFont typeface="Wingdings" charset="2"/>
-              <a:buChar char="u"/>
-            </a:pPr>
-            <a:r>
-              <a:rPr kumimoji="1" lang="en-US" altLang="zh-CN" sz="2400" dirty="0"/>
-              <a:t>Protocol</a:t>
-            </a:r>
-            <a:r>
-              <a:rPr kumimoji="1" lang="zh-CN" altLang="en-US" sz="2400" dirty="0"/>
-              <a:t>的作用</a:t>
-            </a:r>
-            <a:endParaRPr kumimoji="1" lang="en-US" altLang="zh-CN" sz="2400" dirty="0"/>
-          </a:p>
-          <a:p>
-            <a:pPr>
+              <a:lnSpc>
+                <a:spcPct val="150000"/>
+              </a:lnSpc>
+              <a:spcBef>
+                <a:spcPts val="1375"/>
+              </a:spcBef>
               <a:buFont typeface="Wingdings" charset="2"/>
               <a:buChar char="Ø"/>
+              <a:tabLst>
+                <a:tab pos="0" algn="l"/>
+                <a:tab pos="104775" algn="l"/>
+                <a:tab pos="554038" algn="l"/>
+                <a:tab pos="1003300" algn="l"/>
+                <a:tab pos="1452563" algn="l"/>
+                <a:tab pos="1901825" algn="l"/>
+                <a:tab pos="2351088" algn="l"/>
+                <a:tab pos="2800350" algn="l"/>
+                <a:tab pos="3249613" algn="l"/>
+                <a:tab pos="3698875" algn="l"/>
+                <a:tab pos="4148138" algn="l"/>
+                <a:tab pos="4597400" algn="l"/>
+                <a:tab pos="5046663" algn="l"/>
+                <a:tab pos="5495925" algn="l"/>
+                <a:tab pos="5945188" algn="l"/>
+                <a:tab pos="6394450" algn="l"/>
+                <a:tab pos="6843713" algn="l"/>
+                <a:tab pos="7292975" algn="l"/>
+                <a:tab pos="7742238" algn="l"/>
+                <a:tab pos="8191500" algn="l"/>
+                <a:tab pos="8640763" algn="l"/>
+              </a:tabLst>
             </a:pPr>
             <a:r>
-              <a:rPr kumimoji="1" lang="zh-CN" altLang="en-US" sz="2400" dirty="0"/>
-              <a:t>用来声明一些方法</a:t>
-            </a:r>
-            <a:endParaRPr kumimoji="1" lang="en-US" altLang="zh-CN" sz="2400" dirty="0"/>
-          </a:p>
-          <a:p>
-            <a:pPr>
-              <a:buFont typeface="Wingdings" charset="2"/>
-              <a:buChar char="Ø"/>
-            </a:pPr>
-            <a:r>
-              <a:rPr kumimoji="1" lang="zh-CN" altLang="en-US" sz="2400" dirty="0"/>
-              <a:t>也就说</a:t>
-            </a:r>
-            <a:r>
-              <a:rPr kumimoji="1" lang="en-US" altLang="zh-CN" sz="2400" dirty="0"/>
-              <a:t>,</a:t>
-            </a:r>
-            <a:r>
-              <a:rPr kumimoji="1" lang="zh-CN" altLang="en-US" sz="2400" dirty="0"/>
-              <a:t> 一个</a:t>
-            </a:r>
-            <a:r>
-              <a:rPr kumimoji="1" lang="en-US" altLang="zh-CN" sz="2400" dirty="0"/>
-              <a:t>Protocol</a:t>
-            </a:r>
-            <a:r>
-              <a:rPr kumimoji="1" lang="zh-CN" altLang="en-US" sz="2400" dirty="0"/>
-              <a:t>是由一系列的方法声明组成的</a:t>
-            </a:r>
-            <a:endParaRPr kumimoji="1" lang="en-US" altLang="zh-CN" sz="2400" dirty="0"/>
-          </a:p>
-          <a:p>
-            <a:pPr>
-              <a:buFont typeface="Wingdings" charset="2"/>
-              <a:buChar char="Ø"/>
-            </a:pPr>
-            <a:endParaRPr kumimoji="1" lang="en-US" altLang="zh-CN" sz="2400" dirty="0"/>
-          </a:p>
-          <a:p>
-            <a:pPr marL="342900" indent="-342900">
-              <a:buFont typeface="Wingdings" charset="2"/>
-              <a:buChar char="u"/>
-            </a:pPr>
-            <a:r>
-              <a:rPr kumimoji="1" lang="zh-CN" altLang="en-US" sz="2400" dirty="0"/>
-              <a:t>任何类只要遵守了</a:t>
-            </a:r>
-            <a:r>
-              <a:rPr kumimoji="1" lang="en-US" altLang="zh-CN" sz="2400" dirty="0"/>
-              <a:t>Protocol,</a:t>
-            </a:r>
-            <a:r>
-              <a:rPr kumimoji="1" lang="zh-CN" altLang="en-US" sz="2400" dirty="0"/>
-              <a:t> 就相当于拥有了</a:t>
-            </a:r>
-            <a:r>
-              <a:rPr kumimoji="1" lang="en-US" altLang="zh-CN" sz="2400" dirty="0"/>
-              <a:t>Protocol</a:t>
-            </a:r>
-            <a:r>
-              <a:rPr kumimoji="1" lang="zh-CN" altLang="en-US" sz="2400" dirty="0"/>
-              <a:t>的所有方法声明</a:t>
-            </a:r>
-            <a:endParaRPr kumimoji="1" lang="en-US" altLang="zh-CN" sz="2400" dirty="0"/>
+              <a:rPr lang="zh-CN" altLang="zh-CN" sz="2400" dirty="0">
+                <a:solidFill>
+                  <a:srgbClr val="FFFFFF"/>
+                </a:solidFill>
+                <a:latin typeface="宋体" charset="0"/>
+                <a:ea typeface="宋体" charset="0"/>
+                <a:cs typeface="宋体" charset="0"/>
+              </a:rPr>
+              <a:t>消息的发送者</a:t>
+            </a:r>
+            <a:r>
+              <a:rPr lang="en-GB" altLang="zh-CN" sz="2400" dirty="0">
+                <a:solidFill>
+                  <a:srgbClr val="FFFFFF"/>
+                </a:solidFill>
+                <a:latin typeface="宋体" charset="0"/>
+                <a:ea typeface="宋体" charset="0"/>
+                <a:cs typeface="宋体" charset="0"/>
+              </a:rPr>
+              <a:t>(sender)</a:t>
+            </a:r>
+            <a:r>
+              <a:rPr lang="zh-CN" altLang="zh-CN" sz="2400" dirty="0">
+                <a:solidFill>
+                  <a:srgbClr val="FFFFFF"/>
+                </a:solidFill>
+                <a:latin typeface="宋体" charset="0"/>
+                <a:ea typeface="宋体" charset="0"/>
+                <a:cs typeface="宋体" charset="0"/>
+              </a:rPr>
+              <a:t>告知接收者</a:t>
+            </a:r>
+            <a:r>
+              <a:rPr lang="en-GB" altLang="zh-CN" sz="2400" dirty="0">
+                <a:solidFill>
+                  <a:srgbClr val="FFFFFF"/>
+                </a:solidFill>
+                <a:latin typeface="宋体" charset="0"/>
+                <a:ea typeface="宋体" charset="0"/>
+                <a:cs typeface="宋体" charset="0"/>
+              </a:rPr>
+              <a:t>(receiver)</a:t>
+            </a:r>
+            <a:r>
+              <a:rPr lang="zh-CN" altLang="zh-CN" sz="2400" dirty="0">
+                <a:solidFill>
+                  <a:srgbClr val="FFFFFF"/>
+                </a:solidFill>
+                <a:latin typeface="宋体" charset="0"/>
+                <a:ea typeface="宋体" charset="0"/>
+                <a:cs typeface="宋体" charset="0"/>
+              </a:rPr>
+              <a:t>某个事件将要发生，</a:t>
+            </a:r>
+            <a:r>
+              <a:rPr lang="en-GB" altLang="zh-CN" sz="2400" dirty="0">
+                <a:solidFill>
+                  <a:srgbClr val="FFFFFF"/>
+                </a:solidFill>
+                <a:latin typeface="宋体" charset="0"/>
+                <a:ea typeface="宋体" charset="0"/>
+                <a:cs typeface="宋体" charset="0"/>
+              </a:rPr>
+              <a:t>delegate</a:t>
+            </a:r>
+            <a:r>
+              <a:rPr lang="zh-CN" altLang="zh-CN" sz="2400" dirty="0">
+                <a:solidFill>
+                  <a:srgbClr val="FFFFFF"/>
+                </a:solidFill>
+                <a:latin typeface="宋体" charset="0"/>
+                <a:ea typeface="宋体" charset="0"/>
+                <a:cs typeface="宋体" charset="0"/>
+              </a:rPr>
+              <a:t>同意然后发送者响应事件，</a:t>
+            </a:r>
+            <a:r>
+              <a:rPr lang="en-GB" altLang="zh-CN" sz="2400" dirty="0">
+                <a:solidFill>
+                  <a:srgbClr val="FFFFFF"/>
+                </a:solidFill>
+                <a:latin typeface="宋体" charset="0"/>
+                <a:ea typeface="宋体" charset="0"/>
+                <a:cs typeface="宋体" charset="0"/>
+              </a:rPr>
+              <a:t>delegate</a:t>
+            </a:r>
+            <a:r>
+              <a:rPr lang="zh-CN" altLang="zh-CN" sz="2400" dirty="0">
+                <a:solidFill>
+                  <a:srgbClr val="FFFFFF"/>
+                </a:solidFill>
+                <a:latin typeface="宋体" charset="0"/>
+                <a:ea typeface="宋体" charset="0"/>
+                <a:cs typeface="宋体" charset="0"/>
+              </a:rPr>
+              <a:t>机制使得接收者可以改变发送者的行为。通常发送者和接收者的关系是直接的一对多的关系。</a:t>
+            </a:r>
+            <a:endParaRPr lang="zh-CN" altLang="zh-CN" sz="2400" dirty="0">
+              <a:solidFill>
+                <a:srgbClr val="FFFFFF"/>
+              </a:solidFill>
+              <a:latin typeface="宋体" charset="0"/>
+              <a:ea typeface="宋体" charset="0"/>
+              <a:cs typeface="宋体" charset="0"/>
+            </a:endParaRPr>
           </a:p>
         </p:txBody>
       </p:sp>
     </p:spTree>
     <p:extLst>
       <p:ext uri="{BB962C8B-B14F-4D97-AF65-F5344CB8AC3E}">
-        <p14:creationId xmlns:p14="http://schemas.microsoft.com/office/powerpoint/2010/main" val="1296523830"/>
+        <p14:creationId xmlns:p14="http://schemas.microsoft.com/office/powerpoint/2010/main" val="2194421360"/>
       </p:ext>
     </p:extLst>
   </p:cSld>
@@ -8760,8 +8796,12 @@
           <a:lstStyle/>
           <a:p>
             <a:r>
-              <a:rPr kumimoji="1" lang="zh-CN" altLang="en-US" dirty="0"/>
-              <a:t>书写格式</a:t>
+              <a:rPr kumimoji="1" lang="en-US" altLang="en-US" dirty="0" err="1"/>
+              <a:t>什么是</a:t>
+            </a:r>
+            <a:r>
+              <a:rPr kumimoji="1" lang="en-US" altLang="zh-CN" dirty="0" err="1"/>
+              <a:t>Protocol</a:t>
             </a:r>
             <a:endParaRPr kumimoji="1" lang="zh-CN" altLang="en-US" dirty="0"/>
           </a:p>
@@ -8799,8 +8839,8 @@
         </p:nvSpPr>
         <p:spPr>
           <a:xfrm>
-            <a:off x="251520" y="1484784"/>
-            <a:ext cx="8352928" cy="4093428"/>
+            <a:off x="251520" y="1556792"/>
+            <a:ext cx="8352928" cy="3046988"/>
           </a:xfrm>
           <a:prstGeom prst="rect">
             <a:avLst/>
@@ -8818,134 +8858,36 @@
               <a:buChar char="u"/>
             </a:pPr>
             <a:r>
-              <a:rPr kumimoji="1" lang="en-US" altLang="zh-CN" sz="2000" dirty="0"/>
+              <a:rPr kumimoji="1" lang="en-US" altLang="zh-CN" sz="2400" dirty="0"/>
               <a:t>Protocol</a:t>
             </a:r>
             <a:r>
-              <a:rPr kumimoji="1" lang="zh-CN" altLang="en-US" sz="2000" dirty="0"/>
-              <a:t>的定义</a:t>
-            </a:r>
-            <a:endParaRPr kumimoji="1" lang="en-US" altLang="zh-CN" sz="2000" dirty="0"/>
-          </a:p>
-          <a:p>
-            <a:pPr marL="0" indent="0">
-              <a:buNone/>
-              <a:tabLst>
-                <a:tab pos="549910" algn="l"/>
-              </a:tabLst>
-            </a:pPr>
-            <a:r>
-              <a:rPr lang="en-US" altLang="zh-CN" sz="2000" kern="0" dirty="0">
-                <a:solidFill>
-                  <a:srgbClr val="760F50"/>
-                </a:solidFill>
-                <a:latin typeface="Menlo Regular"/>
-                <a:ea typeface="宋体"/>
-                <a:cs typeface="Times New Roman"/>
-              </a:rPr>
-              <a:t>@protocol</a:t>
-            </a:r>
-            <a:r>
-              <a:rPr lang="en-US" altLang="zh-CN" sz="2000" kern="0" dirty="0">
-                <a:solidFill>
-                  <a:srgbClr val="000000"/>
-                </a:solidFill>
-                <a:latin typeface="Menlo Regular"/>
-                <a:ea typeface="宋体"/>
-                <a:cs typeface="Times New Roman"/>
-              </a:rPr>
-              <a:t> </a:t>
-            </a:r>
-            <a:r>
-              <a:rPr lang="zh-CN" altLang="zh-CN" sz="2000" kern="0" dirty="0">
-                <a:solidFill>
-                  <a:srgbClr val="000000"/>
-                </a:solidFill>
-                <a:latin typeface="Menlo Regular"/>
-                <a:ea typeface="宋体"/>
-                <a:cs typeface="Menlo Regular"/>
-              </a:rPr>
-              <a:t>协议名称</a:t>
-            </a:r>
-            <a:endParaRPr lang="en-US" altLang="zh-CN" sz="2000" kern="100" dirty="0">
-              <a:latin typeface="Cambria"/>
-              <a:ea typeface="宋体"/>
-              <a:cs typeface="Times New Roman"/>
-            </a:endParaRPr>
-          </a:p>
-          <a:p>
-            <a:pPr marL="0" indent="0">
-              <a:buNone/>
-              <a:tabLst>
-                <a:tab pos="549910" algn="l"/>
-              </a:tabLst>
-            </a:pPr>
-            <a:r>
-              <a:rPr lang="en-US" altLang="zh-CN" sz="2000" kern="0" dirty="0">
-                <a:solidFill>
-                  <a:schemeClr val="accent5">
-                    <a:lumMod val="50000"/>
-                  </a:schemeClr>
-                </a:solidFill>
-                <a:latin typeface="Menlo Regular"/>
-                <a:ea typeface="宋体"/>
-                <a:cs typeface="Times New Roman"/>
-              </a:rPr>
-              <a:t>// </a:t>
-            </a:r>
-            <a:r>
-              <a:rPr lang="zh-CN" altLang="zh-CN" sz="2000" kern="0" dirty="0">
-                <a:solidFill>
-                  <a:schemeClr val="accent5">
-                    <a:lumMod val="50000"/>
-                  </a:schemeClr>
-                </a:solidFill>
-                <a:latin typeface="Cambria"/>
-                <a:ea typeface="Heiti SC Light"/>
-                <a:cs typeface="Heiti SC Light"/>
-              </a:rPr>
-              <a:t>方法声明列表</a:t>
-            </a:r>
-            <a:endParaRPr lang="en-US" altLang="zh-CN" sz="2000" kern="100" dirty="0">
-              <a:solidFill>
-                <a:schemeClr val="accent5">
-                  <a:lumMod val="50000"/>
-                </a:schemeClr>
-              </a:solidFill>
-              <a:latin typeface="Cambria"/>
-              <a:ea typeface="宋体"/>
-              <a:cs typeface="Times New Roman"/>
-            </a:endParaRPr>
-          </a:p>
-          <a:p>
-            <a:pPr marL="0" indent="0" algn="just">
-              <a:spcAft>
-                <a:spcPts val="0"/>
-              </a:spcAft>
-              <a:buNone/>
-            </a:pPr>
-            <a:r>
-              <a:rPr lang="en-US" altLang="zh-CN" sz="2000" kern="0" dirty="0">
-                <a:solidFill>
-                  <a:srgbClr val="760F50"/>
-                </a:solidFill>
-                <a:latin typeface="Menlo Regular"/>
-                <a:ea typeface="Heiti SC Light"/>
-                <a:cs typeface="Times New Roman"/>
-              </a:rPr>
-              <a:t>@end</a:t>
-            </a:r>
-            <a:endParaRPr lang="en-US" altLang="zh-CN" sz="2000" kern="100" dirty="0">
-              <a:latin typeface="Cambria"/>
-              <a:ea typeface="宋体"/>
-              <a:cs typeface="Times New Roman"/>
-            </a:endParaRPr>
-          </a:p>
-          <a:p>
-            <a:pPr marL="0" indent="0">
-              <a:buNone/>
-            </a:pPr>
-            <a:endParaRPr kumimoji="1" lang="en-US" altLang="zh-CN" sz="2000" dirty="0"/>
+              <a:rPr kumimoji="1" lang="zh-CN" altLang="en-US" sz="2400" dirty="0"/>
+              <a:t>翻译过来</a:t>
+            </a:r>
+            <a:r>
+              <a:rPr kumimoji="1" lang="en-US" altLang="zh-CN" sz="2400" dirty="0"/>
+              <a:t>,</a:t>
+            </a:r>
+            <a:r>
+              <a:rPr kumimoji="1" lang="zh-CN" altLang="en-US" sz="2400" dirty="0"/>
+              <a:t> 叫做</a:t>
+            </a:r>
+            <a:r>
+              <a:rPr kumimoji="1" lang="en-US" altLang="zh-CN" sz="2400" dirty="0"/>
+              <a:t>”</a:t>
+            </a:r>
+            <a:r>
+              <a:rPr kumimoji="1" lang="zh-CN" altLang="en-US" sz="2400" dirty="0"/>
+              <a:t>协议</a:t>
+            </a:r>
+            <a:r>
+              <a:rPr kumimoji="1" lang="en-US" altLang="zh-CN" sz="2400" dirty="0"/>
+              <a:t>”</a:t>
+            </a:r>
+          </a:p>
+          <a:p>
+            <a:endParaRPr kumimoji="1" lang="en-US" altLang="zh-CN" sz="2400" dirty="0"/>
           </a:p>
           <a:p>
             <a:pPr marL="342900" indent="-342900">
@@ -8953,190 +8895,59 @@
               <a:buChar char="u"/>
             </a:pPr>
             <a:r>
-              <a:rPr kumimoji="1" lang="zh-CN" altLang="en-US" sz="2000" dirty="0"/>
-              <a:t>类遵守协议</a:t>
-            </a:r>
-            <a:endParaRPr kumimoji="1" lang="en-US" altLang="zh-CN" sz="2000" dirty="0"/>
-          </a:p>
-          <a:p>
-            <a:pPr marL="0" indent="0">
-              <a:buNone/>
-              <a:tabLst>
-                <a:tab pos="549910" algn="l"/>
-              </a:tabLst>
+              <a:rPr kumimoji="1" lang="en-US" altLang="zh-CN" sz="2400" dirty="0"/>
+              <a:t>Protocol</a:t>
+            </a:r>
+            <a:r>
+              <a:rPr kumimoji="1" lang="zh-CN" altLang="en-US" sz="2400" dirty="0"/>
+              <a:t>的作用</a:t>
+            </a:r>
+            <a:endParaRPr kumimoji="1" lang="en-US" altLang="zh-CN" sz="2400" dirty="0"/>
+          </a:p>
+          <a:p>
+            <a:pPr>
+              <a:buFont typeface="Wingdings" charset="2"/>
+              <a:buChar char="Ø"/>
             </a:pPr>
             <a:r>
-              <a:rPr lang="en-US" altLang="zh-CN" sz="2000" kern="0" dirty="0">
-                <a:solidFill>
-                  <a:srgbClr val="760F50"/>
-                </a:solidFill>
-                <a:latin typeface="Menlo Regular"/>
-                <a:ea typeface="宋体"/>
-                <a:cs typeface="Times New Roman"/>
-              </a:rPr>
-              <a:t>@interface</a:t>
-            </a:r>
-            <a:r>
-              <a:rPr lang="en-US" altLang="zh-CN" sz="2000" kern="0" dirty="0">
-                <a:solidFill>
-                  <a:srgbClr val="000000"/>
-                </a:solidFill>
-                <a:latin typeface="Menlo Regular"/>
-                <a:ea typeface="宋体"/>
-                <a:cs typeface="Times New Roman"/>
-              </a:rPr>
-              <a:t> </a:t>
-            </a:r>
-            <a:r>
-              <a:rPr lang="zh-CN" altLang="zh-CN" sz="2000" kern="0" dirty="0">
-                <a:solidFill>
-                  <a:srgbClr val="000000"/>
-                </a:solidFill>
-                <a:latin typeface="Menlo Regular"/>
-                <a:ea typeface="宋体"/>
-                <a:cs typeface="Menlo Regular"/>
-              </a:rPr>
-              <a:t>类名</a:t>
-            </a:r>
-            <a:r>
-              <a:rPr lang="en-US" altLang="zh-CN" sz="2000" kern="0" dirty="0">
-                <a:solidFill>
-                  <a:srgbClr val="000000"/>
-                </a:solidFill>
-                <a:latin typeface="Menlo Regular"/>
-                <a:ea typeface="宋体"/>
-                <a:cs typeface="Times New Roman"/>
-              </a:rPr>
-              <a:t> : </a:t>
-            </a:r>
-            <a:r>
-              <a:rPr lang="zh-CN" altLang="zh-CN" sz="2000" kern="0" dirty="0">
-                <a:solidFill>
-                  <a:srgbClr val="5C2699"/>
-                </a:solidFill>
-                <a:latin typeface="Menlo Regular"/>
-                <a:ea typeface="宋体"/>
-                <a:cs typeface="Menlo Regular"/>
-              </a:rPr>
-              <a:t>父类</a:t>
-            </a:r>
-            <a:r>
-              <a:rPr lang="en-US" altLang="zh-CN" sz="2000" kern="0" dirty="0">
-                <a:solidFill>
-                  <a:srgbClr val="000000"/>
-                </a:solidFill>
-                <a:latin typeface="Menlo Regular"/>
-                <a:ea typeface="宋体"/>
-                <a:cs typeface="Times New Roman"/>
-              </a:rPr>
-              <a:t> &lt;</a:t>
-            </a:r>
-            <a:r>
-              <a:rPr lang="zh-CN" altLang="zh-CN" sz="2000" kern="0" dirty="0">
-                <a:solidFill>
-                  <a:srgbClr val="FF6700"/>
-                </a:solidFill>
-                <a:latin typeface="Menlo Regular"/>
-                <a:ea typeface="宋体"/>
-                <a:cs typeface="Menlo Regular"/>
-              </a:rPr>
-              <a:t>协议名称</a:t>
-            </a:r>
-            <a:r>
-              <a:rPr lang="en-US" altLang="zh-CN" sz="2000" kern="0" dirty="0">
-                <a:solidFill>
-                  <a:srgbClr val="FF6700"/>
-                </a:solidFill>
-                <a:latin typeface="Menlo Regular"/>
-                <a:ea typeface="宋体"/>
-                <a:cs typeface="Menlo Regular"/>
-              </a:rPr>
-              <a:t>1,</a:t>
-            </a:r>
-            <a:r>
-              <a:rPr lang="zh-CN" altLang="en-US" sz="2000" kern="0" dirty="0">
-                <a:solidFill>
-                  <a:srgbClr val="FF6700"/>
-                </a:solidFill>
-                <a:latin typeface="Menlo Regular"/>
-                <a:ea typeface="宋体"/>
-                <a:cs typeface="Menlo Regular"/>
-              </a:rPr>
-              <a:t> </a:t>
-            </a:r>
-            <a:r>
-              <a:rPr lang="zh-CN" altLang="zh-CN" sz="2000" kern="0" dirty="0">
-                <a:solidFill>
-                  <a:srgbClr val="FF6700"/>
-                </a:solidFill>
-                <a:latin typeface="Menlo Regular"/>
-                <a:ea typeface="宋体"/>
-                <a:cs typeface="Menlo Regular"/>
-              </a:rPr>
-              <a:t>协议名称2</a:t>
-            </a:r>
-            <a:r>
-              <a:rPr lang="en-US" altLang="zh-CN" sz="2000" kern="0" dirty="0">
-                <a:solidFill>
-                  <a:srgbClr val="FF6700"/>
-                </a:solidFill>
-                <a:latin typeface="Menlo Regular"/>
-                <a:ea typeface="宋体"/>
-                <a:cs typeface="Menlo Regular"/>
-              </a:rPr>
-              <a:t>,…</a:t>
-            </a:r>
-            <a:r>
-              <a:rPr lang="en-US" altLang="zh-CN" sz="2000" kern="0" dirty="0">
-                <a:solidFill>
-                  <a:srgbClr val="000000"/>
-                </a:solidFill>
-                <a:latin typeface="Menlo Regular"/>
-                <a:ea typeface="宋体"/>
-                <a:cs typeface="Times New Roman"/>
-              </a:rPr>
-              <a:t>&gt;</a:t>
-            </a:r>
-            <a:endParaRPr lang="en-US" altLang="zh-CN" sz="2000" kern="100" dirty="0">
-              <a:latin typeface="Cambria"/>
-              <a:ea typeface="宋体"/>
-              <a:cs typeface="Times New Roman"/>
-            </a:endParaRPr>
-          </a:p>
-          <a:p>
-            <a:pPr marL="0" indent="0" algn="just">
-              <a:spcAft>
-                <a:spcPts val="0"/>
-              </a:spcAft>
-              <a:buNone/>
+              <a:rPr kumimoji="1" lang="zh-CN" altLang="en-US" sz="2400" dirty="0"/>
+              <a:t>用来声明一些方法</a:t>
+            </a:r>
+            <a:endParaRPr kumimoji="1" lang="en-US" altLang="zh-CN" sz="2400" dirty="0"/>
+          </a:p>
+          <a:p>
+            <a:pPr>
+              <a:buFont typeface="Wingdings" charset="2"/>
+              <a:buChar char="Ø"/>
             </a:pPr>
             <a:r>
-              <a:rPr lang="en-US" altLang="zh-CN" sz="2000" kern="0" dirty="0">
-                <a:solidFill>
-                  <a:srgbClr val="760F50"/>
-                </a:solidFill>
-                <a:latin typeface="Menlo Regular"/>
-                <a:ea typeface="宋体"/>
-                <a:cs typeface="Times New Roman"/>
-              </a:rPr>
-              <a:t>@end</a:t>
-            </a:r>
-          </a:p>
-          <a:p>
-            <a:pPr marL="0" indent="0" algn="just">
-              <a:spcAft>
-                <a:spcPts val="0"/>
-              </a:spcAft>
-              <a:buNone/>
+              <a:rPr kumimoji="1" lang="zh-CN" altLang="en-US" sz="2400" dirty="0"/>
+              <a:t>也就说</a:t>
+            </a:r>
+            <a:r>
+              <a:rPr kumimoji="1" lang="en-US" altLang="zh-CN" sz="2400" dirty="0"/>
+              <a:t>,</a:t>
+            </a:r>
+            <a:r>
+              <a:rPr kumimoji="1" lang="zh-CN" altLang="en-US" sz="2400" dirty="0"/>
+              <a:t> 一个</a:t>
+            </a:r>
+            <a:r>
+              <a:rPr kumimoji="1" lang="en-US" altLang="zh-CN" sz="2400" dirty="0"/>
+              <a:t>Protocol</a:t>
+            </a:r>
+            <a:r>
+              <a:rPr kumimoji="1" lang="zh-CN" altLang="en-US" sz="2400" dirty="0"/>
+              <a:t>是由一系列的方法声明组成的</a:t>
+            </a:r>
+            <a:endParaRPr kumimoji="1" lang="en-US" altLang="zh-CN" sz="2400" dirty="0"/>
+          </a:p>
+          <a:p>
+            <a:pPr>
+              <a:buFont typeface="Wingdings" charset="2"/>
+              <a:buChar char="Ø"/>
             </a:pPr>
-            <a:endParaRPr lang="en-US" altLang="zh-CN" sz="2000" kern="0" dirty="0">
-              <a:solidFill>
-                <a:srgbClr val="760F50"/>
-              </a:solidFill>
-              <a:latin typeface="Menlo Regular"/>
-              <a:ea typeface="宋体"/>
-              <a:cs typeface="Times New Roman"/>
-            </a:endParaRPr>
+            <a:endParaRPr kumimoji="1" lang="en-US" altLang="zh-CN" sz="2400" dirty="0"/>
           </a:p>
           <a:p>
             <a:pPr marL="342900" indent="-342900">
@@ -9144,88 +8955,33 @@
               <a:buChar char="u"/>
             </a:pPr>
             <a:r>
-              <a:rPr lang="zh-CN" altLang="zh-CN" sz="2000" dirty="0"/>
-              <a:t>协议中有</a:t>
-            </a:r>
-            <a:r>
-              <a:rPr lang="en-US" altLang="zh-CN" sz="2000" dirty="0"/>
-              <a:t>2</a:t>
-            </a:r>
-            <a:r>
-              <a:rPr lang="zh-CN" altLang="zh-CN" sz="2000" dirty="0"/>
-              <a:t>个关键字可以控制方法是否要实现</a:t>
-            </a:r>
-            <a:r>
-              <a:rPr lang="en-US" altLang="zh-CN" sz="2000" dirty="0"/>
-              <a:t>(</a:t>
-            </a:r>
-            <a:r>
-              <a:rPr lang="zh-CN" altLang="zh-CN" sz="2000" dirty="0"/>
-              <a:t>默认是</a:t>
-            </a:r>
-            <a:r>
-              <a:rPr lang="en-US" altLang="zh-CN" sz="2000" dirty="0"/>
-              <a:t>@required</a:t>
-            </a:r>
-            <a:r>
-              <a:rPr lang="zh-CN" altLang="zh-CN" sz="2000" dirty="0"/>
-              <a:t>，在大多数情况下，用途在于程序员之间的交流</a:t>
-            </a:r>
-            <a:r>
-              <a:rPr lang="en-US" altLang="zh-CN" sz="2000" dirty="0"/>
-              <a:t>)</a:t>
-            </a:r>
-          </a:p>
-          <a:p>
-            <a:pPr lvl="0">
-              <a:buFont typeface="Wingdings" charset="2"/>
-              <a:buChar char="Ø"/>
-            </a:pPr>
-            <a:r>
-              <a:rPr lang="en-US" altLang="zh-CN" sz="2000" kern="0" dirty="0">
-                <a:solidFill>
-                  <a:srgbClr val="760F50"/>
-                </a:solidFill>
-                <a:latin typeface="Menlo Regular"/>
-                <a:ea typeface="宋体"/>
-                <a:cs typeface="Times New Roman"/>
-              </a:rPr>
-              <a:t>@required</a:t>
-            </a:r>
-            <a:r>
-              <a:rPr lang="zh-CN" altLang="zh-CN" sz="2000" dirty="0"/>
-              <a:t>：这个方法必须要实现（若不实现，编译器会发出警告）</a:t>
-            </a:r>
-            <a:endParaRPr lang="en-US" altLang="zh-CN" sz="2000" dirty="0"/>
-          </a:p>
-          <a:p>
-            <a:pPr lvl="0">
-              <a:buFont typeface="Wingdings" charset="2"/>
-              <a:buChar char="Ø"/>
-            </a:pPr>
-            <a:r>
-              <a:rPr lang="en-US" altLang="zh-CN" sz="2000" kern="0" dirty="0">
-                <a:solidFill>
-                  <a:srgbClr val="760F50"/>
-                </a:solidFill>
-                <a:latin typeface="Menlo Regular"/>
-                <a:ea typeface="宋体"/>
-                <a:cs typeface="Times New Roman"/>
-              </a:rPr>
-              <a:t>@optional</a:t>
-            </a:r>
-            <a:r>
-              <a:rPr lang="zh-CN" altLang="zh-CN" sz="2000" dirty="0"/>
-              <a:t>：这个方法不一定要实现</a:t>
-            </a:r>
-            <a:endParaRPr lang="en-US" altLang="zh-CN" sz="2000" dirty="0"/>
+              <a:rPr kumimoji="1" lang="zh-CN" altLang="en-US" sz="2400" dirty="0"/>
+              <a:t>任何类只要遵守了</a:t>
+            </a:r>
+            <a:r>
+              <a:rPr kumimoji="1" lang="en-US" altLang="zh-CN" sz="2400" dirty="0"/>
+              <a:t>Protocol,</a:t>
+            </a:r>
+            <a:r>
+              <a:rPr kumimoji="1" lang="zh-CN" altLang="en-US" sz="2400" dirty="0"/>
+              <a:t> 就相当于拥有了</a:t>
+            </a:r>
+            <a:r>
+              <a:rPr kumimoji="1" lang="en-US" altLang="zh-CN" sz="2400" dirty="0"/>
+              <a:t>Protocol</a:t>
+            </a:r>
+            <a:r>
+              <a:rPr kumimoji="1" lang="zh-CN" altLang="en-US" sz="2400" dirty="0"/>
+              <a:t>的所有方法声明</a:t>
+            </a:r>
+            <a:endParaRPr kumimoji="1" lang="en-US" altLang="zh-CN" sz="2400" dirty="0"/>
           </a:p>
         </p:txBody>
       </p:sp>
     </p:spTree>
     <p:extLst>
       <p:ext uri="{BB962C8B-B14F-4D97-AF65-F5344CB8AC3E}">
-        <p14:creationId xmlns:p14="http://schemas.microsoft.com/office/powerpoint/2010/main" val="2849148976"/>
+        <p14:creationId xmlns:p14="http://schemas.microsoft.com/office/powerpoint/2010/main" val="1296523830"/>
       </p:ext>
     </p:extLst>
   </p:cSld>
@@ -9276,9 +9032,8 @@
           <a:p>
             <a:r>
               <a:rPr kumimoji="1" lang="zh-CN" altLang="en-US" dirty="0"/>
-              <a:t>协议遵守协议</a:t>
-            </a:r>
-            <a:endParaRPr kumimoji="1" lang="zh-CN" altLang="en-US" dirty="0"/>
+              <a:t>书写格式</a:t>
+            </a:r>
           </a:p>
         </p:txBody>
       </p:sp>
@@ -9315,7 +9070,7 @@
         <p:spPr>
           <a:xfrm>
             <a:off x="251520" y="1484784"/>
-            <a:ext cx="8352928" cy="1631216"/>
+            <a:ext cx="8352928" cy="4093428"/>
           </a:xfrm>
           <a:prstGeom prst="rect">
             <a:avLst/>
@@ -9328,30 +9083,19 @@
           </a:bodyPr>
           <a:lstStyle/>
           <a:p>
-            <a:pPr marL="342900" lvl="0" indent="-342900">
+            <a:pPr marL="342900" indent="-342900">
               <a:buFont typeface="Wingdings" charset="2"/>
               <a:buChar char="u"/>
             </a:pPr>
             <a:r>
-              <a:rPr lang="zh-CN" altLang="zh-CN" sz="2000" dirty="0"/>
-              <a:t>一个协议可以遵守其他多个协议</a:t>
-            </a:r>
-            <a:endParaRPr lang="en-US" altLang="zh-CN" sz="2000" dirty="0"/>
-          </a:p>
-          <a:p>
-            <a:pPr lvl="0"/>
-            <a:endParaRPr lang="en-US" altLang="zh-CN" sz="2000" dirty="0"/>
-          </a:p>
-          <a:p>
-            <a:pPr marL="342900" lvl="0" indent="-342900">
-              <a:buFont typeface="Wingdings" charset="2"/>
-              <a:buChar char="u"/>
-            </a:pPr>
-            <a:r>
-              <a:rPr lang="zh-CN" altLang="zh-CN" sz="2000" dirty="0"/>
-              <a:t>一个协议遵守了其他协议，就相当于拥有了其他协议中的方法声明</a:t>
-            </a:r>
-            <a:endParaRPr lang="en-US" altLang="zh-CN" sz="2000" dirty="0"/>
+              <a:rPr kumimoji="1" lang="en-US" altLang="zh-CN" sz="2000" dirty="0"/>
+              <a:t>Protocol</a:t>
+            </a:r>
+            <a:r>
+              <a:rPr kumimoji="1" lang="zh-CN" altLang="en-US" sz="2000" dirty="0"/>
+              <a:t>的定义</a:t>
+            </a:r>
+            <a:endParaRPr kumimoji="1" lang="en-US" altLang="zh-CN" sz="2000" dirty="0"/>
           </a:p>
           <a:p>
             <a:pPr marL="0" indent="0">
@@ -9393,6 +9137,159 @@
               </a:rPr>
               <a:t>协议名称</a:t>
             </a:r>
+            <a:endParaRPr lang="en-US" altLang="zh-CN" sz="2000" kern="100" dirty="0">
+              <a:latin typeface="Cambria"/>
+              <a:ea typeface="宋体"/>
+              <a:cs typeface="Times New Roman"/>
+            </a:endParaRPr>
+          </a:p>
+          <a:p>
+            <a:pPr marL="0" indent="0">
+              <a:buNone/>
+              <a:tabLst>
+                <a:tab pos="549910" algn="l"/>
+              </a:tabLst>
+            </a:pPr>
+            <a:r>
+              <a:rPr lang="en-US" altLang="zh-CN" sz="2000" kern="0" dirty="0">
+                <a:solidFill>
+                  <a:schemeClr val="accent5">
+                    <a:lumMod val="50000"/>
+                  </a:schemeClr>
+                </a:solidFill>
+                <a:latin typeface="Menlo Regular"/>
+                <a:ea typeface="宋体"/>
+                <a:cs typeface="Times New Roman"/>
+              </a:rPr>
+              <a:t>// </a:t>
+            </a:r>
+            <a:r>
+              <a:rPr lang="zh-CN" altLang="zh-CN" sz="2000" kern="0" dirty="0">
+                <a:solidFill>
+                  <a:schemeClr val="accent5">
+                    <a:lumMod val="50000"/>
+                  </a:schemeClr>
+                </a:solidFill>
+                <a:latin typeface="Cambria"/>
+                <a:ea typeface="Heiti SC Light"/>
+                <a:cs typeface="Heiti SC Light"/>
+              </a:rPr>
+              <a:t>方法声明列表</a:t>
+            </a:r>
+            <a:endParaRPr lang="en-US" altLang="zh-CN" sz="2000" kern="100" dirty="0">
+              <a:solidFill>
+                <a:schemeClr val="accent5">
+                  <a:lumMod val="50000"/>
+                </a:schemeClr>
+              </a:solidFill>
+              <a:latin typeface="Cambria"/>
+              <a:ea typeface="宋体"/>
+              <a:cs typeface="Times New Roman"/>
+            </a:endParaRPr>
+          </a:p>
+          <a:p>
+            <a:pPr marL="0" indent="0" algn="just">
+              <a:spcAft>
+                <a:spcPts val="0"/>
+              </a:spcAft>
+              <a:buNone/>
+            </a:pPr>
+            <a:r>
+              <a:rPr lang="en-US" altLang="zh-CN" sz="2000" kern="0" dirty="0">
+                <a:solidFill>
+                  <a:srgbClr val="760F50"/>
+                </a:solidFill>
+                <a:latin typeface="Menlo Regular"/>
+                <a:ea typeface="Heiti SC Light"/>
+                <a:cs typeface="Times New Roman"/>
+              </a:rPr>
+              <a:t>@end</a:t>
+            </a:r>
+            <a:endParaRPr lang="en-US" altLang="zh-CN" sz="2000" kern="100" dirty="0">
+              <a:latin typeface="Cambria"/>
+              <a:ea typeface="宋体"/>
+              <a:cs typeface="Times New Roman"/>
+            </a:endParaRPr>
+          </a:p>
+          <a:p>
+            <a:pPr marL="0" indent="0">
+              <a:buNone/>
+            </a:pPr>
+            <a:endParaRPr kumimoji="1" lang="en-US" altLang="zh-CN" sz="2000" dirty="0"/>
+          </a:p>
+          <a:p>
+            <a:pPr marL="342900" indent="-342900">
+              <a:buFont typeface="Wingdings" charset="2"/>
+              <a:buChar char="u"/>
+            </a:pPr>
+            <a:r>
+              <a:rPr kumimoji="1" lang="zh-CN" altLang="en-US" sz="2000" dirty="0"/>
+              <a:t>类遵守协议</a:t>
+            </a:r>
+            <a:endParaRPr kumimoji="1" lang="en-US" altLang="zh-CN" sz="2000" dirty="0"/>
+          </a:p>
+          <a:p>
+            <a:pPr marL="0" indent="0">
+              <a:buNone/>
+              <a:tabLst>
+                <a:tab pos="549910" algn="l"/>
+              </a:tabLst>
+            </a:pPr>
+            <a:r>
+              <a:rPr lang="en-US" altLang="zh-CN" sz="2000" kern="0" dirty="0">
+                <a:solidFill>
+                  <a:srgbClr val="760F50"/>
+                </a:solidFill>
+                <a:latin typeface="Menlo Regular"/>
+                <a:ea typeface="宋体"/>
+                <a:cs typeface="Times New Roman"/>
+              </a:rPr>
+              <a:t>@interface</a:t>
+            </a:r>
+            <a:r>
+              <a:rPr lang="en-US" altLang="zh-CN" sz="2000" kern="0" dirty="0">
+                <a:solidFill>
+                  <a:srgbClr val="000000"/>
+                </a:solidFill>
+                <a:latin typeface="Menlo Regular"/>
+                <a:ea typeface="宋体"/>
+                <a:cs typeface="Times New Roman"/>
+              </a:rPr>
+              <a:t> </a:t>
+            </a:r>
+            <a:r>
+              <a:rPr lang="zh-CN" altLang="zh-CN" sz="2000" kern="0" dirty="0">
+                <a:solidFill>
+                  <a:srgbClr val="000000"/>
+                </a:solidFill>
+                <a:latin typeface="Menlo Regular"/>
+                <a:ea typeface="宋体"/>
+                <a:cs typeface="Menlo Regular"/>
+              </a:rPr>
+              <a:t>类名</a:t>
+            </a:r>
+            <a:r>
+              <a:rPr lang="en-US" altLang="zh-CN" sz="2000" kern="0" dirty="0">
+                <a:solidFill>
+                  <a:srgbClr val="000000"/>
+                </a:solidFill>
+                <a:latin typeface="Menlo Regular"/>
+                <a:ea typeface="宋体"/>
+                <a:cs typeface="Times New Roman"/>
+              </a:rPr>
+              <a:t> : </a:t>
+            </a:r>
+            <a:r>
+              <a:rPr lang="zh-CN" altLang="zh-CN" sz="2000" kern="0" dirty="0">
+                <a:solidFill>
+                  <a:srgbClr val="5C2699"/>
+                </a:solidFill>
+                <a:latin typeface="Menlo Regular"/>
+                <a:ea typeface="宋体"/>
+                <a:cs typeface="Menlo Regular"/>
+              </a:rPr>
+              <a:t>父类</a:t>
+            </a:r>
             <a:r>
               <a:rPr lang="en-US" altLang="zh-CN" sz="2000" kern="0" dirty="0">
                 <a:solidFill>
@@ -9407,46 +9304,57 @@
             <a:r>
               <a:rPr lang="zh-CN" altLang="zh-CN" sz="2000" kern="0" dirty="0">
                 <a:solidFill>
-                  <a:schemeClr val="accent3"/>
+                  <a:srgbClr val="FF6700"/>
                 </a:solidFill>
                 <a:latin typeface="Menlo Regular"/>
                 <a:ea typeface="宋体"/>
                 <a:cs typeface="Menlo Regular"/>
               </a:rPr>
-              <a:t>协议</a:t>
+              <a:t>协议名称</a:t>
             </a:r>
             <a:r>
               <a:rPr lang="en-US" altLang="zh-CN" sz="2000" kern="0" dirty="0">
                 <a:solidFill>
-                  <a:schemeClr val="accent3"/>
-                </a:solidFill>
-                <a:latin typeface="Menlo Regular"/>
-                <a:ea typeface="宋体"/>
-                <a:cs typeface="Times New Roman"/>
-              </a:rPr>
-              <a:t>1, </a:t>
-            </a:r>
-            <a:r>
-              <a:rPr lang="zh-CN" altLang="zh-CN" sz="2000" kern="0" dirty="0">
-                <a:solidFill>
-                  <a:schemeClr val="accent3"/>
+                  <a:srgbClr val="FF6700"/>
                 </a:solidFill>
                 <a:latin typeface="Menlo Regular"/>
                 <a:ea typeface="宋体"/>
                 <a:cs typeface="Menlo Regular"/>
               </a:rPr>
-              <a:t>协议</a:t>
-            </a:r>
-            <a:r>
-              <a:rPr lang="en-US" altLang="zh-CN" sz="2000" kern="0" dirty="0">
+              <a:t>1,</a:t>
+            </a:r>
+            <a:r>
+              <a:rPr lang="zh-CN" altLang="en-US" sz="2000" kern="0" dirty="0">
                 <a:solidFill>
-                  <a:schemeClr val="accent3"/>
+                  <a:srgbClr val="FF6700"/>
                 </a:solidFill>
                 <a:latin typeface="Menlo Regular"/>
                 <a:ea typeface="宋体"/>
-                <a:cs typeface="Times New Roman"/>
+                <a:cs typeface="Menlo Regular"/>
               </a:rPr>
-              <a:t>2</a:t>
+              <a:t> </a:t>
+            </a:r>
+            <a:r>
+              <a:rPr lang="zh-CN" altLang="zh-CN" sz="2000" kern="0" dirty="0">
+                <a:solidFill>
+                  <a:srgbClr val="FF6700"/>
+                </a:solidFill>
+                <a:latin typeface="Menlo Regular"/>
+                <a:ea typeface="宋体"/>
+                <a:cs typeface="Menlo Regular"/>
+              </a:rPr>
+              <a:t>协议名称2</a:t>
+            </a:r>
+            <a:r>
+              <a:rPr lang="en-US" altLang="zh-CN" sz="2000" kern="0" dirty="0">
+                <a:solidFill>
+                  <a:srgbClr val="FF6700"/>
+                </a:solidFill>
+                <a:latin typeface="Menlo Regular"/>
+                <a:ea typeface="宋体"/>
+                <a:cs typeface="Menlo Regular"/>
+              </a:rPr>
+              <a:t>,…</a:t>
             </a:r>
             <a:r>
               <a:rPr lang="en-US" altLang="zh-CN" sz="2000" kern="0" dirty="0">
@@ -9483,18 +9391,111 @@
               </a:rPr>
               <a:t>@end</a:t>
             </a:r>
-            <a:endParaRPr lang="en-US" altLang="zh-CN" sz="2000" kern="100" dirty="0">
-              <a:latin typeface="Cambria"/>
+          </a:p>
+          <a:p>
+            <a:pPr marL="0" indent="0" algn="just">
+              <a:spcAft>
+                <a:spcPts val="0"/>
+              </a:spcAft>
+              <a:buNone/>
+            </a:pPr>
+            <a:endParaRPr lang="en-US" altLang="zh-CN" sz="2000" kern="0" dirty="0">
+              <a:solidFill>
+                <a:srgbClr val="760F50"/>
+              </a:solidFill>
+              <a:latin typeface="Menlo Regular"/>
               <a:ea typeface="宋体"/>
               <a:cs typeface="Times New Roman"/>
             </a:endParaRPr>
           </a:p>
+          <a:p>
+            <a:pPr marL="342900" indent="-342900">
+              <a:buFont typeface="Wingdings" charset="2"/>
+              <a:buChar char="u"/>
+            </a:pPr>
+            <a:r>
+              <a:rPr lang="zh-CN" altLang="zh-CN" sz="2000" dirty="0"/>
+              <a:t>协议中有</a:t>
+            </a:r>
+            <a:r>
+              <a:rPr lang="en-US" altLang="zh-CN" sz="2000" dirty="0"/>
+              <a:t>2</a:t>
+            </a:r>
+            <a:r>
+              <a:rPr lang="zh-CN" altLang="zh-CN" sz="2000" dirty="0"/>
+              <a:t>个关键字可以控制方法是否要实现</a:t>
+            </a:r>
+            <a:r>
+              <a:rPr lang="en-US" altLang="zh-CN" sz="2000" dirty="0"/>
+              <a:t>(</a:t>
+            </a:r>
+            <a:r>
+              <a:rPr lang="zh-CN" altLang="zh-CN" sz="2000" dirty="0"/>
+              <a:t>默认是</a:t>
+            </a:r>
+            <a:r>
+              <a:rPr lang="en-US" altLang="zh-CN" sz="2000" dirty="0"/>
+              <a:t>@required</a:t>
+            </a:r>
+            <a:r>
+              <a:rPr lang="zh-CN" altLang="zh-CN" sz="2000" dirty="0"/>
+              <a:t>，在大多数情况下，用途在于程序员之间的交流</a:t>
+            </a:r>
+            <a:r>
+              <a:rPr lang="en-US" altLang="zh-CN" sz="2000" dirty="0"/>
+              <a:t>)</a:t>
+            </a:r>
+          </a:p>
+          <a:p>
+            <a:pPr lvl="0">
+              <a:buFont typeface="Wingdings" charset="2"/>
+              <a:buChar char="Ø"/>
+            </a:pPr>
+            <a:r>
+              <a:rPr lang="en-US" altLang="zh-CN" sz="2000" kern="0" dirty="0">
+                <a:solidFill>
+                  <a:srgbClr val="760F50"/>
+                </a:solidFill>
+                <a:latin typeface="Menlo Regular"/>
+                <a:ea typeface="宋体"/>
+                <a:cs typeface="Times New Roman"/>
+              </a:rPr>
+              <a:t>@required</a:t>
+            </a:r>
+            <a:r>
+              <a:rPr lang="zh-CN" altLang="zh-CN" sz="2000" dirty="0"/>
+              <a:t>：这个方法必须要实现（若不实现，编译器会发出警告）</a:t>
+            </a:r>
+            <a:endParaRPr lang="en-US" altLang="zh-CN" sz="2000" dirty="0"/>
+          </a:p>
+          <a:p>
+            <a:pPr lvl="0">
+              <a:buFont typeface="Wingdings" charset="2"/>
+              <a:buChar char="Ø"/>
+            </a:pPr>
+            <a:r>
+              <a:rPr lang="en-US" altLang="zh-CN" sz="2000" kern="0" dirty="0">
+                <a:solidFill>
+                  <a:srgbClr val="760F50"/>
+                </a:solidFill>
+                <a:latin typeface="Menlo Regular"/>
+                <a:ea typeface="宋体"/>
+                <a:cs typeface="Times New Roman"/>
+              </a:rPr>
+              <a:t>@optional</a:t>
+            </a:r>
+            <a:r>
+              <a:rPr lang="zh-CN" altLang="zh-CN" sz="2000" dirty="0"/>
+              <a:t>：这个方法不一定要实现</a:t>
+            </a:r>
+            <a:endParaRPr lang="en-US" altLang="zh-CN" sz="2000" dirty="0"/>
+          </a:p>
         </p:txBody>
       </p:sp>
     </p:spTree>
     <p:extLst>
       <p:ext uri="{BB962C8B-B14F-4D97-AF65-F5344CB8AC3E}">
-        <p14:creationId xmlns:p14="http://schemas.microsoft.com/office/powerpoint/2010/main" val="3912485790"/>
+        <p14:creationId xmlns:p14="http://schemas.microsoft.com/office/powerpoint/2010/main" val="2849148976"/>
       </p:ext>
     </p:extLst>
   </p:cSld>
@@ -9545,9 +9546,8 @@
           <a:p>
             <a:r>
               <a:rPr kumimoji="1" lang="zh-CN" altLang="en-US" dirty="0"/>
-              <a:t>基协议</a:t>
-            </a:r>
-            <a:endParaRPr kumimoji="1" lang="zh-CN" altLang="en-US" dirty="0"/>
+              <a:t>协议遵守协议</a:t>
+            </a:r>
           </a:p>
         </p:txBody>
       </p:sp>
@@ -9570,6 +9570,274 @@
               <a:rPr lang="en-US" smtClean="0"/>
               <a:pPr/>
               <a:t>4</a:t>
+            </a:fld>
+            <a:endParaRPr lang="en-US" dirty="0"/>
+          </a:p>
+        </p:txBody>
+      </p:sp>
+      <p:sp>
+        <p:nvSpPr>
+          <p:cNvPr id="5" name="文本框 4"/>
+          <p:cNvSpPr txBox="1"/>
+          <p:nvPr/>
+        </p:nvSpPr>
+        <p:spPr>
+          <a:xfrm>
+            <a:off x="251520" y="1484784"/>
+            <a:ext cx="8352928" cy="1631216"/>
+          </a:xfrm>
+          <a:prstGeom prst="rect">
+            <a:avLst/>
+          </a:prstGeom>
+          <a:noFill/>
+        </p:spPr>
+        <p:txBody>
+          <a:bodyPr wrap="square" rtlCol="0">
+            <a:spAutoFit/>
+          </a:bodyPr>
+          <a:lstStyle/>
+          <a:p>
+            <a:pPr marL="342900" lvl="0" indent="-342900">
+              <a:buFont typeface="Wingdings" charset="2"/>
+              <a:buChar char="u"/>
+            </a:pPr>
+            <a:r>
+              <a:rPr lang="zh-CN" altLang="zh-CN" sz="2000" dirty="0"/>
+              <a:t>一个协议可以遵守其他多个协议</a:t>
+            </a:r>
+            <a:endParaRPr lang="en-US" altLang="zh-CN" sz="2000" dirty="0"/>
+          </a:p>
+          <a:p>
+            <a:pPr lvl="0"/>
+            <a:endParaRPr lang="en-US" altLang="zh-CN" sz="2000" dirty="0"/>
+          </a:p>
+          <a:p>
+            <a:pPr marL="342900" lvl="0" indent="-342900">
+              <a:buFont typeface="Wingdings" charset="2"/>
+              <a:buChar char="u"/>
+            </a:pPr>
+            <a:r>
+              <a:rPr lang="zh-CN" altLang="zh-CN" sz="2000" dirty="0"/>
+              <a:t>一个协议遵守了其他协议，就相当于拥有了其他协议中的方法声明</a:t>
+            </a:r>
+            <a:endParaRPr lang="en-US" altLang="zh-CN" sz="2000" dirty="0"/>
+          </a:p>
+          <a:p>
+            <a:pPr marL="0" indent="0">
+              <a:buNone/>
+              <a:tabLst>
+                <a:tab pos="549910" algn="l"/>
+              </a:tabLst>
+            </a:pPr>
+            <a:r>
+              <a:rPr lang="en-US" altLang="zh-CN" sz="2000" kern="0" dirty="0">
+                <a:solidFill>
+                  <a:srgbClr val="760F50"/>
+                </a:solidFill>
+                <a:latin typeface="Menlo Regular"/>
+                <a:ea typeface="宋体"/>
+                <a:cs typeface="Times New Roman"/>
+              </a:rPr>
+              <a:t>@protocol</a:t>
+            </a:r>
+            <a:r>
+              <a:rPr lang="en-US" altLang="zh-CN" sz="2000" kern="0" dirty="0">
+                <a:solidFill>
+                  <a:srgbClr val="000000"/>
+                </a:solidFill>
+                <a:latin typeface="Menlo Regular"/>
+                <a:ea typeface="宋体"/>
+                <a:cs typeface="Times New Roman"/>
+              </a:rPr>
+              <a:t> </a:t>
+            </a:r>
+            <a:r>
+              <a:rPr lang="zh-CN" altLang="zh-CN" sz="2000" kern="0" dirty="0">
+                <a:solidFill>
+                  <a:srgbClr val="000000"/>
+                </a:solidFill>
+                <a:latin typeface="Menlo Regular"/>
+                <a:ea typeface="宋体"/>
+                <a:cs typeface="Menlo Regular"/>
+              </a:rPr>
+              <a:t>协议名称</a:t>
+            </a:r>
+            <a:r>
+              <a:rPr lang="en-US" altLang="zh-CN" sz="2000" kern="0" dirty="0">
+                <a:solidFill>
+                  <a:srgbClr val="000000"/>
+                </a:solidFill>
+                <a:latin typeface="Menlo Regular"/>
+                <a:ea typeface="宋体"/>
+                <a:cs typeface="Times New Roman"/>
+              </a:rPr>
+              <a:t> &lt;</a:t>
+            </a:r>
+            <a:r>
+              <a:rPr lang="zh-CN" altLang="zh-CN" sz="2000" kern="0" dirty="0">
+                <a:solidFill>
+                  <a:schemeClr val="accent3"/>
+                </a:solidFill>
+                <a:latin typeface="Menlo Regular"/>
+                <a:ea typeface="宋体"/>
+                <a:cs typeface="Menlo Regular"/>
+              </a:rPr>
+              <a:t>协议</a:t>
+            </a:r>
+            <a:r>
+              <a:rPr lang="en-US" altLang="zh-CN" sz="2000" kern="0" dirty="0">
+                <a:solidFill>
+                  <a:schemeClr val="accent3"/>
+                </a:solidFill>
+                <a:latin typeface="Menlo Regular"/>
+                <a:ea typeface="宋体"/>
+                <a:cs typeface="Times New Roman"/>
+              </a:rPr>
+              <a:t>1, </a:t>
+            </a:r>
+            <a:r>
+              <a:rPr lang="zh-CN" altLang="zh-CN" sz="2000" kern="0" dirty="0">
+                <a:solidFill>
+                  <a:schemeClr val="accent3"/>
+                </a:solidFill>
+                <a:latin typeface="Menlo Regular"/>
+                <a:ea typeface="宋体"/>
+                <a:cs typeface="Menlo Regular"/>
+              </a:rPr>
+              <a:t>协议</a:t>
+            </a:r>
+            <a:r>
+              <a:rPr lang="en-US" altLang="zh-CN" sz="2000" kern="0" dirty="0">
+                <a:solidFill>
+                  <a:schemeClr val="accent3"/>
+                </a:solidFill>
+                <a:latin typeface="Menlo Regular"/>
+                <a:ea typeface="宋体"/>
+                <a:cs typeface="Times New Roman"/>
+              </a:rPr>
+              <a:t>2</a:t>
+            </a:r>
+            <a:r>
+              <a:rPr lang="en-US" altLang="zh-CN" sz="2000" kern="0" dirty="0">
+                <a:solidFill>
+                  <a:srgbClr val="000000"/>
+                </a:solidFill>
+                <a:latin typeface="Menlo Regular"/>
+                <a:ea typeface="宋体"/>
+                <a:cs typeface="Times New Roman"/>
+              </a:rPr>
+              <a:t>&gt;</a:t>
+            </a:r>
+            <a:endParaRPr lang="en-US" altLang="zh-CN" sz="2000" kern="100" dirty="0">
+              <a:latin typeface="Cambria"/>
+              <a:ea typeface="宋体"/>
+              <a:cs typeface="Times New Roman"/>
+            </a:endParaRPr>
+          </a:p>
+          <a:p>
+            <a:pPr marL="0" indent="0" algn="just">
+              <a:spcAft>
+                <a:spcPts val="0"/>
+              </a:spcAft>
+              <a:buNone/>
+            </a:pPr>
+            <a:r>
+              <a:rPr lang="en-US" altLang="zh-CN" sz="2000" kern="0" dirty="0">
+                <a:solidFill>
+                  <a:srgbClr val="760F50"/>
+                </a:solidFill>
+                <a:latin typeface="Menlo Regular"/>
+                <a:ea typeface="宋体"/>
+                <a:cs typeface="Times New Roman"/>
+              </a:rPr>
+              <a:t>@end</a:t>
+            </a:r>
+            <a:endParaRPr lang="en-US" altLang="zh-CN" sz="2000" kern="100" dirty="0">
+              <a:latin typeface="Cambria"/>
+              <a:ea typeface="宋体"/>
+              <a:cs typeface="Times New Roman"/>
+            </a:endParaRPr>
+          </a:p>
+        </p:txBody>
+      </p:sp>
+    </p:spTree>
+    <p:extLst>
+      <p:ext uri="{BB962C8B-B14F-4D97-AF65-F5344CB8AC3E}">
+        <p14:creationId xmlns:p14="http://schemas.microsoft.com/office/powerpoint/2010/main" val="3912485790"/>
+      </p:ext>
+    </p:extLst>
+  </p:cSld>
+  <p:clrMapOvr>
+    <a:masterClrMapping/>
+  </p:clrMapOvr>
+  <p:timing>
+    <p:tnLst>
+      <p:par>
+        <p:cTn xmlns:p14="http://schemas.microsoft.com/office/powerpoint/2010/main" id="1" dur="indefinite" restart="never" nodeType="tmRoot"/>
+      </p:par>
+    </p:tnLst>
+  </p:timing>
+</p:sld>
+</file>
+
+<file path=ppt/slides/slide6.xml><?xml version="1.0" encoding="utf-8"?>
+<p:sld xmlns:a="http://schemas.openxmlformats.org/drawingml/2006/main" xmlns:r="http://schemas.openxmlformats.org/officeDocument/2006/relationships" xmlns:p="http://schemas.openxmlformats.org/presentationml/2006/main">
+  <p:cSld>
+    <p:spTree>
+      <p:nvGrpSpPr>
+        <p:cNvPr id="1" name=""/>
+        <p:cNvGrpSpPr/>
+        <p:nvPr/>
+      </p:nvGrpSpPr>
+      <p:grpSpPr>
+        <a:xfrm>
+          <a:off x="0" y="0"/>
+          <a:ext cx="0" cy="0"/>
+          <a:chOff x="0" y="0"/>
+          <a:chExt cx="0" cy="0"/>
+        </a:xfrm>
+      </p:grpSpPr>
+      <p:sp>
+        <p:nvSpPr>
+          <p:cNvPr id="2" name="标题 1"/>
+          <p:cNvSpPr>
+            <a:spLocks noGrp="1"/>
+          </p:cNvSpPr>
+          <p:nvPr>
+            <p:ph type="title"/>
+          </p:nvPr>
+        </p:nvSpPr>
+        <p:spPr/>
+        <p:txBody>
+          <a:bodyPr/>
+          <a:lstStyle/>
+          <a:p>
+            <a:r>
+              <a:rPr kumimoji="1" lang="zh-CN" altLang="en-US" dirty="0"/>
+              <a:t>基协议</a:t>
+            </a:r>
+          </a:p>
+        </p:txBody>
+      </p:sp>
+      <p:sp>
+        <p:nvSpPr>
+          <p:cNvPr id="3" name="幻灯片编号占位符 2"/>
+          <p:cNvSpPr>
+            <a:spLocks noGrp="1"/>
+          </p:cNvSpPr>
+          <p:nvPr>
+            <p:ph type="sldNum" sz="quarter" idx="4"/>
+          </p:nvPr>
+        </p:nvSpPr>
+        <p:spPr/>
+        <p:txBody>
+          <a:bodyPr/>
+          <a:lstStyle/>
+          <a:p>
+            <a:fld id="{BF10DB53-D7D3-4DB6-A29F-40217B92EC88}" type="slidenum">
+              <a:rPr lang="en-US" smtClean="0"/>
+              <a:pPr/>
+              <a:t>5</a:t>
             </a:fld>
             <a:endParaRPr lang="en-US" dirty="0"/>
           </a:p>

--- a/资料/课件/OC/OC语言-4.2-设计模式-委托.pptx
+++ b/资料/课件/OC/OC语言-4.2-设计模式-委托.pptx
@@ -5,10 +5,10 @@
     <p:sldMasterId id="2147488748" r:id="rId1"/>
   </p:sldMasterIdLst>
   <p:notesMasterIdLst>
-    <p:notesMasterId r:id="rId8"/>
+    <p:notesMasterId r:id="rId14"/>
   </p:notesMasterIdLst>
   <p:handoutMasterIdLst>
-    <p:handoutMasterId r:id="rId9"/>
+    <p:handoutMasterId r:id="rId15"/>
   </p:handoutMasterIdLst>
   <p:sldIdLst>
     <p:sldId id="1551" r:id="rId2"/>
@@ -17,11 +17,17 @@
     <p:sldId id="1553" r:id="rId5"/>
     <p:sldId id="1554" r:id="rId6"/>
     <p:sldId id="1555" r:id="rId7"/>
+    <p:sldId id="1557" r:id="rId8"/>
+    <p:sldId id="1558" r:id="rId9"/>
+    <p:sldId id="1559" r:id="rId10"/>
+    <p:sldId id="1560" r:id="rId11"/>
+    <p:sldId id="1561" r:id="rId12"/>
+    <p:sldId id="1562" r:id="rId13"/>
   </p:sldIdLst>
   <p:sldSz cx="9144000" cy="6858000" type="screen4x3"/>
   <p:notesSz cx="6797675" cy="9874250"/>
   <p:custDataLst>
-    <p:tags r:id="rId11"/>
+    <p:tags r:id="rId17"/>
   </p:custDataLst>
   <p:defaultTextStyle>
     <a:defPPr>
@@ -159,12 +165,18 @@
             <p14:sldId id="1553"/>
             <p14:sldId id="1554"/>
             <p14:sldId id="1555"/>
+            <p14:sldId id="1557"/>
+            <p14:sldId id="1558"/>
+            <p14:sldId id="1559"/>
+            <p14:sldId id="1560"/>
+            <p14:sldId id="1561"/>
+            <p14:sldId id="1562"/>
           </p14:sldIdLst>
         </p14:section>
       </p14:sectionLst>
     </p:ext>
     <p:ext uri="{EFAFB233-063F-42B5-8137-9DF3F51BA10A}">
-      <p15:sldGuideLst xmlns:p15="http://schemas.microsoft.com/office/powerpoint/2012/main" xmlns="">
+      <p15:sldGuideLst xmlns="" xmlns:p15="http://schemas.microsoft.com/office/powerpoint/2012/main">
         <p15:guide id="1" orient="horz">
           <p15:clr>
             <a:srgbClr val="A4A3A4"/>
@@ -178,7 +190,7 @@
       </p15:sldGuideLst>
     </p:ext>
     <p:ext uri="{2D200454-40CA-4A62-9FC3-DE9A4176ACB9}">
-      <p15:notesGuideLst xmlns:p15="http://schemas.microsoft.com/office/powerpoint/2012/main" xmlns="">
+      <p15:notesGuideLst xmlns="" xmlns:p15="http://schemas.microsoft.com/office/powerpoint/2012/main">
         <p15:guide id="1" orient="horz" pos="3109">
           <p15:clr>
             <a:srgbClr val="A4A3A4"/>
@@ -282,7 +294,7 @@
                 <a:ea typeface="微软雅黑" pitchFamily="34" charset="-122"/>
               </a:rPr>
               <a:pPr/>
-              <a:t>15/3/24</a:t>
+              <a:t>15/3/29</a:t>
             </a:fld>
             <a:endParaRPr lang="zh-CN" altLang="en-US" dirty="0">
               <a:ea typeface="微软雅黑" pitchFamily="34" charset="-122"/>
@@ -486,7 +498,7 @@
             <a:fld id="{DF9E65B2-A0B4-4242-9432-201E84F17494}" type="datetime1">
               <a:rPr lang="en-US" smtClean="0"/>
               <a:pPr/>
-              <a:t>15/3/24</a:t>
+              <a:t>15/3/29</a:t>
             </a:fld>
             <a:endParaRPr lang="en-US" dirty="0"/>
           </a:p>
@@ -1415,7 +1427,7 @@
             <a:fld id="{055FF6D4-D4D7-426A-98F7-170A3668379E}" type="datetime1">
               <a:rPr lang="en-US" smtClean="0"/>
               <a:pPr/>
-              <a:t>15/3/24</a:t>
+              <a:t>15/3/29</a:t>
             </a:fld>
             <a:endParaRPr lang="en-US" dirty="0"/>
           </a:p>
@@ -2042,7 +2054,7 @@
             <a:fld id="{74CBEAF9-9E58-4CC8-A6FF-6DD8A58DEEA4}" type="datetimeFigureOut">
               <a:rPr lang="en-US" smtClean="0"/>
               <a:pPr eaLnBrk="1" latinLnBrk="0" hangingPunct="1"/>
-              <a:t>15/3/24</a:t>
+              <a:t>15/3/29</a:t>
             </a:fld>
             <a:endParaRPr lang="en-US"/>
           </a:p>
@@ -2560,7 +2572,7 @@
             <a:fld id="{74CBEAF9-9E58-4CC8-A6FF-6DD8A58DEEA4}" type="datetimeFigureOut">
               <a:rPr lang="en-US" smtClean="0"/>
               <a:pPr algn="l" eaLnBrk="1" latinLnBrk="0" hangingPunct="1"/>
-              <a:t>15/3/24</a:t>
+              <a:t>15/3/29</a:t>
             </a:fld>
             <a:endParaRPr lang="en-US" dirty="0">
               <a:solidFill>
@@ -3095,7 +3107,7 @@
             <a:fld id="{74CBEAF9-9E58-4CC8-A6FF-6DD8A58DEEA4}" type="datetimeFigureOut">
               <a:rPr lang="en-US" smtClean="0"/>
               <a:pPr algn="l" eaLnBrk="1" latinLnBrk="0" hangingPunct="1"/>
-              <a:t>15/3/24</a:t>
+              <a:t>15/3/29</a:t>
             </a:fld>
             <a:endParaRPr lang="en-US" dirty="0">
               <a:solidFill>
@@ -3931,7 +3943,7 @@
             <a:fld id="{74CBEAF9-9E58-4CC8-A6FF-6DD8A58DEEA4}" type="datetimeFigureOut">
               <a:rPr lang="en-US" smtClean="0"/>
               <a:pPr eaLnBrk="1" latinLnBrk="0" hangingPunct="1"/>
-              <a:t>15/3/24</a:t>
+              <a:t>15/3/29</a:t>
             </a:fld>
             <a:endParaRPr lang="en-US"/>
           </a:p>
@@ -4513,7 +4525,7 @@
             <a:fld id="{42295D47-465E-4A05-802B-049480555B6D}" type="datetime1">
               <a:rPr lang="en-US" smtClean="0"/>
               <a:pPr/>
-              <a:t>15/3/24</a:t>
+              <a:t>15/3/29</a:t>
             </a:fld>
             <a:endParaRPr lang="en-US"/>
           </a:p>
@@ -5144,7 +5156,7 @@
             <a:fld id="{74CBEAF9-9E58-4CC8-A6FF-6DD8A58DEEA4}" type="datetimeFigureOut">
               <a:rPr lang="en-US" smtClean="0"/>
               <a:pPr algn="l" eaLnBrk="1" latinLnBrk="0" hangingPunct="1"/>
-              <a:t>15/3/24</a:t>
+              <a:t>15/3/29</a:t>
             </a:fld>
             <a:endParaRPr lang="en-US" dirty="0">
               <a:solidFill>
@@ -5926,7 +5938,7 @@
             <a:fld id="{74CBEAF9-9E58-4CC8-A6FF-6DD8A58DEEA4}" type="datetimeFigureOut">
               <a:rPr lang="en-US" smtClean="0"/>
               <a:pPr eaLnBrk="1" latinLnBrk="0" hangingPunct="1"/>
-              <a:t>15/3/24</a:t>
+              <a:t>15/3/29</a:t>
             </a:fld>
             <a:endParaRPr lang="en-US"/>
           </a:p>
@@ -6387,7 +6399,7 @@
             <a:fld id="{74CBEAF9-9E58-4CC8-A6FF-6DD8A58DEEA4}" type="datetimeFigureOut">
               <a:rPr lang="en-US" smtClean="0"/>
               <a:pPr eaLnBrk="1" latinLnBrk="0" hangingPunct="1"/>
-              <a:t>15/3/24</a:t>
+              <a:t>15/3/29</a:t>
             </a:fld>
             <a:endParaRPr lang="en-US"/>
           </a:p>
@@ -6816,7 +6828,7 @@
             <a:fld id="{74CBEAF9-9E58-4CC8-A6FF-6DD8A58DEEA4}" type="datetimeFigureOut">
               <a:rPr lang="en-US" smtClean="0"/>
               <a:pPr eaLnBrk="1" latinLnBrk="0" hangingPunct="1"/>
-              <a:t>15/3/24</a:t>
+              <a:t>15/3/29</a:t>
             </a:fld>
             <a:endParaRPr lang="en-US"/>
           </a:p>
@@ -7437,7 +7449,7 @@
             <a:fld id="{74CBEAF9-9E58-4CC8-A6FF-6DD8A58DEEA4}" type="datetimeFigureOut">
               <a:rPr lang="en-US" smtClean="0"/>
               <a:pPr eaLnBrk="1" latinLnBrk="0" hangingPunct="1"/>
-              <a:t>15/3/24</a:t>
+              <a:t>15/3/29</a:t>
             </a:fld>
             <a:endParaRPr lang="en-US"/>
           </a:p>
@@ -7702,7 +7714,7 @@
             <a:fld id="{74CBEAF9-9E58-4CC8-A6FF-6DD8A58DEEA4}" type="datetimeFigureOut">
               <a:rPr lang="en-US" smtClean="0"/>
               <a:pPr algn="l" eaLnBrk="1" latinLnBrk="0" hangingPunct="1"/>
-              <a:t>15/3/24</a:t>
+              <a:t>15/3/29</a:t>
             </a:fld>
             <a:endParaRPr lang="en-US" dirty="0">
               <a:solidFill>
@@ -8494,6 +8506,1335 @@
 </p:sld>
 </file>
 
+<file path=ppt/slides/slide10.xml><?xml version="1.0" encoding="utf-8"?>
+<p:sld xmlns:a="http://schemas.openxmlformats.org/drawingml/2006/main" xmlns:r="http://schemas.openxmlformats.org/officeDocument/2006/relationships" xmlns:p="http://schemas.openxmlformats.org/presentationml/2006/main">
+  <p:cSld>
+    <p:spTree>
+      <p:nvGrpSpPr>
+        <p:cNvPr id="1" name=""/>
+        <p:cNvGrpSpPr/>
+        <p:nvPr/>
+      </p:nvGrpSpPr>
+      <p:grpSpPr>
+        <a:xfrm>
+          <a:off x="0" y="0"/>
+          <a:ext cx="0" cy="0"/>
+          <a:chOff x="0" y="0"/>
+          <a:chExt cx="0" cy="0"/>
+        </a:xfrm>
+      </p:grpSpPr>
+      <p:sp>
+        <p:nvSpPr>
+          <p:cNvPr id="2" name="标题 1"/>
+          <p:cNvSpPr>
+            <a:spLocks noGrp="1"/>
+          </p:cNvSpPr>
+          <p:nvPr>
+            <p:ph type="title"/>
+          </p:nvPr>
+        </p:nvSpPr>
+        <p:spPr/>
+        <p:txBody>
+          <a:bodyPr/>
+          <a:lstStyle/>
+          <a:p>
+            <a:r>
+              <a:rPr lang="en-US" altLang="zh-CN" dirty="0">
+                <a:latin typeface="Courier New" charset="0"/>
+                <a:ea typeface="宋体" charset="0"/>
+                <a:cs typeface="宋体" charset="0"/>
+              </a:rPr>
+              <a:t>Protocol</a:t>
+            </a:r>
+            <a:r>
+              <a:rPr lang="zh-CN" altLang="en-US" dirty="0">
+                <a:latin typeface="Courier New" charset="0"/>
+                <a:ea typeface="宋体" charset="0"/>
+                <a:cs typeface="宋体" charset="0"/>
+              </a:rPr>
+              <a:t>的实现</a:t>
+            </a:r>
+            <a:endParaRPr kumimoji="1" lang="zh-CN" altLang="en-US" dirty="0"/>
+          </a:p>
+        </p:txBody>
+      </p:sp>
+      <p:sp>
+        <p:nvSpPr>
+          <p:cNvPr id="3" name="幻灯片编号占位符 2"/>
+          <p:cNvSpPr>
+            <a:spLocks noGrp="1"/>
+          </p:cNvSpPr>
+          <p:nvPr>
+            <p:ph type="sldNum" sz="quarter" idx="4"/>
+          </p:nvPr>
+        </p:nvSpPr>
+        <p:spPr/>
+        <p:txBody>
+          <a:bodyPr/>
+          <a:lstStyle/>
+          <a:p>
+            <a:fld id="{BF10DB53-D7D3-4DB6-A29F-40217B92EC88}" type="slidenum">
+              <a:rPr lang="en-US" smtClean="0"/>
+              <a:pPr/>
+              <a:t>9</a:t>
+            </a:fld>
+            <a:endParaRPr lang="en-US" dirty="0"/>
+          </a:p>
+        </p:txBody>
+      </p:sp>
+      <p:sp>
+        <p:nvSpPr>
+          <p:cNvPr id="5" name="文本框 4"/>
+          <p:cNvSpPr txBox="1"/>
+          <p:nvPr/>
+        </p:nvSpPr>
+        <p:spPr>
+          <a:xfrm>
+            <a:off x="251520" y="1268760"/>
+            <a:ext cx="8352928" cy="3307572"/>
+          </a:xfrm>
+          <a:prstGeom prst="rect">
+            <a:avLst/>
+          </a:prstGeom>
+          <a:noFill/>
+        </p:spPr>
+        <p:txBody>
+          <a:bodyPr wrap="square" rtlCol="0">
+            <a:spAutoFit/>
+          </a:bodyPr>
+          <a:lstStyle/>
+          <a:p>
+            <a:pPr marL="457200" indent="-457200">
+              <a:lnSpc>
+                <a:spcPct val="80000"/>
+              </a:lnSpc>
+              <a:buFont typeface="Wingdings" charset="2"/>
+              <a:buChar char="l"/>
+            </a:pPr>
+            <a:r>
+              <a:rPr lang="zh-CN" altLang="en-US" sz="2800" dirty="0">
+                <a:latin typeface="Courier New" charset="0"/>
+                <a:ea typeface="宋体" charset="0"/>
+                <a:cs typeface="宋体" charset="0"/>
+              </a:rPr>
+              <a:t>.m</a:t>
+            </a:r>
+            <a:r>
+              <a:rPr lang="zh-CN" altLang="en-US" sz="2800" dirty="0" smtClean="0">
+                <a:latin typeface="Courier New" charset="0"/>
+                <a:ea typeface="宋体" charset="0"/>
+                <a:cs typeface="宋体" charset="0"/>
+              </a:rPr>
+              <a:t>文件如下</a:t>
+            </a:r>
+            <a:endParaRPr lang="en-US" altLang="zh-CN" sz="2800" dirty="0" smtClean="0">
+              <a:latin typeface="Courier New" charset="0"/>
+              <a:ea typeface="宋体" charset="0"/>
+              <a:cs typeface="宋体" charset="0"/>
+            </a:endParaRPr>
+          </a:p>
+          <a:p>
+            <a:pPr>
+              <a:lnSpc>
+                <a:spcPct val="80000"/>
+              </a:lnSpc>
+            </a:pPr>
+            <a:endParaRPr lang="zh-CN" altLang="en-US" sz="2800" dirty="0">
+              <a:latin typeface="Courier New" charset="0"/>
+              <a:ea typeface="宋体" charset="0"/>
+              <a:cs typeface="宋体" charset="0"/>
+            </a:endParaRPr>
+          </a:p>
+          <a:p>
+            <a:pPr>
+              <a:lnSpc>
+                <a:spcPct val="80000"/>
+              </a:lnSpc>
+              <a:buFont typeface="Wingdings" charset="0"/>
+              <a:buNone/>
+            </a:pPr>
+            <a:r>
+              <a:rPr lang="zh-CN" altLang="en-US" sz="2400" dirty="0">
+                <a:solidFill>
+                  <a:srgbClr val="FF0000"/>
+                </a:solidFill>
+                <a:latin typeface="Courier New" charset="0"/>
+                <a:ea typeface="宋体" charset="0"/>
+                <a:cs typeface="宋体" charset="0"/>
+                <a:sym typeface="Arial" charset="0"/>
+              </a:rPr>
+              <a:t>#import "</a:t>
+            </a:r>
+            <a:r>
+              <a:rPr lang="zh-CN" altLang="en-US" sz="2400" dirty="0">
+                <a:solidFill>
+                  <a:srgbClr val="FF0000"/>
+                </a:solidFill>
+                <a:latin typeface="Courier New" charset="0"/>
+                <a:ea typeface="宋体" charset="0"/>
+                <a:cs typeface="宋体" charset="0"/>
+              </a:rPr>
+              <a:t>MyBtn</a:t>
+            </a:r>
+            <a:r>
+              <a:rPr lang="en-US" altLang="zh-CN" sz="2400" dirty="0">
+                <a:solidFill>
+                  <a:srgbClr val="FF0000"/>
+                </a:solidFill>
+                <a:latin typeface="Courier New" charset="0"/>
+                <a:ea typeface="宋体" charset="0"/>
+                <a:cs typeface="宋体" charset="0"/>
+              </a:rPr>
+              <a:t>Delegate</a:t>
+            </a:r>
+            <a:r>
+              <a:rPr lang="zh-CN" altLang="en-US" sz="2400" dirty="0">
+                <a:solidFill>
+                  <a:srgbClr val="FF0000"/>
+                </a:solidFill>
+                <a:latin typeface="Courier New" charset="0"/>
+                <a:ea typeface="宋体" charset="0"/>
+                <a:cs typeface="宋体" charset="0"/>
+              </a:rPr>
+              <a:t>.h</a:t>
+            </a:r>
+            <a:r>
+              <a:rPr lang="zh-CN" altLang="en-US" sz="2400" dirty="0">
+                <a:solidFill>
+                  <a:srgbClr val="FF0000"/>
+                </a:solidFill>
+                <a:latin typeface="Courier New" charset="0"/>
+                <a:ea typeface="宋体" charset="0"/>
+                <a:cs typeface="宋体" charset="0"/>
+                <a:sym typeface="Arial" charset="0"/>
+              </a:rPr>
+              <a:t>"</a:t>
+            </a:r>
+          </a:p>
+          <a:p>
+            <a:pPr>
+              <a:lnSpc>
+                <a:spcPct val="80000"/>
+              </a:lnSpc>
+              <a:buFont typeface="Wingdings" charset="0"/>
+              <a:buNone/>
+            </a:pPr>
+            <a:r>
+              <a:rPr lang="en-US" altLang="zh-CN" sz="2400" dirty="0">
+                <a:latin typeface="Courier New" charset="0"/>
+                <a:ea typeface="宋体" charset="0"/>
+                <a:cs typeface="宋体" charset="0"/>
+              </a:rPr>
+              <a:t>@implementation </a:t>
+            </a:r>
+            <a:r>
+              <a:rPr lang="zh-CN" altLang="en-US" sz="2400" dirty="0">
+                <a:latin typeface="Courier New" charset="0"/>
+                <a:ea typeface="宋体" charset="0"/>
+                <a:cs typeface="宋体" charset="0"/>
+              </a:rPr>
+              <a:t>MyController</a:t>
+            </a:r>
+          </a:p>
+          <a:p>
+            <a:pPr>
+              <a:lnSpc>
+                <a:spcPct val="80000"/>
+              </a:lnSpc>
+              <a:buFont typeface="Wingdings" charset="0"/>
+              <a:buNone/>
+            </a:pPr>
+            <a:r>
+              <a:rPr lang="en-US" altLang="zh-CN" sz="2400" dirty="0">
+                <a:latin typeface="Courier New" charset="0"/>
+                <a:ea typeface="宋体" charset="0"/>
+                <a:cs typeface="宋体" charset="0"/>
+              </a:rPr>
+              <a:t>- (void) </a:t>
+            </a:r>
+            <a:r>
+              <a:rPr lang="zh-CN" altLang="en-US" sz="2400" dirty="0">
+                <a:latin typeface="Courier New" charset="0"/>
+                <a:ea typeface="宋体" charset="0"/>
+                <a:cs typeface="宋体" charset="0"/>
+              </a:rPr>
+              <a:t>btnClick</a:t>
+            </a:r>
+            <a:r>
+              <a:rPr lang="en-US" altLang="zh-CN" sz="2400" dirty="0">
+                <a:latin typeface="Courier New" charset="0"/>
+                <a:ea typeface="宋体" charset="0"/>
+                <a:cs typeface="宋体" charset="0"/>
+              </a:rPr>
+              <a:t>: (</a:t>
+            </a:r>
+            <a:r>
+              <a:rPr lang="zh-CN" altLang="en-US" sz="2400" dirty="0">
+                <a:latin typeface="Courier New" charset="0"/>
+                <a:ea typeface="宋体" charset="0"/>
+                <a:cs typeface="宋体" charset="0"/>
+              </a:rPr>
+              <a:t>MyBtn *</a:t>
+            </a:r>
+            <a:r>
+              <a:rPr lang="en-US" altLang="zh-CN" sz="2400" dirty="0">
+                <a:latin typeface="Courier New" charset="0"/>
+                <a:ea typeface="宋体" charset="0"/>
+                <a:cs typeface="宋体" charset="0"/>
+              </a:rPr>
+              <a:t>)</a:t>
+            </a:r>
+            <a:r>
+              <a:rPr lang="zh-CN" altLang="en-US" sz="2400" dirty="0">
+                <a:latin typeface="Courier New" charset="0"/>
+                <a:ea typeface="宋体" charset="0"/>
+                <a:cs typeface="宋体" charset="0"/>
+              </a:rPr>
+              <a:t>sender</a:t>
+            </a:r>
+            <a:r>
+              <a:rPr lang="en-US" altLang="zh-CN" sz="2400" dirty="0">
+                <a:latin typeface="Courier New" charset="0"/>
+                <a:ea typeface="宋体" charset="0"/>
+                <a:cs typeface="宋体" charset="0"/>
+              </a:rPr>
+              <a:t>{</a:t>
+            </a:r>
+          </a:p>
+          <a:p>
+            <a:pPr>
+              <a:lnSpc>
+                <a:spcPct val="80000"/>
+              </a:lnSpc>
+              <a:buFont typeface="Wingdings" charset="0"/>
+              <a:buNone/>
+            </a:pPr>
+            <a:r>
+              <a:rPr lang="zh-CN" altLang="en-US" sz="2400" dirty="0">
+                <a:latin typeface="Courier New" charset="0"/>
+                <a:ea typeface="宋体" charset="0"/>
+                <a:cs typeface="宋体" charset="0"/>
+              </a:rPr>
+              <a:t>	NSLog(@"</a:t>
+            </a:r>
+            <a:r>
+              <a:rPr lang="zh-CN" altLang="en-US" sz="2800" dirty="0">
+                <a:latin typeface="Courier New" charset="0"/>
+                <a:ea typeface="宋体" charset="0"/>
+                <a:cs typeface="宋体" charset="0"/>
+              </a:rPr>
+              <a:t>按钮被点击了！</a:t>
+            </a:r>
+            <a:r>
+              <a:rPr lang="zh-CN" altLang="en-US" sz="2400" dirty="0">
+                <a:latin typeface="Courier New" charset="0"/>
+                <a:ea typeface="宋体" charset="0"/>
+                <a:cs typeface="宋体" charset="0"/>
+              </a:rPr>
+              <a:t>");</a:t>
+            </a:r>
+            <a:endParaRPr lang="en-US" altLang="ja-JP" sz="2400" dirty="0">
+              <a:latin typeface="Courier New" charset="0"/>
+              <a:ea typeface="宋体" charset="0"/>
+              <a:cs typeface="宋体" charset="0"/>
+            </a:endParaRPr>
+          </a:p>
+          <a:p>
+            <a:pPr>
+              <a:lnSpc>
+                <a:spcPct val="80000"/>
+              </a:lnSpc>
+              <a:buFont typeface="Wingdings" charset="0"/>
+              <a:buNone/>
+            </a:pPr>
+            <a:r>
+              <a:rPr lang="en-US" altLang="zh-CN" sz="2400" dirty="0">
+                <a:latin typeface="Courier New" charset="0"/>
+                <a:ea typeface="宋体" charset="0"/>
+                <a:cs typeface="宋体" charset="0"/>
+              </a:rPr>
+              <a:t>}</a:t>
+            </a:r>
+          </a:p>
+          <a:p>
+            <a:pPr>
+              <a:lnSpc>
+                <a:spcPct val="80000"/>
+              </a:lnSpc>
+              <a:buFont typeface="Wingdings" charset="0"/>
+              <a:buNone/>
+            </a:pPr>
+            <a:r>
+              <a:rPr lang="en-US" altLang="zh-CN" sz="2400" dirty="0">
+                <a:latin typeface="Courier New" charset="0"/>
+                <a:ea typeface="宋体" charset="0"/>
+                <a:cs typeface="宋体" charset="0"/>
+              </a:rPr>
+              <a:t>@end</a:t>
+            </a:r>
+          </a:p>
+          <a:p>
+            <a:pPr>
+              <a:lnSpc>
+                <a:spcPct val="80000"/>
+              </a:lnSpc>
+              <a:buFont typeface="Wingdings" charset="0"/>
+              <a:buNone/>
+            </a:pPr>
+            <a:endParaRPr lang="en-US" altLang="zh-CN" sz="2800" dirty="0">
+              <a:latin typeface="Courier New" charset="0"/>
+              <a:ea typeface="宋体" charset="0"/>
+              <a:cs typeface="宋体" charset="0"/>
+            </a:endParaRPr>
+          </a:p>
+          <a:p>
+            <a:pPr>
+              <a:lnSpc>
+                <a:spcPct val="80000"/>
+              </a:lnSpc>
+              <a:buFont typeface="Wingdings" charset="0"/>
+              <a:buNone/>
+            </a:pPr>
+            <a:r>
+              <a:rPr lang="en-US" altLang="zh-CN" sz="2800" dirty="0">
+                <a:latin typeface="Courier New" charset="0"/>
+                <a:ea typeface="宋体" charset="0"/>
+                <a:cs typeface="宋体" charset="0"/>
+              </a:rPr>
+              <a:t>由于</a:t>
+            </a:r>
+            <a:r>
+              <a:rPr lang="zh-CN" altLang="en-US" sz="2800" dirty="0">
+                <a:latin typeface="Courier New" charset="0"/>
+                <a:ea typeface="宋体" charset="0"/>
+                <a:cs typeface="宋体" charset="0"/>
+              </a:rPr>
+              <a:t>btnInit:</a:t>
+            </a:r>
+            <a:r>
+              <a:rPr lang="en-US" altLang="zh-CN" sz="2800" dirty="0">
+                <a:latin typeface="Courier New" charset="0"/>
+                <a:ea typeface="宋体" charset="0"/>
+                <a:cs typeface="宋体" charset="0"/>
+              </a:rPr>
+              <a:t>方法是可选的，可以只实现</a:t>
+            </a:r>
+            <a:r>
+              <a:rPr lang="zh-CN" altLang="en-US" sz="2800" dirty="0">
+                <a:latin typeface="Courier New" charset="0"/>
+                <a:ea typeface="宋体" charset="0"/>
+                <a:cs typeface="宋体" charset="0"/>
+              </a:rPr>
+              <a:t>btnClick</a:t>
+            </a:r>
+            <a:r>
+              <a:rPr lang="en-US" altLang="ja-JP" sz="2800" dirty="0">
+                <a:latin typeface="Courier New" charset="0"/>
+                <a:ea typeface="宋体" charset="0"/>
+                <a:cs typeface="宋体" charset="0"/>
+              </a:rPr>
+              <a:t>:</a:t>
+            </a:r>
+            <a:endParaRPr lang="en-US" altLang="zh-CN" sz="2800" dirty="0">
+              <a:latin typeface="Courier New" charset="0"/>
+              <a:ea typeface="宋体" charset="0"/>
+              <a:cs typeface="宋体" charset="0"/>
+            </a:endParaRPr>
+          </a:p>
+        </p:txBody>
+      </p:sp>
+      <p:sp>
+        <p:nvSpPr>
+          <p:cNvPr id="4" name="文本框 3"/>
+          <p:cNvSpPr txBox="1"/>
+          <p:nvPr/>
+        </p:nvSpPr>
+        <p:spPr>
+          <a:xfrm>
+            <a:off x="1206500" y="6426200"/>
+            <a:ext cx="184666" cy="369332"/>
+          </a:xfrm>
+          <a:prstGeom prst="rect">
+            <a:avLst/>
+          </a:prstGeom>
+          <a:noFill/>
+        </p:spPr>
+        <p:txBody>
+          <a:bodyPr wrap="none" rtlCol="0">
+            <a:spAutoFit/>
+          </a:bodyPr>
+          <a:lstStyle/>
+          <a:p>
+            <a:endParaRPr kumimoji="1" lang="zh-CN" altLang="en-US" dirty="0"/>
+          </a:p>
+        </p:txBody>
+      </p:sp>
+    </p:spTree>
+    <p:extLst>
+      <p:ext uri="{BB962C8B-B14F-4D97-AF65-F5344CB8AC3E}">
+        <p14:creationId xmlns:p14="http://schemas.microsoft.com/office/powerpoint/2010/main" val="3518369120"/>
+      </p:ext>
+    </p:extLst>
+  </p:cSld>
+  <p:clrMapOvr>
+    <a:masterClrMapping/>
+  </p:clrMapOvr>
+  <p:timing>
+    <p:tnLst>
+      <p:par>
+        <p:cTn xmlns:p14="http://schemas.microsoft.com/office/powerpoint/2010/main" id="1" dur="indefinite" restart="never" nodeType="tmRoot"/>
+      </p:par>
+    </p:tnLst>
+  </p:timing>
+</p:sld>
+</file>
+
+<file path=ppt/slides/slide11.xml><?xml version="1.0" encoding="utf-8"?>
+<p:sld xmlns:a="http://schemas.openxmlformats.org/drawingml/2006/main" xmlns:r="http://schemas.openxmlformats.org/officeDocument/2006/relationships" xmlns:p="http://schemas.openxmlformats.org/presentationml/2006/main">
+  <p:cSld>
+    <p:spTree>
+      <p:nvGrpSpPr>
+        <p:cNvPr id="1" name=""/>
+        <p:cNvGrpSpPr/>
+        <p:nvPr/>
+      </p:nvGrpSpPr>
+      <p:grpSpPr>
+        <a:xfrm>
+          <a:off x="0" y="0"/>
+          <a:ext cx="0" cy="0"/>
+          <a:chOff x="0" y="0"/>
+          <a:chExt cx="0" cy="0"/>
+        </a:xfrm>
+      </p:grpSpPr>
+      <p:sp>
+        <p:nvSpPr>
+          <p:cNvPr id="2" name="标题 1"/>
+          <p:cNvSpPr>
+            <a:spLocks noGrp="1"/>
+          </p:cNvSpPr>
+          <p:nvPr>
+            <p:ph type="title"/>
+          </p:nvPr>
+        </p:nvSpPr>
+        <p:spPr/>
+        <p:txBody>
+          <a:bodyPr/>
+          <a:lstStyle/>
+          <a:p>
+            <a:r>
+              <a:rPr lang="zh-CN" altLang="en-US" dirty="0">
+                <a:latin typeface="Courier New" charset="0"/>
+                <a:ea typeface="宋体" charset="0"/>
+                <a:cs typeface="宋体" charset="0"/>
+              </a:rPr>
+              <a:t>Protocol的使用场景</a:t>
+            </a:r>
+            <a:endParaRPr kumimoji="1" lang="zh-CN" altLang="en-US" dirty="0"/>
+          </a:p>
+        </p:txBody>
+      </p:sp>
+      <p:sp>
+        <p:nvSpPr>
+          <p:cNvPr id="3" name="幻灯片编号占位符 2"/>
+          <p:cNvSpPr>
+            <a:spLocks noGrp="1"/>
+          </p:cNvSpPr>
+          <p:nvPr>
+            <p:ph type="sldNum" sz="quarter" idx="4"/>
+          </p:nvPr>
+        </p:nvSpPr>
+        <p:spPr/>
+        <p:txBody>
+          <a:bodyPr/>
+          <a:lstStyle/>
+          <a:p>
+            <a:fld id="{BF10DB53-D7D3-4DB6-A29F-40217B92EC88}" type="slidenum">
+              <a:rPr lang="en-US" smtClean="0"/>
+              <a:pPr/>
+              <a:t>10</a:t>
+            </a:fld>
+            <a:endParaRPr lang="en-US" dirty="0"/>
+          </a:p>
+        </p:txBody>
+      </p:sp>
+      <p:sp>
+        <p:nvSpPr>
+          <p:cNvPr id="5" name="文本框 4"/>
+          <p:cNvSpPr txBox="1"/>
+          <p:nvPr/>
+        </p:nvSpPr>
+        <p:spPr>
+          <a:xfrm>
+            <a:off x="251520" y="1268760"/>
+            <a:ext cx="8352928" cy="4221669"/>
+          </a:xfrm>
+          <a:prstGeom prst="rect">
+            <a:avLst/>
+          </a:prstGeom>
+          <a:noFill/>
+        </p:spPr>
+        <p:txBody>
+          <a:bodyPr wrap="square" rtlCol="0">
+            <a:spAutoFit/>
+          </a:bodyPr>
+          <a:lstStyle/>
+          <a:p>
+            <a:pPr marL="342900" indent="-342900">
+              <a:lnSpc>
+                <a:spcPct val="150000"/>
+              </a:lnSpc>
+              <a:buFont typeface="Wingdings" charset="2"/>
+              <a:buChar char="l"/>
+            </a:pPr>
+            <a:r>
+              <a:rPr lang="en-US" altLang="zh-CN" sz="2000" dirty="0" err="1">
+                <a:latin typeface="Courier New" charset="0"/>
+                <a:ea typeface="宋体" charset="0"/>
+                <a:cs typeface="宋体" charset="0"/>
+              </a:rPr>
+              <a:t>OC的Protocol和Java的接口很类似</a:t>
+            </a:r>
+            <a:r>
+              <a:rPr lang="zh-CN" altLang="en-US" sz="2000" dirty="0">
+                <a:latin typeface="Courier New" charset="0"/>
+                <a:ea typeface="宋体" charset="0"/>
+                <a:cs typeface="宋体" charset="0"/>
+              </a:rPr>
+              <a:t>,</a:t>
+            </a:r>
+            <a:r>
+              <a:rPr lang="en-US" altLang="zh-CN" sz="2000" dirty="0">
+                <a:latin typeface="Courier New" charset="0"/>
+                <a:ea typeface="宋体" charset="0"/>
+                <a:cs typeface="宋体" charset="0"/>
+              </a:rPr>
+              <a:t>如果一些类之间没有继承关系</a:t>
+            </a:r>
+            <a:r>
+              <a:rPr lang="zh-CN" altLang="en-US" sz="2000" dirty="0">
+                <a:latin typeface="Courier New" charset="0"/>
+                <a:ea typeface="宋体" charset="0"/>
+                <a:cs typeface="宋体" charset="0"/>
+              </a:rPr>
+              <a:t>,</a:t>
+            </a:r>
+            <a:r>
+              <a:rPr lang="en-US" altLang="zh-CN" sz="2000" dirty="0">
+                <a:latin typeface="Courier New" charset="0"/>
+                <a:ea typeface="宋体" charset="0"/>
+                <a:cs typeface="宋体" charset="0"/>
+              </a:rPr>
+              <a:t>但是又具备某些相同的行为</a:t>
+            </a:r>
+            <a:r>
+              <a:rPr lang="zh-CN" altLang="en-US" sz="2000" dirty="0">
+                <a:latin typeface="Courier New" charset="0"/>
+                <a:ea typeface="宋体" charset="0"/>
+                <a:cs typeface="宋体" charset="0"/>
+              </a:rPr>
+              <a:t>,</a:t>
+            </a:r>
+            <a:r>
+              <a:rPr lang="en-US" altLang="zh-CN" sz="2000" dirty="0" err="1">
+                <a:latin typeface="Courier New" charset="0"/>
+                <a:ea typeface="宋体" charset="0"/>
+                <a:cs typeface="宋体" charset="0"/>
+              </a:rPr>
+              <a:t>可使用</a:t>
+            </a:r>
+            <a:r>
+              <a:rPr lang="en-US" altLang="ja-JP" sz="2000" dirty="0" err="1">
+                <a:latin typeface="Courier New" charset="0"/>
+                <a:ea typeface="宋体" charset="0"/>
+                <a:cs typeface="宋体" charset="0"/>
+              </a:rPr>
+              <a:t>Protocol</a:t>
+            </a:r>
+            <a:r>
+              <a:rPr lang="en-US" altLang="zh-CN" sz="2000" dirty="0" err="1">
+                <a:latin typeface="Courier New" charset="0"/>
+                <a:ea typeface="宋体" charset="0"/>
+                <a:cs typeface="宋体" charset="0"/>
+              </a:rPr>
+              <a:t>来描述它们的关系</a:t>
+            </a:r>
+            <a:r>
+              <a:rPr lang="zh-CN" altLang="en-US" sz="2000" dirty="0">
+                <a:latin typeface="Courier New" charset="0"/>
+                <a:ea typeface="宋体" charset="0"/>
+                <a:cs typeface="宋体" charset="0"/>
+              </a:rPr>
+              <a:t>,</a:t>
+            </a:r>
+            <a:r>
+              <a:rPr lang="en-US" altLang="zh-CN" sz="2000" dirty="0">
+                <a:latin typeface="Courier New" charset="0"/>
+                <a:ea typeface="宋体" charset="0"/>
+                <a:cs typeface="宋体" charset="0"/>
+              </a:rPr>
+              <a:t>不同的类，可以</a:t>
+            </a:r>
+            <a:r>
+              <a:rPr lang="zh-CN" altLang="en-US" sz="2000" dirty="0">
+                <a:latin typeface="Courier New" charset="0"/>
+                <a:ea typeface="宋体" charset="0"/>
+                <a:cs typeface="宋体" charset="0"/>
+              </a:rPr>
+              <a:t>实现</a:t>
+            </a:r>
+            <a:r>
+              <a:rPr lang="en-US" altLang="zh-CN" sz="2000" dirty="0" err="1">
+                <a:latin typeface="Courier New" charset="0"/>
+                <a:ea typeface="宋体" charset="0"/>
+                <a:cs typeface="宋体" charset="0"/>
+              </a:rPr>
+              <a:t>同一个</a:t>
+            </a:r>
+            <a:r>
+              <a:rPr lang="en-US" altLang="ja-JP" sz="2000" dirty="0" err="1" smtClean="0">
+                <a:latin typeface="Courier New" charset="0"/>
+                <a:ea typeface="宋体" charset="0"/>
+                <a:cs typeface="宋体" charset="0"/>
+              </a:rPr>
+              <a:t>Protocol</a:t>
+            </a:r>
+            <a:endParaRPr lang="en-US" altLang="ja-JP" sz="2000" dirty="0" smtClean="0">
+              <a:latin typeface="Courier New" charset="0"/>
+              <a:ea typeface="宋体" charset="0"/>
+              <a:cs typeface="宋体" charset="0"/>
+            </a:endParaRPr>
+          </a:p>
+          <a:p>
+            <a:pPr>
+              <a:lnSpc>
+                <a:spcPct val="150000"/>
+              </a:lnSpc>
+            </a:pPr>
+            <a:endParaRPr lang="en-US" altLang="ja-JP" sz="2000" dirty="0">
+              <a:latin typeface="Courier New" charset="0"/>
+              <a:ea typeface="宋体" charset="0"/>
+              <a:cs typeface="宋体" charset="0"/>
+            </a:endParaRPr>
+          </a:p>
+          <a:p>
+            <a:pPr marL="342900" indent="-342900">
+              <a:lnSpc>
+                <a:spcPct val="150000"/>
+              </a:lnSpc>
+              <a:buFont typeface="Wingdings" charset="2"/>
+              <a:buChar char="l"/>
+            </a:pPr>
+            <a:r>
+              <a:rPr lang="en-US" altLang="zh-CN" sz="2000" dirty="0" err="1">
+                <a:latin typeface="Courier New" charset="0"/>
+                <a:ea typeface="宋体" charset="0"/>
+                <a:cs typeface="宋体" charset="0"/>
+              </a:rPr>
+              <a:t>最常用的就是委托代理模式，Cocoa框架中大量采用了这种模式实现</a:t>
+            </a:r>
+            <a:r>
+              <a:rPr lang="en-US" altLang="zh-CN" sz="2000" b="1" dirty="0" err="1">
+                <a:latin typeface="Courier New" charset="0"/>
+                <a:ea typeface="宋体" charset="0"/>
+                <a:cs typeface="宋体" charset="0"/>
+              </a:rPr>
+              <a:t>数据和</a:t>
+            </a:r>
+            <a:r>
+              <a:rPr lang="en-US" altLang="ja-JP" sz="2000" b="1" dirty="0" err="1">
+                <a:latin typeface="Courier New" charset="0"/>
+                <a:ea typeface="宋体" charset="0"/>
+                <a:cs typeface="宋体" charset="0"/>
+              </a:rPr>
+              <a:t>UI</a:t>
+            </a:r>
+            <a:r>
+              <a:rPr lang="en-US" altLang="zh-CN" sz="2000" b="1" dirty="0" err="1">
+                <a:latin typeface="Courier New" charset="0"/>
+                <a:ea typeface="宋体" charset="0"/>
+                <a:cs typeface="宋体" charset="0"/>
+              </a:rPr>
+              <a:t>的分离</a:t>
+            </a:r>
+            <a:r>
+              <a:rPr lang="en-US" altLang="zh-CN" sz="2000" dirty="0" err="1">
+                <a:latin typeface="Courier New" charset="0"/>
+                <a:ea typeface="宋体" charset="0"/>
+                <a:cs typeface="宋体" charset="0"/>
+              </a:rPr>
+              <a:t>。例如</a:t>
+            </a:r>
+            <a:r>
+              <a:rPr lang="en-US" altLang="ja-JP" sz="2000" dirty="0" err="1">
+                <a:latin typeface="Courier New" charset="0"/>
+                <a:ea typeface="宋体" charset="0"/>
+                <a:cs typeface="宋体" charset="0"/>
+              </a:rPr>
+              <a:t>UIView</a:t>
+            </a:r>
+            <a:r>
+              <a:rPr lang="en-US" altLang="zh-CN" sz="2000" dirty="0" err="1">
+                <a:latin typeface="Courier New" charset="0"/>
+                <a:ea typeface="宋体" charset="0"/>
+                <a:cs typeface="宋体" charset="0"/>
+              </a:rPr>
+              <a:t>产生的所有事件</a:t>
+            </a:r>
+            <a:r>
+              <a:rPr lang="zh-CN" altLang="en-US" sz="2000" dirty="0">
+                <a:latin typeface="Courier New" charset="0"/>
+                <a:ea typeface="宋体" charset="0"/>
+                <a:cs typeface="宋体" charset="0"/>
+              </a:rPr>
+              <a:t>的处理</a:t>
+            </a:r>
+            <a:r>
+              <a:rPr lang="en-US" altLang="zh-CN" sz="2000" dirty="0">
+                <a:latin typeface="Courier New" charset="0"/>
+                <a:ea typeface="宋体" charset="0"/>
+                <a:cs typeface="宋体" charset="0"/>
+              </a:rPr>
+              <a:t>，都是通过委托的方式交给</a:t>
+            </a:r>
+            <a:r>
+              <a:rPr lang="zh-CN" altLang="en-US" sz="2000" dirty="0">
+                <a:latin typeface="Courier New" charset="0"/>
+                <a:ea typeface="宋体" charset="0"/>
+                <a:cs typeface="宋体" charset="0"/>
+              </a:rPr>
+              <a:t>UIView</a:t>
+            </a:r>
+            <a:r>
+              <a:rPr lang="en-US" altLang="ja-JP" sz="2000" dirty="0">
+                <a:latin typeface="Courier New" charset="0"/>
+                <a:ea typeface="宋体" charset="0"/>
+                <a:cs typeface="宋体" charset="0"/>
+              </a:rPr>
+              <a:t>Controller</a:t>
+            </a:r>
+            <a:r>
+              <a:rPr lang="en-US" altLang="zh-CN" sz="2000" dirty="0">
+                <a:latin typeface="Courier New" charset="0"/>
+                <a:ea typeface="宋体" charset="0"/>
+                <a:cs typeface="宋体" charset="0"/>
+              </a:rPr>
+              <a:t>完成。根据约定，框架中后缀为</a:t>
+            </a:r>
+            <a:r>
+              <a:rPr lang="en-US" altLang="ja-JP" sz="2000" dirty="0">
+                <a:latin typeface="Courier New" charset="0"/>
+                <a:ea typeface="宋体" charset="0"/>
+                <a:cs typeface="宋体" charset="0"/>
+              </a:rPr>
+              <a:t>Delegate</a:t>
+            </a:r>
+            <a:r>
+              <a:rPr lang="en-US" altLang="zh-CN" sz="2000" dirty="0">
+                <a:latin typeface="Courier New" charset="0"/>
+                <a:ea typeface="宋体" charset="0"/>
+                <a:cs typeface="宋体" charset="0"/>
+              </a:rPr>
+              <a:t>的都是</a:t>
+            </a:r>
+            <a:r>
+              <a:rPr lang="en-US" altLang="ja-JP" sz="2000" dirty="0">
+                <a:latin typeface="Courier New" charset="0"/>
+                <a:ea typeface="宋体" charset="0"/>
+                <a:cs typeface="宋体" charset="0"/>
+              </a:rPr>
+              <a:t>Protocol</a:t>
+            </a:r>
+            <a:r>
+              <a:rPr lang="en-US" altLang="zh-CN" sz="2000" dirty="0">
+                <a:latin typeface="Courier New" charset="0"/>
+                <a:ea typeface="宋体" charset="0"/>
+                <a:cs typeface="宋体" charset="0"/>
+              </a:rPr>
+              <a:t>，如</a:t>
+            </a:r>
+            <a:r>
+              <a:rPr lang="en-US" altLang="ja-JP" sz="2000" dirty="0">
+                <a:latin typeface="Courier New" charset="0"/>
+                <a:ea typeface="宋体" charset="0"/>
+                <a:cs typeface="宋体" charset="0"/>
+              </a:rPr>
+              <a:t>UIApplicationDelegate</a:t>
+            </a:r>
+            <a:r>
+              <a:rPr lang="en-US" altLang="zh-CN" sz="2000" dirty="0">
+                <a:latin typeface="Courier New" charset="0"/>
+                <a:ea typeface="宋体" charset="0"/>
+                <a:cs typeface="宋体" charset="0"/>
+              </a:rPr>
+              <a:t>，</a:t>
+            </a:r>
+            <a:r>
+              <a:rPr lang="en-US" altLang="ja-JP" sz="2000" dirty="0">
+                <a:latin typeface="Courier New" charset="0"/>
+                <a:ea typeface="宋体" charset="0"/>
+                <a:cs typeface="宋体" charset="0"/>
+              </a:rPr>
+              <a:t>UI</a:t>
+            </a:r>
+            <a:r>
+              <a:rPr lang="zh-CN" altLang="en-US" sz="2000" dirty="0">
+                <a:latin typeface="Courier New" charset="0"/>
+                <a:ea typeface="宋体" charset="0"/>
+                <a:cs typeface="宋体" charset="0"/>
+              </a:rPr>
+              <a:t>Table</a:t>
+            </a:r>
+            <a:r>
+              <a:rPr lang="en-US" altLang="ja-JP" sz="2000" dirty="0" err="1">
+                <a:latin typeface="Courier New" charset="0"/>
+                <a:ea typeface="宋体" charset="0"/>
+                <a:cs typeface="宋体" charset="0"/>
+              </a:rPr>
+              <a:t>ViewDelegate</a:t>
+            </a:r>
+            <a:r>
+              <a:rPr lang="en-US" altLang="zh-CN" sz="2000" dirty="0" err="1">
+                <a:latin typeface="Courier New" charset="0"/>
+                <a:ea typeface="宋体" charset="0"/>
+                <a:cs typeface="宋体" charset="0"/>
+              </a:rPr>
+              <a:t>等</a:t>
+            </a:r>
+            <a:endParaRPr lang="en-US" altLang="zh-CN" sz="2000" dirty="0">
+              <a:latin typeface="Courier New" charset="0"/>
+              <a:ea typeface="宋体" charset="0"/>
+              <a:cs typeface="宋体" charset="0"/>
+            </a:endParaRPr>
+          </a:p>
+        </p:txBody>
+      </p:sp>
+      <p:sp>
+        <p:nvSpPr>
+          <p:cNvPr id="4" name="文本框 3"/>
+          <p:cNvSpPr txBox="1"/>
+          <p:nvPr/>
+        </p:nvSpPr>
+        <p:spPr>
+          <a:xfrm>
+            <a:off x="1206500" y="6426200"/>
+            <a:ext cx="184666" cy="369332"/>
+          </a:xfrm>
+          <a:prstGeom prst="rect">
+            <a:avLst/>
+          </a:prstGeom>
+          <a:noFill/>
+        </p:spPr>
+        <p:txBody>
+          <a:bodyPr wrap="none" rtlCol="0">
+            <a:spAutoFit/>
+          </a:bodyPr>
+          <a:lstStyle/>
+          <a:p>
+            <a:endParaRPr kumimoji="1" lang="zh-CN" altLang="en-US" dirty="0"/>
+          </a:p>
+        </p:txBody>
+      </p:sp>
+    </p:spTree>
+    <p:extLst>
+      <p:ext uri="{BB962C8B-B14F-4D97-AF65-F5344CB8AC3E}">
+        <p14:creationId xmlns:p14="http://schemas.microsoft.com/office/powerpoint/2010/main" val="426809188"/>
+      </p:ext>
+    </p:extLst>
+  </p:cSld>
+  <p:clrMapOvr>
+    <a:masterClrMapping/>
+  </p:clrMapOvr>
+  <p:timing>
+    <p:tnLst>
+      <p:par>
+        <p:cTn xmlns:p14="http://schemas.microsoft.com/office/powerpoint/2010/main" id="1" dur="indefinite" restart="never" nodeType="tmRoot"/>
+      </p:par>
+    </p:tnLst>
+  </p:timing>
+</p:sld>
+</file>
+
+<file path=ppt/slides/slide12.xml><?xml version="1.0" encoding="utf-8"?>
+<p:sld xmlns:a="http://schemas.openxmlformats.org/drawingml/2006/main" xmlns:r="http://schemas.openxmlformats.org/officeDocument/2006/relationships" xmlns:p="http://schemas.openxmlformats.org/presentationml/2006/main">
+  <p:cSld>
+    <p:spTree>
+      <p:nvGrpSpPr>
+        <p:cNvPr id="1" name=""/>
+        <p:cNvGrpSpPr/>
+        <p:nvPr/>
+      </p:nvGrpSpPr>
+      <p:grpSpPr>
+        <a:xfrm>
+          <a:off x="0" y="0"/>
+          <a:ext cx="0" cy="0"/>
+          <a:chOff x="0" y="0"/>
+          <a:chExt cx="0" cy="0"/>
+        </a:xfrm>
+      </p:grpSpPr>
+      <p:sp>
+        <p:nvSpPr>
+          <p:cNvPr id="2" name="标题 1"/>
+          <p:cNvSpPr>
+            <a:spLocks noGrp="1"/>
+          </p:cNvSpPr>
+          <p:nvPr>
+            <p:ph type="title"/>
+          </p:nvPr>
+        </p:nvSpPr>
+        <p:spPr/>
+        <p:txBody>
+          <a:bodyPr/>
+          <a:lstStyle/>
+          <a:p>
+            <a:r>
+              <a:rPr lang="zh-CN" altLang="en-US" dirty="0">
+                <a:latin typeface="Courier New" charset="0"/>
+                <a:ea typeface="宋体" charset="0"/>
+                <a:cs typeface="宋体" charset="0"/>
+              </a:rPr>
+              <a:t>Protocol的注意</a:t>
+            </a:r>
+            <a:endParaRPr kumimoji="1" lang="zh-CN" altLang="en-US" dirty="0"/>
+          </a:p>
+        </p:txBody>
+      </p:sp>
+      <p:sp>
+        <p:nvSpPr>
+          <p:cNvPr id="3" name="幻灯片编号占位符 2"/>
+          <p:cNvSpPr>
+            <a:spLocks noGrp="1"/>
+          </p:cNvSpPr>
+          <p:nvPr>
+            <p:ph type="sldNum" sz="quarter" idx="4"/>
+          </p:nvPr>
+        </p:nvSpPr>
+        <p:spPr/>
+        <p:txBody>
+          <a:bodyPr/>
+          <a:lstStyle/>
+          <a:p>
+            <a:fld id="{BF10DB53-D7D3-4DB6-A29F-40217B92EC88}" type="slidenum">
+              <a:rPr lang="en-US" smtClean="0"/>
+              <a:pPr/>
+              <a:t>11</a:t>
+            </a:fld>
+            <a:endParaRPr lang="en-US" dirty="0"/>
+          </a:p>
+        </p:txBody>
+      </p:sp>
+      <p:sp>
+        <p:nvSpPr>
+          <p:cNvPr id="5" name="文本框 4"/>
+          <p:cNvSpPr txBox="1"/>
+          <p:nvPr/>
+        </p:nvSpPr>
+        <p:spPr>
+          <a:xfrm>
+            <a:off x="251520" y="1268760"/>
+            <a:ext cx="8640960" cy="3760004"/>
+          </a:xfrm>
+          <a:prstGeom prst="rect">
+            <a:avLst/>
+          </a:prstGeom>
+          <a:noFill/>
+        </p:spPr>
+        <p:txBody>
+          <a:bodyPr wrap="square" rtlCol="0">
+            <a:spAutoFit/>
+          </a:bodyPr>
+          <a:lstStyle/>
+          <a:p>
+            <a:pPr marL="342900" indent="-342900">
+              <a:lnSpc>
+                <a:spcPct val="150000"/>
+              </a:lnSpc>
+              <a:buFont typeface="Wingdings" charset="2"/>
+              <a:buChar char="l"/>
+            </a:pPr>
+            <a:r>
+              <a:rPr lang="zh-CN" altLang="en-US" sz="2000" dirty="0">
+                <a:latin typeface="Courier New" charset="0"/>
+                <a:ea typeface="宋体" charset="0"/>
+                <a:cs typeface="宋体" charset="0"/>
+              </a:rPr>
+              <a:t>一个</a:t>
+            </a:r>
+            <a:r>
+              <a:rPr lang="en-US" altLang="ja-JP" sz="2000" dirty="0" err="1">
+                <a:latin typeface="Courier New" charset="0"/>
+                <a:ea typeface="宋体" charset="0"/>
+                <a:cs typeface="宋体" charset="0"/>
+              </a:rPr>
+              <a:t>Protocol</a:t>
+            </a:r>
+            <a:r>
+              <a:rPr lang="en-US" altLang="zh-CN" sz="2000" dirty="0" err="1">
+                <a:latin typeface="Courier New" charset="0"/>
+                <a:ea typeface="宋体" charset="0"/>
+                <a:cs typeface="宋体" charset="0"/>
+              </a:rPr>
+              <a:t>本身是可以</a:t>
+            </a:r>
+            <a:r>
+              <a:rPr lang="zh-CN" altLang="en-US" sz="2000" dirty="0">
+                <a:latin typeface="Courier New" charset="0"/>
+                <a:ea typeface="宋体" charset="0"/>
+                <a:cs typeface="宋体" charset="0"/>
+              </a:rPr>
+              <a:t>实现其它Protocol</a:t>
+            </a:r>
+          </a:p>
+          <a:p>
+            <a:pPr>
+              <a:lnSpc>
+                <a:spcPct val="150000"/>
+              </a:lnSpc>
+              <a:buFont typeface="Wingdings" charset="0"/>
+              <a:buNone/>
+            </a:pPr>
+            <a:r>
+              <a:rPr lang="zh-CN" altLang="en-US" sz="2000" dirty="0">
+                <a:latin typeface="Courier New" charset="0"/>
+                <a:ea typeface="宋体" charset="0"/>
+                <a:cs typeface="宋体" charset="0"/>
+              </a:rPr>
+              <a:t>例如:</a:t>
+            </a:r>
+          </a:p>
+          <a:p>
+            <a:pPr>
+              <a:lnSpc>
+                <a:spcPct val="150000"/>
+              </a:lnSpc>
+              <a:buFont typeface="Wingdings" charset="0"/>
+              <a:buNone/>
+            </a:pPr>
+            <a:r>
+              <a:rPr lang="zh-CN" altLang="en-US" sz="2000" dirty="0">
+                <a:latin typeface="Courier New" charset="0"/>
+                <a:ea typeface="宋体" charset="0"/>
+                <a:cs typeface="宋体" charset="0"/>
+              </a:rPr>
+              <a:t>@protocol MyDelegate &lt;UIWebViewDelegate&gt;</a:t>
+            </a:r>
+          </a:p>
+          <a:p>
+            <a:pPr>
+              <a:lnSpc>
+                <a:spcPct val="150000"/>
+              </a:lnSpc>
+              <a:buFont typeface="Wingdings" charset="0"/>
+              <a:buNone/>
+            </a:pPr>
+            <a:r>
+              <a:rPr lang="zh-CN" altLang="en-US" sz="2000" dirty="0">
+                <a:latin typeface="Courier New" charset="0"/>
+                <a:ea typeface="宋体" charset="0"/>
+                <a:cs typeface="宋体" charset="0"/>
+              </a:rPr>
+              <a:t>@</a:t>
+            </a:r>
+            <a:r>
+              <a:rPr lang="zh-CN" altLang="en-US" sz="2000" dirty="0" smtClean="0">
+                <a:latin typeface="Courier New" charset="0"/>
+                <a:ea typeface="宋体" charset="0"/>
+                <a:cs typeface="宋体" charset="0"/>
+              </a:rPr>
+              <a:t>end</a:t>
+            </a:r>
+            <a:endParaRPr lang="en-US" altLang="zh-CN" sz="2000" dirty="0" smtClean="0">
+              <a:latin typeface="Courier New" charset="0"/>
+              <a:ea typeface="宋体" charset="0"/>
+              <a:cs typeface="宋体" charset="0"/>
+            </a:endParaRPr>
+          </a:p>
+          <a:p>
+            <a:pPr>
+              <a:lnSpc>
+                <a:spcPct val="150000"/>
+              </a:lnSpc>
+              <a:buFont typeface="Wingdings" charset="0"/>
+              <a:buNone/>
+            </a:pPr>
+            <a:endParaRPr lang="zh-CN" altLang="en-US" sz="2000" dirty="0">
+              <a:latin typeface="Courier New" charset="0"/>
+              <a:ea typeface="宋体" charset="0"/>
+              <a:cs typeface="宋体" charset="0"/>
+            </a:endParaRPr>
+          </a:p>
+          <a:p>
+            <a:pPr marL="342900" indent="-342900">
+              <a:lnSpc>
+                <a:spcPct val="150000"/>
+              </a:lnSpc>
+              <a:buFont typeface="Wingdings" charset="2"/>
+              <a:buChar char="l"/>
+            </a:pPr>
+            <a:r>
+              <a:rPr lang="en-US" altLang="zh-CN" sz="2000" dirty="0" err="1">
+                <a:latin typeface="Courier New" charset="0"/>
+                <a:ea typeface="宋体" charset="0"/>
+                <a:cs typeface="宋体" charset="0"/>
+              </a:rPr>
+              <a:t>可以使用conformsToProtocol判断某个类是否实现了某个Protocol</a:t>
+            </a:r>
+            <a:endParaRPr lang="en-US" altLang="zh-CN" sz="2000" dirty="0">
+              <a:latin typeface="Courier New" charset="0"/>
+              <a:ea typeface="宋体" charset="0"/>
+              <a:cs typeface="宋体" charset="0"/>
+            </a:endParaRPr>
+          </a:p>
+          <a:p>
+            <a:pPr>
+              <a:lnSpc>
+                <a:spcPct val="150000"/>
+              </a:lnSpc>
+              <a:buFont typeface="Wingdings" charset="0"/>
+              <a:buNone/>
+            </a:pPr>
+            <a:r>
+              <a:rPr lang="zh-CN" altLang="en-US" sz="2000" dirty="0">
+                <a:latin typeface="Courier New" charset="0"/>
+                <a:ea typeface="宋体" charset="0"/>
+                <a:cs typeface="宋体" charset="0"/>
+              </a:rPr>
+              <a:t>例如:</a:t>
+            </a:r>
+          </a:p>
+          <a:p>
+            <a:pPr>
+              <a:lnSpc>
+                <a:spcPct val="150000"/>
+              </a:lnSpc>
+              <a:buFont typeface="Wingdings" charset="0"/>
+              <a:buNone/>
+            </a:pPr>
+            <a:r>
+              <a:rPr lang="en-US" altLang="zh-CN" sz="2000" dirty="0">
+                <a:latin typeface="Courier New" charset="0"/>
+                <a:ea typeface="宋体" charset="0"/>
+                <a:cs typeface="宋体" charset="0"/>
+              </a:rPr>
+              <a:t>[</a:t>
+            </a:r>
+            <a:r>
+              <a:rPr lang="en-US" altLang="zh-CN" sz="2000" dirty="0" err="1">
+                <a:latin typeface="Courier New" charset="0"/>
+                <a:ea typeface="宋体" charset="0"/>
+                <a:cs typeface="宋体" charset="0"/>
+              </a:rPr>
+              <a:t>obj</a:t>
+            </a:r>
+            <a:r>
+              <a:rPr lang="en-US" altLang="zh-CN" sz="2000" dirty="0">
+                <a:latin typeface="Courier New" charset="0"/>
+                <a:ea typeface="宋体" charset="0"/>
+                <a:cs typeface="宋体" charset="0"/>
+              </a:rPr>
+              <a:t> </a:t>
+            </a:r>
+            <a:r>
+              <a:rPr lang="en-US" altLang="zh-CN" sz="2000" dirty="0" err="1">
+                <a:latin typeface="Courier New" charset="0"/>
+                <a:ea typeface="宋体" charset="0"/>
+                <a:cs typeface="宋体" charset="0"/>
+              </a:rPr>
+              <a:t>conformsToProtocol</a:t>
+            </a:r>
+            <a:r>
+              <a:rPr lang="en-US" altLang="zh-CN" sz="2000" dirty="0" smtClean="0">
+                <a:latin typeface="Courier New" charset="0"/>
+                <a:ea typeface="宋体" charset="0"/>
+                <a:cs typeface="宋体" charset="0"/>
+              </a:rPr>
+              <a:t>:@</a:t>
+            </a:r>
+            <a:r>
+              <a:rPr lang="en-US" altLang="zh-CN" sz="2000" dirty="0">
+                <a:latin typeface="Courier New" charset="0"/>
+                <a:ea typeface="宋体" charset="0"/>
+                <a:cs typeface="宋体" charset="0"/>
+              </a:rPr>
+              <a:t>protocol(</a:t>
+            </a:r>
+            <a:r>
+              <a:rPr lang="zh-CN" altLang="en-US" sz="2000" dirty="0">
+                <a:latin typeface="Courier New" charset="0"/>
+                <a:ea typeface="宋体" charset="0"/>
+                <a:cs typeface="宋体" charset="0"/>
+              </a:rPr>
+              <a:t>MyDelegate</a:t>
+            </a:r>
+            <a:r>
+              <a:rPr lang="en-US" altLang="zh-CN" sz="2000" dirty="0">
+                <a:latin typeface="Courier New" charset="0"/>
+                <a:ea typeface="宋体" charset="0"/>
+                <a:cs typeface="宋体" charset="0"/>
+              </a:rPr>
+              <a:t>)]</a:t>
+            </a:r>
+            <a:r>
+              <a:rPr lang="zh-CN" altLang="en-US" sz="2000" dirty="0">
+                <a:latin typeface="Courier New" charset="0"/>
+                <a:ea typeface="宋体" charset="0"/>
+                <a:cs typeface="宋体" charset="0"/>
+              </a:rPr>
+              <a:t>;</a:t>
+            </a:r>
+            <a:endParaRPr lang="en-US" altLang="zh-CN" sz="2000" dirty="0">
+              <a:latin typeface="Courier New" charset="0"/>
+              <a:ea typeface="宋体" charset="0"/>
+              <a:cs typeface="宋体" charset="0"/>
+            </a:endParaRPr>
+          </a:p>
+        </p:txBody>
+      </p:sp>
+      <p:sp>
+        <p:nvSpPr>
+          <p:cNvPr id="4" name="文本框 3"/>
+          <p:cNvSpPr txBox="1"/>
+          <p:nvPr/>
+        </p:nvSpPr>
+        <p:spPr>
+          <a:xfrm>
+            <a:off x="1206500" y="6426200"/>
+            <a:ext cx="184666" cy="369332"/>
+          </a:xfrm>
+          <a:prstGeom prst="rect">
+            <a:avLst/>
+          </a:prstGeom>
+          <a:noFill/>
+        </p:spPr>
+        <p:txBody>
+          <a:bodyPr wrap="none" rtlCol="0">
+            <a:spAutoFit/>
+          </a:bodyPr>
+          <a:lstStyle/>
+          <a:p>
+            <a:endParaRPr kumimoji="1" lang="zh-CN" altLang="en-US" dirty="0"/>
+          </a:p>
+        </p:txBody>
+      </p:sp>
+    </p:spTree>
+    <p:extLst>
+      <p:ext uri="{BB962C8B-B14F-4D97-AF65-F5344CB8AC3E}">
+        <p14:creationId xmlns:p14="http://schemas.microsoft.com/office/powerpoint/2010/main" val="2330960157"/>
+      </p:ext>
+    </p:extLst>
+  </p:cSld>
+  <p:clrMapOvr>
+    <a:masterClrMapping/>
+  </p:clrMapOvr>
+  <p:timing>
+    <p:tnLst>
+      <p:par>
+        <p:cTn xmlns:p14="http://schemas.microsoft.com/office/powerpoint/2010/main" id="1" dur="indefinite" restart="never" nodeType="tmRoot"/>
+      </p:par>
+    </p:tnLst>
+  </p:timing>
+</p:sld>
+</file>
+
 <file path=ppt/slides/slide2.xml><?xml version="1.0" encoding="utf-8"?>
 <p:sld xmlns:a="http://schemas.openxmlformats.org/drawingml/2006/main" xmlns:r="http://schemas.openxmlformats.org/officeDocument/2006/relationships" xmlns:p="http://schemas.openxmlformats.org/presentationml/2006/main">
   <p:cSld>
@@ -8732,14 +10073,6 @@
               </a:rPr>
               <a:t>机制使得接收者可以改变发送者的行为。通常发送者和接收者的关系是直接的一对多的关系。</a:t>
             </a:r>
-            <a:endParaRPr lang="zh-CN" altLang="zh-CN" sz="2400" dirty="0">
-              <a:solidFill>
-                <a:srgbClr val="FFFFFF"/>
-              </a:solidFill>
-              <a:latin typeface="宋体" charset="0"/>
-              <a:ea typeface="宋体" charset="0"/>
-              <a:cs typeface="宋体" charset="0"/>
-            </a:endParaRPr>
           </a:p>
         </p:txBody>
       </p:sp>
@@ -8839,8 +10172,8 @@
         </p:nvSpPr>
         <p:spPr>
           <a:xfrm>
-            <a:off x="251520" y="1556792"/>
-            <a:ext cx="8352928" cy="3046988"/>
+            <a:off x="179512" y="1268760"/>
+            <a:ext cx="8352928" cy="4380687"/>
           </a:xfrm>
           <a:prstGeom prst="rect">
             <a:avLst/>
@@ -8854,127 +10187,287 @@
           <a:lstStyle/>
           <a:p>
             <a:pPr marL="342900" indent="-342900">
+              <a:lnSpc>
+                <a:spcPct val="140000"/>
+              </a:lnSpc>
               <a:buFont typeface="Wingdings" charset="2"/>
               <a:buChar char="u"/>
             </a:pPr>
             <a:r>
-              <a:rPr kumimoji="1" lang="en-US" altLang="zh-CN" sz="2400" dirty="0"/>
+              <a:rPr kumimoji="1" lang="en-US" altLang="zh-CN" sz="2000" dirty="0"/>
               <a:t>Protocol</a:t>
             </a:r>
             <a:r>
-              <a:rPr kumimoji="1" lang="zh-CN" altLang="en-US" sz="2400" dirty="0"/>
+              <a:rPr kumimoji="1" lang="zh-CN" altLang="en-US" sz="2000" dirty="0"/>
               <a:t>翻译过来</a:t>
             </a:r>
             <a:r>
-              <a:rPr kumimoji="1" lang="en-US" altLang="zh-CN" sz="2400" dirty="0"/>
+              <a:rPr kumimoji="1" lang="en-US" altLang="zh-CN" sz="2000" dirty="0"/>
               <a:t>,</a:t>
             </a:r>
             <a:r>
-              <a:rPr kumimoji="1" lang="zh-CN" altLang="en-US" sz="2400" dirty="0"/>
+              <a:rPr kumimoji="1" lang="zh-CN" altLang="en-US" sz="2000" dirty="0"/>
               <a:t> 叫做</a:t>
             </a:r>
             <a:r>
-              <a:rPr kumimoji="1" lang="en-US" altLang="zh-CN" sz="2400" dirty="0"/>
+              <a:rPr kumimoji="1" lang="en-US" altLang="zh-CN" sz="2000" dirty="0"/>
               <a:t>”</a:t>
             </a:r>
             <a:r>
-              <a:rPr kumimoji="1" lang="zh-CN" altLang="en-US" sz="2400" dirty="0"/>
+              <a:rPr kumimoji="1" lang="zh-CN" altLang="en-US" sz="2000" dirty="0"/>
               <a:t>协议</a:t>
             </a:r>
             <a:r>
-              <a:rPr kumimoji="1" lang="en-US" altLang="zh-CN" sz="2400" dirty="0"/>
+              <a:rPr kumimoji="1" lang="en-US" altLang="zh-CN" sz="2000" dirty="0"/>
               <a:t>”</a:t>
             </a:r>
           </a:p>
           <a:p>
-            <a:endParaRPr kumimoji="1" lang="en-US" altLang="zh-CN" sz="2400" dirty="0"/>
+            <a:pPr>
+              <a:lnSpc>
+                <a:spcPct val="140000"/>
+              </a:lnSpc>
+            </a:pPr>
+            <a:endParaRPr kumimoji="1" lang="en-US" altLang="zh-CN" sz="2000" dirty="0"/>
           </a:p>
           <a:p>
             <a:pPr marL="342900" indent="-342900">
+              <a:lnSpc>
+                <a:spcPct val="140000"/>
+              </a:lnSpc>
               <a:buFont typeface="Wingdings" charset="2"/>
               <a:buChar char="u"/>
             </a:pPr>
             <a:r>
-              <a:rPr kumimoji="1" lang="en-US" altLang="zh-CN" sz="2400" dirty="0"/>
+              <a:rPr kumimoji="1" lang="en-US" altLang="zh-CN" sz="2000" dirty="0"/>
               <a:t>Protocol</a:t>
             </a:r>
             <a:r>
-              <a:rPr kumimoji="1" lang="zh-CN" altLang="en-US" sz="2400" dirty="0"/>
+              <a:rPr kumimoji="1" lang="zh-CN" altLang="en-US" sz="2000" dirty="0"/>
               <a:t>的作用</a:t>
             </a:r>
-            <a:endParaRPr kumimoji="1" lang="en-US" altLang="zh-CN" sz="2400" dirty="0"/>
-          </a:p>
-          <a:p>
-            <a:pPr>
+            <a:endParaRPr kumimoji="1" lang="en-US" altLang="zh-CN" sz="2000" dirty="0"/>
+          </a:p>
+          <a:p>
+            <a:pPr marL="342900" indent="-342900">
+              <a:lnSpc>
+                <a:spcPct val="140000"/>
+              </a:lnSpc>
               <a:buFont typeface="Wingdings" charset="2"/>
               <a:buChar char="Ø"/>
             </a:pPr>
             <a:r>
-              <a:rPr kumimoji="1" lang="zh-CN" altLang="en-US" sz="2400" dirty="0"/>
-              <a:t>用来声明一些方法</a:t>
-            </a:r>
-            <a:endParaRPr kumimoji="1" lang="en-US" altLang="zh-CN" sz="2400" dirty="0"/>
-          </a:p>
-          <a:p>
-            <a:pPr>
+              <a:rPr kumimoji="1" lang="zh-CN" altLang="en-US" sz="2000" dirty="0" smtClean="0"/>
+              <a:t> </a:t>
+            </a:r>
+            <a:r>
+              <a:rPr kumimoji="1" lang="zh-CN" altLang="en-US" sz="2000" dirty="0" smtClean="0"/>
+              <a:t>用</a:t>
+            </a:r>
+            <a:r>
+              <a:rPr kumimoji="1" lang="zh-CN" altLang="en-US" sz="2000" dirty="0"/>
+              <a:t>来声明一些</a:t>
+            </a:r>
+            <a:r>
+              <a:rPr kumimoji="1" lang="zh-CN" altLang="en-US" sz="2000" dirty="0" smtClean="0"/>
+              <a:t>方法</a:t>
+            </a:r>
+            <a:r>
+              <a:rPr kumimoji="1" lang="zh-CN" altLang="en-US" sz="2000" dirty="0" smtClean="0"/>
+              <a:t>，</a:t>
+            </a:r>
+            <a:r>
+              <a:rPr lang="en-US" altLang="zh-CN" sz="2000" dirty="0">
+                <a:latin typeface="Courier New" charset="0"/>
+                <a:ea typeface="宋体" charset="0"/>
+                <a:cs typeface="宋体" charset="0"/>
+              </a:rPr>
+              <a:t>其中声明的方法可以被任何类实现。这种模式一般称为代理</a:t>
+            </a:r>
+            <a:r>
+              <a:rPr lang="zh-CN" altLang="en-US" sz="2000" dirty="0">
+                <a:latin typeface="Courier New" charset="0"/>
+                <a:ea typeface="宋体" charset="0"/>
+                <a:cs typeface="宋体" charset="0"/>
+              </a:rPr>
+              <a:t>(</a:t>
+            </a:r>
+            <a:r>
+              <a:rPr lang="en-US" altLang="ja-JP" sz="2000" dirty="0">
+                <a:latin typeface="Courier New" charset="0"/>
+                <a:ea typeface="宋体" charset="0"/>
+                <a:cs typeface="宋体" charset="0"/>
+              </a:rPr>
+              <a:t>delegation</a:t>
+            </a:r>
+            <a:r>
+              <a:rPr lang="zh-CN" altLang="en-US" sz="2000" dirty="0">
+                <a:latin typeface="Courier New" charset="0"/>
+                <a:ea typeface="宋体" charset="0"/>
+                <a:cs typeface="宋体" charset="0"/>
+              </a:rPr>
+              <a:t>)</a:t>
+            </a:r>
+            <a:r>
+              <a:rPr lang="en-US" altLang="zh-CN" sz="2000" dirty="0" smtClean="0">
+                <a:latin typeface="Courier New" charset="0"/>
+                <a:ea typeface="宋体" charset="0"/>
+                <a:cs typeface="宋体" charset="0"/>
+              </a:rPr>
+              <a:t>模式</a:t>
+            </a:r>
+            <a:endParaRPr kumimoji="1" lang="en-US" altLang="zh-CN" sz="2000" dirty="0"/>
+          </a:p>
+          <a:p>
+            <a:pPr marL="342900" indent="-342900">
+              <a:lnSpc>
+                <a:spcPct val="140000"/>
+              </a:lnSpc>
               <a:buFont typeface="Wingdings" charset="2"/>
               <a:buChar char="Ø"/>
             </a:pPr>
             <a:r>
-              <a:rPr kumimoji="1" lang="zh-CN" altLang="en-US" sz="2400" dirty="0"/>
+              <a:rPr kumimoji="1" lang="zh-CN" altLang="en-US" sz="2000" dirty="0" smtClean="0"/>
               <a:t>也就说</a:t>
             </a:r>
             <a:r>
-              <a:rPr kumimoji="1" lang="en-US" altLang="zh-CN" sz="2400" dirty="0"/>
+              <a:rPr kumimoji="1" lang="en-US" altLang="zh-CN" sz="2000" dirty="0"/>
               <a:t>,</a:t>
             </a:r>
             <a:r>
-              <a:rPr kumimoji="1" lang="zh-CN" altLang="en-US" sz="2400" dirty="0"/>
+              <a:rPr kumimoji="1" lang="zh-CN" altLang="en-US" sz="2000" dirty="0"/>
               <a:t> 一个</a:t>
             </a:r>
             <a:r>
-              <a:rPr kumimoji="1" lang="en-US" altLang="zh-CN" sz="2400" dirty="0"/>
+              <a:rPr kumimoji="1" lang="en-US" altLang="zh-CN" sz="2000" dirty="0"/>
               <a:t>Protocol</a:t>
             </a:r>
             <a:r>
-              <a:rPr kumimoji="1" lang="zh-CN" altLang="en-US" sz="2400" dirty="0"/>
-              <a:t>是由一系列的方法声明组成的</a:t>
-            </a:r>
-            <a:endParaRPr kumimoji="1" lang="en-US" altLang="zh-CN" sz="2400" dirty="0"/>
-          </a:p>
-          <a:p>
-            <a:pPr>
+              <a:rPr kumimoji="1" lang="zh-CN" altLang="en-US" sz="2000" dirty="0"/>
+              <a:t>是由一系列的方法声明组</a:t>
+            </a:r>
+            <a:r>
+              <a:rPr kumimoji="1" lang="zh-CN" altLang="en-US" sz="2000" dirty="0" smtClean="0"/>
+              <a:t>成的</a:t>
+            </a:r>
+            <a:endParaRPr kumimoji="1" lang="en-US" altLang="zh-CN" sz="2000" dirty="0" smtClean="0"/>
+          </a:p>
+          <a:p>
+            <a:pPr marL="342900" indent="-342900">
+              <a:lnSpc>
+                <a:spcPct val="140000"/>
+              </a:lnSpc>
               <a:buFont typeface="Wingdings" charset="2"/>
               <a:buChar char="Ø"/>
             </a:pPr>
-            <a:endParaRPr kumimoji="1" lang="en-US" altLang="zh-CN" sz="2400" dirty="0"/>
+            <a:r>
+              <a:rPr lang="en-US" altLang="zh-CN" sz="2000" dirty="0" err="1" smtClean="0">
+                <a:latin typeface="Courier New" charset="0"/>
+                <a:ea typeface="宋体" charset="0"/>
+                <a:cs typeface="宋体" charset="0"/>
+              </a:rPr>
+              <a:t>在</a:t>
+            </a:r>
+            <a:r>
+              <a:rPr lang="en-US" altLang="zh-CN" sz="2000" dirty="0" err="1">
+                <a:latin typeface="Courier New" charset="0"/>
+                <a:ea typeface="宋体" charset="0"/>
+                <a:cs typeface="宋体" charset="0"/>
+              </a:rPr>
+              <a:t>iOS和OS</a:t>
+            </a:r>
+            <a:r>
+              <a:rPr lang="en-US" altLang="zh-CN" sz="2000" dirty="0">
+                <a:latin typeface="Courier New" charset="0"/>
+                <a:ea typeface="宋体" charset="0"/>
+                <a:cs typeface="宋体" charset="0"/>
+              </a:rPr>
+              <a:t> </a:t>
+            </a:r>
+            <a:r>
+              <a:rPr lang="en-US" altLang="zh-CN" sz="2000" dirty="0" err="1">
+                <a:latin typeface="Courier New" charset="0"/>
+                <a:ea typeface="宋体" charset="0"/>
+                <a:cs typeface="宋体" charset="0"/>
+              </a:rPr>
+              <a:t>X开发中，Apple采用了大量的代理模式来实现MVC中View</a:t>
+            </a:r>
+            <a:r>
+              <a:rPr lang="zh-CN" altLang="en-US" sz="2000" dirty="0">
+                <a:latin typeface="Courier New" charset="0"/>
+                <a:ea typeface="宋体" charset="0"/>
+                <a:cs typeface="宋体" charset="0"/>
+              </a:rPr>
+              <a:t>(UI控件)</a:t>
+            </a:r>
+            <a:r>
+              <a:rPr lang="en-US" altLang="zh-CN" sz="2000" dirty="0" err="1">
+                <a:latin typeface="Courier New" charset="0"/>
+                <a:ea typeface="宋体" charset="0"/>
+                <a:cs typeface="宋体" charset="0"/>
+              </a:rPr>
+              <a:t>和Controller</a:t>
+            </a:r>
+            <a:r>
+              <a:rPr lang="zh-CN" altLang="en-US" sz="2000" dirty="0">
+                <a:latin typeface="Courier New" charset="0"/>
+                <a:ea typeface="宋体" charset="0"/>
+                <a:cs typeface="宋体" charset="0"/>
+              </a:rPr>
+              <a:t>(控制器)</a:t>
+            </a:r>
+            <a:r>
+              <a:rPr lang="en-US" altLang="zh-CN" sz="2000" dirty="0">
+                <a:latin typeface="Courier New" charset="0"/>
+                <a:ea typeface="宋体" charset="0"/>
+                <a:cs typeface="宋体" charset="0"/>
+              </a:rPr>
+              <a:t>的解耦</a:t>
+            </a:r>
+          </a:p>
+          <a:p>
+            <a:pPr>
+              <a:lnSpc>
+                <a:spcPct val="140000"/>
+              </a:lnSpc>
+              <a:buFont typeface="Wingdings" charset="2"/>
+              <a:buChar char="Ø"/>
+            </a:pPr>
+            <a:endParaRPr kumimoji="1" lang="en-US" altLang="zh-CN" sz="2000" dirty="0"/>
           </a:p>
           <a:p>
             <a:pPr marL="342900" indent="-342900">
+              <a:lnSpc>
+                <a:spcPct val="140000"/>
+              </a:lnSpc>
               <a:buFont typeface="Wingdings" charset="2"/>
               <a:buChar char="u"/>
             </a:pPr>
             <a:r>
-              <a:rPr kumimoji="1" lang="zh-CN" altLang="en-US" sz="2400" dirty="0"/>
+              <a:rPr kumimoji="1" lang="zh-CN" altLang="en-US" sz="2000" dirty="0"/>
               <a:t>任何类只要遵守了</a:t>
             </a:r>
             <a:r>
-              <a:rPr kumimoji="1" lang="en-US" altLang="zh-CN" sz="2400" dirty="0"/>
+              <a:rPr kumimoji="1" lang="en-US" altLang="zh-CN" sz="2000" dirty="0"/>
               <a:t>Protocol,</a:t>
             </a:r>
             <a:r>
-              <a:rPr kumimoji="1" lang="zh-CN" altLang="en-US" sz="2400" dirty="0"/>
+              <a:rPr kumimoji="1" lang="zh-CN" altLang="en-US" sz="2000" dirty="0"/>
               <a:t> 就相当于拥有了</a:t>
             </a:r>
             <a:r>
-              <a:rPr kumimoji="1" lang="en-US" altLang="zh-CN" sz="2400" dirty="0"/>
+              <a:rPr kumimoji="1" lang="en-US" altLang="zh-CN" sz="2000" dirty="0"/>
               <a:t>Protocol</a:t>
             </a:r>
             <a:r>
-              <a:rPr kumimoji="1" lang="zh-CN" altLang="en-US" sz="2400" dirty="0"/>
-              <a:t>的所有方法声明</a:t>
-            </a:r>
-            <a:endParaRPr kumimoji="1" lang="en-US" altLang="zh-CN" sz="2400" dirty="0"/>
+              <a:rPr kumimoji="1" lang="zh-CN" altLang="en-US" sz="2000" dirty="0"/>
+              <a:t>的所有方法</a:t>
+            </a:r>
+            <a:r>
+              <a:rPr kumimoji="1" lang="zh-CN" altLang="en-US" sz="2000" dirty="0" smtClean="0"/>
+              <a:t>声明</a:t>
+            </a:r>
+            <a:endParaRPr kumimoji="1" lang="en-US" altLang="zh-CN" sz="2000" dirty="0" smtClean="0"/>
           </a:p>
         </p:txBody>
       </p:sp>
@@ -9153,9 +10646,7 @@
             <a:r>
               <a:rPr lang="en-US" altLang="zh-CN" sz="2000" kern="0" dirty="0">
                 <a:solidFill>
-                  <a:schemeClr val="accent5">
-                    <a:lumMod val="50000"/>
-                  </a:schemeClr>
+                  <a:srgbClr val="ADDD68"/>
                 </a:solidFill>
                 <a:latin typeface="Menlo Regular"/>
                 <a:ea typeface="宋体"/>
@@ -9166,9 +10657,7 @@
             <a:r>
               <a:rPr lang="zh-CN" altLang="zh-CN" sz="2000" kern="0" dirty="0">
                 <a:solidFill>
-                  <a:schemeClr val="accent5">
-                    <a:lumMod val="50000"/>
-                  </a:schemeClr>
+                  <a:srgbClr val="ADDD68"/>
                 </a:solidFill>
                 <a:latin typeface="Cambria"/>
                 <a:ea typeface="Heiti SC Light"/>
@@ -9178,9 +10667,7 @@
             </a:r>
             <a:endParaRPr lang="en-US" altLang="zh-CN" sz="2000" kern="100" dirty="0">
               <a:solidFill>
-                <a:schemeClr val="accent5">
-                  <a:lumMod val="50000"/>
-                </a:schemeClr>
+                <a:srgbClr val="ADDD68"/>
               </a:solidFill>
               <a:latin typeface="Cambria"/>
               <a:ea typeface="宋体"/>
@@ -10018,6 +11505,1573 @@
     <p:extLst>
       <p:ext uri="{BB962C8B-B14F-4D97-AF65-F5344CB8AC3E}">
         <p14:creationId xmlns:p14="http://schemas.microsoft.com/office/powerpoint/2010/main" val="798621281"/>
+      </p:ext>
+    </p:extLst>
+  </p:cSld>
+  <p:clrMapOvr>
+    <a:masterClrMapping/>
+  </p:clrMapOvr>
+  <p:timing>
+    <p:tnLst>
+      <p:par>
+        <p:cTn xmlns:p14="http://schemas.microsoft.com/office/powerpoint/2010/main" id="1" dur="indefinite" restart="never" nodeType="tmRoot"/>
+      </p:par>
+    </p:tnLst>
+  </p:timing>
+</p:sld>
+</file>
+
+<file path=ppt/slides/slide7.xml><?xml version="1.0" encoding="utf-8"?>
+<p:sld xmlns:a="http://schemas.openxmlformats.org/drawingml/2006/main" xmlns:r="http://schemas.openxmlformats.org/officeDocument/2006/relationships" xmlns:p="http://schemas.openxmlformats.org/presentationml/2006/main">
+  <p:cSld>
+    <p:spTree>
+      <p:nvGrpSpPr>
+        <p:cNvPr id="1" name=""/>
+        <p:cNvGrpSpPr/>
+        <p:nvPr/>
+      </p:nvGrpSpPr>
+      <p:grpSpPr>
+        <a:xfrm>
+          <a:off x="0" y="0"/>
+          <a:ext cx="0" cy="0"/>
+          <a:chOff x="0" y="0"/>
+          <a:chExt cx="0" cy="0"/>
+        </a:xfrm>
+      </p:grpSpPr>
+      <p:sp>
+        <p:nvSpPr>
+          <p:cNvPr id="2" name="标题 1"/>
+          <p:cNvSpPr>
+            <a:spLocks noGrp="1"/>
+          </p:cNvSpPr>
+          <p:nvPr>
+            <p:ph type="title"/>
+          </p:nvPr>
+        </p:nvSpPr>
+        <p:spPr/>
+        <p:txBody>
+          <a:bodyPr/>
+          <a:lstStyle/>
+          <a:p>
+            <a:r>
+              <a:rPr lang="zh-CN" altLang="en-US" dirty="0">
+                <a:latin typeface="Courier New" charset="0"/>
+                <a:ea typeface="宋体" charset="0"/>
+                <a:cs typeface="宋体" charset="0"/>
+              </a:rPr>
+              <a:t>Protocol的定义</a:t>
+            </a:r>
+            <a:endParaRPr kumimoji="1" lang="zh-CN" altLang="en-US" dirty="0"/>
+          </a:p>
+        </p:txBody>
+      </p:sp>
+      <p:sp>
+        <p:nvSpPr>
+          <p:cNvPr id="3" name="幻灯片编号占位符 2"/>
+          <p:cNvSpPr>
+            <a:spLocks noGrp="1"/>
+          </p:cNvSpPr>
+          <p:nvPr>
+            <p:ph type="sldNum" sz="quarter" idx="4"/>
+          </p:nvPr>
+        </p:nvSpPr>
+        <p:spPr/>
+        <p:txBody>
+          <a:bodyPr/>
+          <a:lstStyle/>
+          <a:p>
+            <a:fld id="{BF10DB53-D7D3-4DB6-A29F-40217B92EC88}" type="slidenum">
+              <a:rPr lang="en-US" smtClean="0"/>
+              <a:pPr/>
+              <a:t>6</a:t>
+            </a:fld>
+            <a:endParaRPr lang="en-US" dirty="0"/>
+          </a:p>
+        </p:txBody>
+      </p:sp>
+      <p:sp>
+        <p:nvSpPr>
+          <p:cNvPr id="5" name="文本框 4"/>
+          <p:cNvSpPr txBox="1"/>
+          <p:nvPr/>
+        </p:nvSpPr>
+        <p:spPr>
+          <a:xfrm>
+            <a:off x="251520" y="1484784"/>
+            <a:ext cx="8352928" cy="3231654"/>
+          </a:xfrm>
+          <a:prstGeom prst="rect">
+            <a:avLst/>
+          </a:prstGeom>
+          <a:noFill/>
+        </p:spPr>
+        <p:txBody>
+          <a:bodyPr wrap="square" rtlCol="0">
+            <a:spAutoFit/>
+          </a:bodyPr>
+          <a:lstStyle/>
+          <a:p>
+            <a:r>
+              <a:rPr lang="en-US" altLang="zh-CN" sz="2400" dirty="0">
+                <a:latin typeface="Courier New" charset="0"/>
+                <a:ea typeface="宋体" charset="0"/>
+                <a:cs typeface="宋体" charset="0"/>
+              </a:rPr>
+              <a:t>在声明文件</a:t>
+            </a:r>
+            <a:r>
+              <a:rPr lang="zh-CN" altLang="en-US" sz="2400" dirty="0">
+                <a:latin typeface="Courier New" charset="0"/>
+                <a:ea typeface="宋体" charset="0"/>
+                <a:cs typeface="宋体" charset="0"/>
+              </a:rPr>
+              <a:t>(</a:t>
+            </a:r>
+            <a:r>
+              <a:rPr lang="zh-CN" altLang="en-US" sz="2000" dirty="0">
+                <a:solidFill>
+                  <a:srgbClr val="FF0000"/>
+                </a:solidFill>
+                <a:latin typeface="Courier New" charset="0"/>
+                <a:ea typeface="宋体" charset="0"/>
+                <a:cs typeface="宋体" charset="0"/>
+              </a:rPr>
+              <a:t>MyBtn</a:t>
+            </a:r>
+            <a:r>
+              <a:rPr lang="en-US" altLang="ja-JP" sz="2000" dirty="0">
+                <a:solidFill>
+                  <a:srgbClr val="FF0000"/>
+                </a:solidFill>
+                <a:latin typeface="Courier New" charset="0"/>
+                <a:ea typeface="宋体" charset="0"/>
+                <a:cs typeface="宋体" charset="0"/>
+              </a:rPr>
+              <a:t>Delegate</a:t>
+            </a:r>
+            <a:r>
+              <a:rPr lang="zh-CN" altLang="en-US" sz="2000" dirty="0">
+                <a:solidFill>
+                  <a:srgbClr val="FF0000"/>
+                </a:solidFill>
+                <a:latin typeface="Courier New" charset="0"/>
+                <a:ea typeface="宋体" charset="0"/>
+                <a:cs typeface="宋体" charset="0"/>
+              </a:rPr>
+              <a:t>.h</a:t>
+            </a:r>
+            <a:r>
+              <a:rPr lang="en-US" altLang="zh-CN" sz="2400" dirty="0">
+                <a:latin typeface="Courier New" charset="0"/>
+                <a:ea typeface="宋体" charset="0"/>
+                <a:cs typeface="宋体" charset="0"/>
+              </a:rPr>
+              <a:t>文件</a:t>
+            </a:r>
+            <a:r>
+              <a:rPr lang="zh-CN" altLang="en-US" sz="2400" dirty="0">
+                <a:latin typeface="Courier New" charset="0"/>
+                <a:ea typeface="宋体" charset="0"/>
+                <a:cs typeface="宋体" charset="0"/>
+              </a:rPr>
+              <a:t>)</a:t>
+            </a:r>
+            <a:r>
+              <a:rPr lang="en-US" altLang="zh-CN" sz="2400" dirty="0">
+                <a:latin typeface="Courier New" charset="0"/>
+                <a:ea typeface="宋体" charset="0"/>
+                <a:cs typeface="宋体" charset="0"/>
+              </a:rPr>
+              <a:t>中定义</a:t>
+            </a:r>
+            <a:endParaRPr lang="en-US" altLang="ja-JP" sz="2400" dirty="0">
+              <a:latin typeface="Courier New" charset="0"/>
+              <a:ea typeface="宋体" charset="0"/>
+              <a:cs typeface="宋体" charset="0"/>
+            </a:endParaRPr>
+          </a:p>
+          <a:p>
+            <a:pPr>
+              <a:buFont typeface="Wingdings" charset="0"/>
+              <a:buNone/>
+            </a:pPr>
+            <a:r>
+              <a:rPr lang="zh-CN" altLang="en-US" sz="2000" b="1" dirty="0">
+                <a:latin typeface="Courier New" charset="0"/>
+                <a:ea typeface="微软雅黑" charset="0"/>
+                <a:cs typeface="微软雅黑" charset="0"/>
+              </a:rPr>
+              <a:t>#import &lt;Foundation/Foundation.h&gt;</a:t>
+            </a:r>
+          </a:p>
+          <a:p>
+            <a:pPr>
+              <a:buFont typeface="Wingdings" charset="0"/>
+              <a:buNone/>
+            </a:pPr>
+            <a:r>
+              <a:rPr lang="zh-CN" altLang="en-US" sz="2000" b="1" dirty="0">
+                <a:latin typeface="Courier New" charset="0"/>
+                <a:ea typeface="宋体" charset="0"/>
+                <a:cs typeface="宋体" charset="0"/>
+              </a:rPr>
+              <a:t>@class MyBtn;</a:t>
+            </a:r>
+            <a:endParaRPr lang="en-US" altLang="zh-CN" sz="2000" b="1" dirty="0">
+              <a:latin typeface="Courier New" charset="0"/>
+              <a:ea typeface="宋体" charset="0"/>
+              <a:cs typeface="宋体" charset="0"/>
+            </a:endParaRPr>
+          </a:p>
+          <a:p>
+            <a:pPr>
+              <a:buFont typeface="Wingdings" charset="0"/>
+              <a:buNone/>
+            </a:pPr>
+            <a:r>
+              <a:rPr lang="en-US" altLang="zh-CN" sz="2000" b="1" dirty="0">
+                <a:latin typeface="Courier New" charset="0"/>
+                <a:ea typeface="宋体" charset="0"/>
+                <a:cs typeface="宋体" charset="0"/>
+              </a:rPr>
+              <a:t>@protocol</a:t>
+            </a:r>
+            <a:r>
+              <a:rPr lang="en-US" altLang="zh-CN" sz="2000" dirty="0">
+                <a:latin typeface="Courier New" charset="0"/>
+                <a:ea typeface="宋体" charset="0"/>
+                <a:cs typeface="宋体" charset="0"/>
+              </a:rPr>
+              <a:t> </a:t>
+            </a:r>
+            <a:r>
+              <a:rPr lang="zh-CN" altLang="en-US" sz="2000" dirty="0">
+                <a:solidFill>
+                  <a:srgbClr val="FF0000"/>
+                </a:solidFill>
+                <a:latin typeface="Courier New" charset="0"/>
+                <a:ea typeface="宋体" charset="0"/>
+                <a:cs typeface="宋体" charset="0"/>
+              </a:rPr>
+              <a:t>MyBtn</a:t>
+            </a:r>
+            <a:r>
+              <a:rPr lang="en-US" altLang="zh-CN" sz="2000" dirty="0">
+                <a:solidFill>
+                  <a:srgbClr val="FF0000"/>
+                </a:solidFill>
+                <a:latin typeface="Courier New" charset="0"/>
+                <a:ea typeface="宋体" charset="0"/>
+                <a:cs typeface="宋体" charset="0"/>
+              </a:rPr>
+              <a:t>Delegate </a:t>
+            </a:r>
+            <a:r>
+              <a:rPr lang="en-US" altLang="zh-CN" sz="2000" b="1" dirty="0">
+                <a:latin typeface="Courier New" charset="0"/>
+                <a:ea typeface="宋体" charset="0"/>
+                <a:cs typeface="宋体" charset="0"/>
+                <a:sym typeface="Arial" charset="0"/>
+              </a:rPr>
+              <a:t>&lt;</a:t>
+            </a:r>
+            <a:r>
+              <a:rPr lang="en-US" altLang="zh-CN" sz="2000" b="1" dirty="0" err="1">
+                <a:latin typeface="Courier New" charset="0"/>
+                <a:ea typeface="宋体" charset="0"/>
+                <a:cs typeface="宋体" charset="0"/>
+                <a:sym typeface="Arial" charset="0"/>
+              </a:rPr>
+              <a:t>NSObject</a:t>
+            </a:r>
+            <a:r>
+              <a:rPr lang="en-US" altLang="zh-CN" sz="2000" b="1" dirty="0">
+                <a:latin typeface="Courier New" charset="0"/>
+                <a:ea typeface="宋体" charset="0"/>
+                <a:cs typeface="宋体" charset="0"/>
+                <a:sym typeface="Arial" charset="0"/>
+              </a:rPr>
+              <a:t>&gt;</a:t>
+            </a:r>
+          </a:p>
+          <a:p>
+            <a:pPr>
+              <a:buFont typeface="Wingdings" charset="0"/>
+              <a:buNone/>
+            </a:pPr>
+            <a:r>
+              <a:rPr lang="en-US" altLang="zh-CN" sz="2000" b="1" dirty="0">
+                <a:latin typeface="Courier New" charset="0"/>
+                <a:ea typeface="宋体" charset="0"/>
+                <a:cs typeface="宋体" charset="0"/>
+              </a:rPr>
+              <a:t>@</a:t>
+            </a:r>
+            <a:r>
+              <a:rPr lang="en-US" altLang="zh-CN" sz="2000" b="1" dirty="0">
+                <a:latin typeface="Courier New" charset="0"/>
+                <a:ea typeface="宋体" charset="0"/>
+                <a:cs typeface="宋体" charset="0"/>
+                <a:sym typeface="Arial" charset="0"/>
+              </a:rPr>
+              <a:t>required</a:t>
+            </a:r>
+          </a:p>
+          <a:p>
+            <a:pPr>
+              <a:buFont typeface="Wingdings" charset="0"/>
+              <a:buNone/>
+            </a:pPr>
+            <a:r>
+              <a:rPr lang="en-US" altLang="zh-CN" sz="2000" dirty="0">
+                <a:latin typeface="Courier New" charset="0"/>
+                <a:ea typeface="宋体" charset="0"/>
+                <a:cs typeface="宋体" charset="0"/>
+              </a:rPr>
+              <a:t>- (void) </a:t>
+            </a:r>
+            <a:r>
+              <a:rPr lang="zh-CN" altLang="en-US" sz="2000" dirty="0">
+                <a:latin typeface="Courier New" charset="0"/>
+                <a:ea typeface="宋体" charset="0"/>
+                <a:cs typeface="宋体" charset="0"/>
+              </a:rPr>
+              <a:t>btnClick</a:t>
+            </a:r>
+            <a:r>
+              <a:rPr lang="en-US" altLang="zh-CN" sz="2000" dirty="0">
+                <a:latin typeface="Courier New" charset="0"/>
+                <a:ea typeface="宋体" charset="0"/>
+                <a:cs typeface="宋体" charset="0"/>
+              </a:rPr>
+              <a:t>: (</a:t>
+            </a:r>
+            <a:r>
+              <a:rPr lang="zh-CN" altLang="en-US" sz="2000" dirty="0">
+                <a:latin typeface="Courier New" charset="0"/>
+                <a:ea typeface="宋体" charset="0"/>
+                <a:cs typeface="宋体" charset="0"/>
+              </a:rPr>
+              <a:t>MyBtn *</a:t>
+            </a:r>
+            <a:r>
+              <a:rPr lang="en-US" altLang="zh-CN" sz="2000" dirty="0">
+                <a:latin typeface="Courier New" charset="0"/>
+                <a:ea typeface="宋体" charset="0"/>
+                <a:cs typeface="宋体" charset="0"/>
+              </a:rPr>
+              <a:t>)</a:t>
+            </a:r>
+            <a:r>
+              <a:rPr lang="zh-CN" altLang="en-US" sz="2000" dirty="0">
+                <a:latin typeface="Courier New" charset="0"/>
+                <a:ea typeface="宋体" charset="0"/>
+                <a:cs typeface="宋体" charset="0"/>
+              </a:rPr>
+              <a:t>sender</a:t>
+            </a:r>
+            <a:r>
+              <a:rPr lang="en-US" altLang="zh-CN" sz="2000" dirty="0">
+                <a:latin typeface="Courier New" charset="0"/>
+                <a:ea typeface="宋体" charset="0"/>
+                <a:cs typeface="宋体" charset="0"/>
+              </a:rPr>
+              <a:t>;</a:t>
+            </a:r>
+          </a:p>
+          <a:p>
+            <a:pPr>
+              <a:buFont typeface="Wingdings" charset="0"/>
+              <a:buNone/>
+            </a:pPr>
+            <a:endParaRPr lang="en-US" altLang="zh-CN" sz="2000" dirty="0">
+              <a:latin typeface="Courier New" charset="0"/>
+              <a:ea typeface="宋体" charset="0"/>
+              <a:cs typeface="宋体" charset="0"/>
+            </a:endParaRPr>
+          </a:p>
+          <a:p>
+            <a:pPr>
+              <a:buFont typeface="Wingdings" charset="0"/>
+              <a:buNone/>
+            </a:pPr>
+            <a:r>
+              <a:rPr lang="en-US" altLang="zh-CN" sz="2000" b="1" dirty="0">
+                <a:latin typeface="Courier New" charset="0"/>
+                <a:ea typeface="宋体" charset="0"/>
+                <a:cs typeface="宋体" charset="0"/>
+              </a:rPr>
+              <a:t>@optional</a:t>
+            </a:r>
+          </a:p>
+          <a:p>
+            <a:pPr>
+              <a:buFont typeface="Wingdings" charset="0"/>
+              <a:buNone/>
+            </a:pPr>
+            <a:r>
+              <a:rPr lang="en-US" altLang="zh-CN" sz="2000" dirty="0">
+                <a:latin typeface="Courier New" charset="0"/>
+                <a:ea typeface="宋体" charset="0"/>
+                <a:cs typeface="宋体" charset="0"/>
+              </a:rPr>
+              <a:t>- (</a:t>
+            </a:r>
+            <a:r>
+              <a:rPr lang="zh-CN" altLang="en-US" sz="2000" dirty="0">
+                <a:latin typeface="Courier New" charset="0"/>
+                <a:ea typeface="宋体" charset="0"/>
+                <a:cs typeface="宋体" charset="0"/>
+              </a:rPr>
+              <a:t>void</a:t>
+            </a:r>
+            <a:r>
+              <a:rPr lang="en-US" altLang="zh-CN" sz="2000" dirty="0">
+                <a:latin typeface="Courier New" charset="0"/>
+                <a:ea typeface="宋体" charset="0"/>
+                <a:cs typeface="宋体" charset="0"/>
+              </a:rPr>
+              <a:t>) </a:t>
+            </a:r>
+            <a:r>
+              <a:rPr lang="zh-CN" altLang="en-US" sz="2000" dirty="0">
+                <a:latin typeface="Courier New" charset="0"/>
+                <a:ea typeface="宋体" charset="0"/>
+                <a:cs typeface="宋体" charset="0"/>
+              </a:rPr>
+              <a:t>btnInit</a:t>
+            </a:r>
+            <a:r>
+              <a:rPr lang="en-US" altLang="zh-CN" sz="2000" dirty="0">
+                <a:latin typeface="Courier New" charset="0"/>
+                <a:ea typeface="宋体" charset="0"/>
+                <a:cs typeface="宋体" charset="0"/>
+              </a:rPr>
+              <a:t>: (</a:t>
+            </a:r>
+            <a:r>
+              <a:rPr lang="zh-CN" altLang="en-US" sz="2000" dirty="0">
+                <a:latin typeface="Courier New" charset="0"/>
+                <a:ea typeface="宋体" charset="0"/>
+                <a:cs typeface="宋体" charset="0"/>
+              </a:rPr>
+              <a:t>MyBtn *</a:t>
+            </a:r>
+            <a:r>
+              <a:rPr lang="en-US" altLang="zh-CN" sz="2000" dirty="0">
+                <a:latin typeface="Courier New" charset="0"/>
+                <a:ea typeface="宋体" charset="0"/>
+                <a:cs typeface="宋体" charset="0"/>
+              </a:rPr>
+              <a:t>)</a:t>
+            </a:r>
+            <a:r>
+              <a:rPr lang="zh-CN" altLang="en-US" sz="2000" dirty="0">
+                <a:latin typeface="Courier New" charset="0"/>
+                <a:ea typeface="宋体" charset="0"/>
+                <a:cs typeface="宋体" charset="0"/>
+              </a:rPr>
+              <a:t>sender</a:t>
+            </a:r>
+            <a:r>
+              <a:rPr lang="en-US" altLang="zh-CN" sz="2000" dirty="0">
+                <a:latin typeface="Courier New" charset="0"/>
+                <a:ea typeface="宋体" charset="0"/>
+                <a:cs typeface="宋体" charset="0"/>
+              </a:rPr>
+              <a:t>;</a:t>
+            </a:r>
+          </a:p>
+          <a:p>
+            <a:pPr>
+              <a:buFont typeface="Wingdings" charset="0"/>
+              <a:buNone/>
+            </a:pPr>
+            <a:r>
+              <a:rPr lang="en-US" altLang="zh-CN" sz="2000" b="1" dirty="0">
+                <a:latin typeface="Courier New" charset="0"/>
+                <a:ea typeface="宋体" charset="0"/>
+                <a:cs typeface="宋体" charset="0"/>
+              </a:rPr>
+              <a:t>@end</a:t>
+            </a:r>
+            <a:endParaRPr lang="en-US" altLang="zh-CN" sz="2000" b="1" dirty="0">
+              <a:latin typeface="Courier New" charset="0"/>
+              <a:ea typeface="宋体" charset="0"/>
+              <a:cs typeface="宋体" charset="0"/>
+            </a:endParaRPr>
+          </a:p>
+        </p:txBody>
+      </p:sp>
+    </p:spTree>
+    <p:extLst>
+      <p:ext uri="{BB962C8B-B14F-4D97-AF65-F5344CB8AC3E}">
+        <p14:creationId xmlns:p14="http://schemas.microsoft.com/office/powerpoint/2010/main" val="3158960507"/>
+      </p:ext>
+    </p:extLst>
+  </p:cSld>
+  <p:clrMapOvr>
+    <a:masterClrMapping/>
+  </p:clrMapOvr>
+  <p:timing>
+    <p:tnLst>
+      <p:par>
+        <p:cTn xmlns:p14="http://schemas.microsoft.com/office/powerpoint/2010/main" id="1" dur="indefinite" restart="never" nodeType="tmRoot"/>
+      </p:par>
+    </p:tnLst>
+  </p:timing>
+</p:sld>
+</file>
+
+<file path=ppt/slides/slide8.xml><?xml version="1.0" encoding="utf-8"?>
+<p:sld xmlns:a="http://schemas.openxmlformats.org/drawingml/2006/main" xmlns:r="http://schemas.openxmlformats.org/officeDocument/2006/relationships" xmlns:p="http://schemas.openxmlformats.org/presentationml/2006/main">
+  <p:cSld>
+    <p:spTree>
+      <p:nvGrpSpPr>
+        <p:cNvPr id="1" name=""/>
+        <p:cNvGrpSpPr/>
+        <p:nvPr/>
+      </p:nvGrpSpPr>
+      <p:grpSpPr>
+        <a:xfrm>
+          <a:off x="0" y="0"/>
+          <a:ext cx="0" cy="0"/>
+          <a:chOff x="0" y="0"/>
+          <a:chExt cx="0" cy="0"/>
+        </a:xfrm>
+      </p:grpSpPr>
+      <p:sp>
+        <p:nvSpPr>
+          <p:cNvPr id="2" name="标题 1"/>
+          <p:cNvSpPr>
+            <a:spLocks noGrp="1"/>
+          </p:cNvSpPr>
+          <p:nvPr>
+            <p:ph type="title"/>
+          </p:nvPr>
+        </p:nvSpPr>
+        <p:spPr/>
+        <p:txBody>
+          <a:bodyPr/>
+          <a:lstStyle/>
+          <a:p>
+            <a:r>
+              <a:rPr lang="zh-CN" altLang="en-US" dirty="0">
+                <a:latin typeface="Courier New" charset="0"/>
+                <a:ea typeface="宋体" charset="0"/>
+                <a:cs typeface="宋体" charset="0"/>
+              </a:rPr>
+              <a:t>Protocol的定义</a:t>
+            </a:r>
+            <a:endParaRPr kumimoji="1" lang="zh-CN" altLang="en-US" dirty="0"/>
+          </a:p>
+        </p:txBody>
+      </p:sp>
+      <p:sp>
+        <p:nvSpPr>
+          <p:cNvPr id="3" name="幻灯片编号占位符 2"/>
+          <p:cNvSpPr>
+            <a:spLocks noGrp="1"/>
+          </p:cNvSpPr>
+          <p:nvPr>
+            <p:ph type="sldNum" sz="quarter" idx="4"/>
+          </p:nvPr>
+        </p:nvSpPr>
+        <p:spPr/>
+        <p:txBody>
+          <a:bodyPr/>
+          <a:lstStyle/>
+          <a:p>
+            <a:fld id="{BF10DB53-D7D3-4DB6-A29F-40217B92EC88}" type="slidenum">
+              <a:rPr lang="en-US" smtClean="0"/>
+              <a:pPr/>
+              <a:t>7</a:t>
+            </a:fld>
+            <a:endParaRPr lang="en-US" dirty="0"/>
+          </a:p>
+        </p:txBody>
+      </p:sp>
+      <p:sp>
+        <p:nvSpPr>
+          <p:cNvPr id="5" name="文本框 4"/>
+          <p:cNvSpPr txBox="1"/>
+          <p:nvPr/>
+        </p:nvSpPr>
+        <p:spPr>
+          <a:xfrm>
+            <a:off x="251520" y="1268760"/>
+            <a:ext cx="8352928" cy="3949799"/>
+          </a:xfrm>
+          <a:prstGeom prst="rect">
+            <a:avLst/>
+          </a:prstGeom>
+          <a:noFill/>
+        </p:spPr>
+        <p:txBody>
+          <a:bodyPr wrap="square" rtlCol="0">
+            <a:spAutoFit/>
+          </a:bodyPr>
+          <a:lstStyle/>
+          <a:p>
+            <a:pPr marL="342900" indent="-342900">
+              <a:lnSpc>
+                <a:spcPct val="140000"/>
+              </a:lnSpc>
+              <a:buFont typeface="Wingdings" charset="2"/>
+              <a:buChar char="Ø"/>
+            </a:pPr>
+            <a:r>
+              <a:rPr lang="en-US" altLang="zh-CN" sz="2000" dirty="0" err="1">
+                <a:latin typeface="Courier New" charset="0"/>
+                <a:ea typeface="宋体" charset="0"/>
+                <a:cs typeface="宋体" charset="0"/>
+              </a:rPr>
+              <a:t>以上代码可以单独放在一个h文件中，</a:t>
+            </a:r>
+            <a:r>
+              <a:rPr lang="en-US" altLang="zh-CN" sz="2000" b="1" dirty="0" err="1">
+                <a:latin typeface="Courier New" charset="0"/>
+                <a:ea typeface="宋体" charset="0"/>
+                <a:cs typeface="宋体" charset="0"/>
+              </a:rPr>
+              <a:t>也可以写在相关类的</a:t>
+            </a:r>
+            <a:r>
+              <a:rPr lang="en-US" altLang="ja-JP" sz="2000" b="1" dirty="0" err="1">
+                <a:latin typeface="Courier New" charset="0"/>
+                <a:ea typeface="宋体" charset="0"/>
+                <a:cs typeface="宋体" charset="0"/>
+              </a:rPr>
+              <a:t>h</a:t>
+            </a:r>
+            <a:r>
+              <a:rPr lang="en-US" altLang="zh-CN" sz="2000" b="1" dirty="0" err="1">
+                <a:latin typeface="Courier New" charset="0"/>
+                <a:ea typeface="宋体" charset="0"/>
+                <a:cs typeface="宋体" charset="0"/>
+              </a:rPr>
+              <a:t>文件中</a:t>
+            </a:r>
+            <a:r>
+              <a:rPr lang="en-US" altLang="zh-CN" sz="2000" dirty="0" err="1">
+                <a:latin typeface="Courier New" charset="0"/>
+                <a:ea typeface="宋体" charset="0"/>
+                <a:cs typeface="宋体" charset="0"/>
+              </a:rPr>
+              <a:t>，视具体情况而定</a:t>
+            </a:r>
+            <a:endParaRPr lang="en-US" altLang="ja-JP" sz="2000" dirty="0">
+              <a:latin typeface="Courier New" charset="0"/>
+              <a:ea typeface="宋体" charset="0"/>
+              <a:cs typeface="宋体" charset="0"/>
+            </a:endParaRPr>
+          </a:p>
+          <a:p>
+            <a:pPr marL="342900" indent="-342900">
+              <a:lnSpc>
+                <a:spcPct val="140000"/>
+              </a:lnSpc>
+              <a:buFont typeface="Wingdings" charset="2"/>
+              <a:buChar char="Ø"/>
+            </a:pPr>
+            <a:r>
+              <a:rPr lang="en-US" altLang="zh-CN" sz="2000" dirty="0" err="1">
+                <a:latin typeface="Courier New" charset="0"/>
+                <a:ea typeface="宋体" charset="0"/>
+                <a:cs typeface="宋体" charset="0"/>
+              </a:rPr>
+              <a:t>该Protocol包含两个方法</a:t>
+            </a:r>
+            <a:r>
+              <a:rPr lang="en-US" altLang="zh-CN" sz="2000" dirty="0">
+                <a:latin typeface="Courier New" charset="0"/>
+                <a:ea typeface="宋体" charset="0"/>
+                <a:cs typeface="宋体" charset="0"/>
+              </a:rPr>
+              <a:t>，</a:t>
+            </a:r>
+            <a:r>
+              <a:rPr lang="zh-CN" altLang="en-US" sz="2000" dirty="0">
+                <a:latin typeface="Courier New" charset="0"/>
+                <a:ea typeface="宋体" charset="0"/>
+                <a:cs typeface="宋体" charset="0"/>
+              </a:rPr>
+              <a:t>btnClick:</a:t>
+            </a:r>
+            <a:r>
+              <a:rPr lang="en-US" altLang="zh-CN" sz="2000" dirty="0">
+                <a:latin typeface="Courier New" charset="0"/>
+                <a:ea typeface="宋体" charset="0"/>
+                <a:cs typeface="宋体" charset="0"/>
+              </a:rPr>
+              <a:t>和</a:t>
+            </a:r>
+            <a:r>
+              <a:rPr lang="zh-CN" altLang="en-US" sz="2000" dirty="0">
+                <a:latin typeface="Courier New" charset="0"/>
+                <a:ea typeface="宋体" charset="0"/>
+                <a:cs typeface="宋体" charset="0"/>
+              </a:rPr>
+              <a:t>btnInit:</a:t>
+            </a:r>
+          </a:p>
+          <a:p>
+            <a:pPr marL="342900" indent="-342900">
+              <a:lnSpc>
+                <a:spcPct val="140000"/>
+              </a:lnSpc>
+              <a:buFont typeface="Wingdings" charset="2"/>
+              <a:buChar char="Ø"/>
+            </a:pPr>
+            <a:r>
+              <a:rPr lang="en-US" altLang="zh-CN" sz="2000" dirty="0">
+                <a:latin typeface="Courier New" charset="0"/>
+                <a:ea typeface="宋体" charset="0"/>
+                <a:cs typeface="宋体" charset="0"/>
+              </a:rPr>
+              <a:t>这里还有两个关键字，</a:t>
+            </a:r>
+            <a:r>
+              <a:rPr lang="en-US" altLang="ja-JP" sz="2000" b="1" dirty="0">
+                <a:latin typeface="Courier New" charset="0"/>
+                <a:ea typeface="宋体" charset="0"/>
+                <a:cs typeface="宋体" charset="0"/>
+              </a:rPr>
+              <a:t>@</a:t>
+            </a:r>
+            <a:r>
+              <a:rPr lang="en-US" altLang="ja-JP" sz="2000" b="1" dirty="0" err="1">
+                <a:latin typeface="Courier New" charset="0"/>
+                <a:ea typeface="宋体" charset="0"/>
+                <a:cs typeface="宋体" charset="0"/>
+              </a:rPr>
+              <a:t>required</a:t>
+            </a:r>
+            <a:r>
+              <a:rPr lang="en-US" altLang="zh-CN" sz="2000" dirty="0" err="1">
+                <a:latin typeface="Courier New" charset="0"/>
+                <a:ea typeface="宋体" charset="0"/>
+                <a:cs typeface="宋体" charset="0"/>
+              </a:rPr>
+              <a:t>和</a:t>
+            </a:r>
+            <a:r>
+              <a:rPr lang="en-US" altLang="ja-JP" sz="2000" b="1" dirty="0" err="1">
+                <a:latin typeface="Courier New" charset="0"/>
+                <a:ea typeface="宋体" charset="0"/>
+                <a:cs typeface="宋体" charset="0"/>
+              </a:rPr>
+              <a:t>@optional</a:t>
+            </a:r>
+            <a:r>
+              <a:rPr lang="en-US" altLang="zh-CN" sz="2000" dirty="0" err="1">
+                <a:latin typeface="Courier New" charset="0"/>
+                <a:ea typeface="宋体" charset="0"/>
+                <a:cs typeface="宋体" charset="0"/>
+              </a:rPr>
+              <a:t>，表示如果要实现这个协议，那么</a:t>
+            </a:r>
+            <a:r>
+              <a:rPr lang="zh-CN" altLang="en-US" sz="2000" dirty="0">
+                <a:latin typeface="Courier New" charset="0"/>
+                <a:ea typeface="宋体" charset="0"/>
+                <a:cs typeface="宋体" charset="0"/>
+              </a:rPr>
+              <a:t>btnClick:</a:t>
+            </a:r>
+            <a:r>
+              <a:rPr lang="en-US" altLang="zh-CN" sz="2000" dirty="0">
+                <a:latin typeface="Courier New" charset="0"/>
+                <a:ea typeface="宋体" charset="0"/>
+                <a:cs typeface="宋体" charset="0"/>
+              </a:rPr>
+              <a:t>方法是必须要实现的，</a:t>
+            </a:r>
+            <a:r>
+              <a:rPr lang="zh-CN" altLang="en-US" sz="2000" dirty="0">
+                <a:latin typeface="Courier New" charset="0"/>
+                <a:ea typeface="宋体" charset="0"/>
+                <a:cs typeface="宋体" charset="0"/>
+              </a:rPr>
+              <a:t>btnInit:</a:t>
+            </a:r>
+            <a:r>
+              <a:rPr lang="en-US" altLang="zh-CN" sz="2000" dirty="0" err="1">
+                <a:latin typeface="Courier New" charset="0"/>
+                <a:ea typeface="宋体" charset="0"/>
+                <a:cs typeface="宋体" charset="0"/>
+              </a:rPr>
+              <a:t>则是可选的，这两个关键字是在</a:t>
+            </a:r>
+            <a:r>
+              <a:rPr lang="en-US" altLang="ja-JP" sz="2000" dirty="0" err="1">
+                <a:latin typeface="Courier New" charset="0"/>
+                <a:ea typeface="宋体" charset="0"/>
+                <a:cs typeface="宋体" charset="0"/>
+              </a:rPr>
+              <a:t>OC</a:t>
+            </a:r>
+            <a:r>
+              <a:rPr lang="en-US" altLang="ja-JP" sz="2000" dirty="0">
+                <a:latin typeface="Courier New" charset="0"/>
+                <a:ea typeface="宋体" charset="0"/>
+                <a:cs typeface="宋体" charset="0"/>
+              </a:rPr>
+              <a:t> 2.0</a:t>
+            </a:r>
+            <a:r>
+              <a:rPr lang="en-US" altLang="zh-CN" sz="2000" dirty="0">
+                <a:latin typeface="Courier New" charset="0"/>
+                <a:ea typeface="宋体" charset="0"/>
+                <a:cs typeface="宋体" charset="0"/>
+              </a:rPr>
+              <a:t>之后加入的语法特性。如果不注明，那么方法默认是</a:t>
+            </a:r>
+            <a:r>
+              <a:rPr lang="en-US" altLang="ja-JP" sz="2000" dirty="0">
+                <a:latin typeface="Courier New" charset="0"/>
+                <a:ea typeface="宋体" charset="0"/>
+                <a:cs typeface="宋体" charset="0"/>
+              </a:rPr>
+              <a:t>@required</a:t>
+            </a:r>
+            <a:r>
+              <a:rPr lang="en-US" altLang="zh-CN" sz="2000" dirty="0">
+                <a:latin typeface="Courier New" charset="0"/>
+                <a:ea typeface="宋体" charset="0"/>
+                <a:cs typeface="宋体" charset="0"/>
+              </a:rPr>
+              <a:t>的，必须实现</a:t>
+            </a:r>
+            <a:endParaRPr lang="en-US" altLang="ja-JP" sz="2000" dirty="0">
+              <a:latin typeface="Courier New" charset="0"/>
+              <a:ea typeface="宋体" charset="0"/>
+              <a:cs typeface="宋体" charset="0"/>
+            </a:endParaRPr>
+          </a:p>
+          <a:p>
+            <a:pPr marL="342900" indent="-342900">
+              <a:lnSpc>
+                <a:spcPct val="140000"/>
+              </a:lnSpc>
+              <a:buClr>
+                <a:schemeClr val="tx1"/>
+              </a:buClr>
+              <a:buFont typeface="Wingdings" charset="2"/>
+              <a:buChar char="Ø"/>
+            </a:pPr>
+            <a:r>
+              <a:rPr lang="zh-CN" altLang="en-US" sz="2000" dirty="0">
+                <a:solidFill>
+                  <a:srgbClr val="FF0000"/>
+                </a:solidFill>
+                <a:latin typeface="Courier New" charset="0"/>
+                <a:ea typeface="宋体" charset="0"/>
+                <a:cs typeface="宋体" charset="0"/>
+              </a:rPr>
+              <a:t>MyBtn</a:t>
+            </a:r>
+            <a:r>
+              <a:rPr lang="en-US" altLang="zh-CN" sz="2000" dirty="0" err="1">
+                <a:solidFill>
+                  <a:srgbClr val="FF0000"/>
+                </a:solidFill>
+                <a:latin typeface="Courier New" charset="0"/>
+                <a:ea typeface="宋体" charset="0"/>
+                <a:cs typeface="宋体" charset="0"/>
+              </a:rPr>
+              <a:t>Delegate</a:t>
+            </a:r>
+            <a:r>
+              <a:rPr lang="en-US" altLang="zh-CN" sz="2000" dirty="0" err="1">
+                <a:latin typeface="Courier New" charset="0"/>
+                <a:ea typeface="宋体" charset="0"/>
+                <a:cs typeface="宋体" charset="0"/>
+              </a:rPr>
+              <a:t>是</a:t>
+            </a:r>
+            <a:r>
+              <a:rPr lang="zh-CN" altLang="en-US" sz="2000" dirty="0">
+                <a:latin typeface="Courier New" charset="0"/>
+                <a:ea typeface="宋体" charset="0"/>
+                <a:cs typeface="宋体" charset="0"/>
+              </a:rPr>
+              <a:t>Protocol的名称</a:t>
+            </a:r>
+          </a:p>
+          <a:p>
+            <a:pPr marL="342900" indent="-342900">
+              <a:lnSpc>
+                <a:spcPct val="140000"/>
+              </a:lnSpc>
+              <a:buFont typeface="Wingdings" charset="2"/>
+              <a:buChar char="Ø"/>
+            </a:pPr>
+            <a:r>
+              <a:rPr lang="en-US" altLang="zh-CN" sz="2000" b="1" dirty="0">
+                <a:latin typeface="Courier New" charset="0"/>
+                <a:ea typeface="宋体" charset="0"/>
+                <a:cs typeface="宋体" charset="0"/>
+                <a:sym typeface="Arial" charset="0"/>
+              </a:rPr>
+              <a:t>&lt;</a:t>
+            </a:r>
+            <a:r>
+              <a:rPr lang="en-US" altLang="zh-CN" sz="2000" b="1" dirty="0" err="1">
+                <a:latin typeface="Courier New" charset="0"/>
+                <a:ea typeface="宋体" charset="0"/>
+                <a:cs typeface="宋体" charset="0"/>
+                <a:sym typeface="Arial" charset="0"/>
+              </a:rPr>
+              <a:t>NSObject</a:t>
+            </a:r>
+            <a:r>
+              <a:rPr lang="en-US" altLang="zh-CN" sz="2000" b="1" dirty="0">
+                <a:latin typeface="Courier New" charset="0"/>
+                <a:ea typeface="宋体" charset="0"/>
+                <a:cs typeface="宋体" charset="0"/>
+                <a:sym typeface="Arial" charset="0"/>
+              </a:rPr>
+              <a:t>&gt;</a:t>
+            </a:r>
+            <a:r>
+              <a:rPr lang="zh-CN" altLang="en-US" sz="2000" dirty="0">
+                <a:latin typeface="Courier New" charset="0"/>
+                <a:ea typeface="宋体" charset="0"/>
+                <a:cs typeface="宋体" charset="0"/>
+              </a:rPr>
+              <a:t>代表这个Protocol实现了NSObject协议</a:t>
+            </a:r>
+            <a:endParaRPr lang="en-US" altLang="zh-CN" sz="2000" dirty="0">
+              <a:latin typeface="Courier New" charset="0"/>
+              <a:ea typeface="宋体" charset="0"/>
+              <a:cs typeface="宋体" charset="0"/>
+            </a:endParaRPr>
+          </a:p>
+        </p:txBody>
+      </p:sp>
+      <p:sp>
+        <p:nvSpPr>
+          <p:cNvPr id="4" name="文本框 3"/>
+          <p:cNvSpPr txBox="1"/>
+          <p:nvPr/>
+        </p:nvSpPr>
+        <p:spPr>
+          <a:xfrm>
+            <a:off x="1206500" y="6426200"/>
+            <a:ext cx="184666" cy="369332"/>
+          </a:xfrm>
+          <a:prstGeom prst="rect">
+            <a:avLst/>
+          </a:prstGeom>
+          <a:noFill/>
+        </p:spPr>
+        <p:txBody>
+          <a:bodyPr wrap="none" rtlCol="0">
+            <a:spAutoFit/>
+          </a:bodyPr>
+          <a:lstStyle/>
+          <a:p>
+            <a:endParaRPr kumimoji="1" lang="zh-CN" altLang="en-US" dirty="0"/>
+          </a:p>
+        </p:txBody>
+      </p:sp>
+    </p:spTree>
+    <p:extLst>
+      <p:ext uri="{BB962C8B-B14F-4D97-AF65-F5344CB8AC3E}">
+        <p14:creationId xmlns:p14="http://schemas.microsoft.com/office/powerpoint/2010/main" val="3729144085"/>
+      </p:ext>
+    </p:extLst>
+  </p:cSld>
+  <p:clrMapOvr>
+    <a:masterClrMapping/>
+  </p:clrMapOvr>
+  <p:timing>
+    <p:tnLst>
+      <p:par>
+        <p:cTn xmlns:p14="http://schemas.microsoft.com/office/powerpoint/2010/main" id="1" dur="indefinite" restart="never" nodeType="tmRoot"/>
+      </p:par>
+    </p:tnLst>
+  </p:timing>
+</p:sld>
+</file>
+
+<file path=ppt/slides/slide9.xml><?xml version="1.0" encoding="utf-8"?>
+<p:sld xmlns:a="http://schemas.openxmlformats.org/drawingml/2006/main" xmlns:r="http://schemas.openxmlformats.org/officeDocument/2006/relationships" xmlns:p="http://schemas.openxmlformats.org/presentationml/2006/main">
+  <p:cSld>
+    <p:spTree>
+      <p:nvGrpSpPr>
+        <p:cNvPr id="1" name=""/>
+        <p:cNvGrpSpPr/>
+        <p:nvPr/>
+      </p:nvGrpSpPr>
+      <p:grpSpPr>
+        <a:xfrm>
+          <a:off x="0" y="0"/>
+          <a:ext cx="0" cy="0"/>
+          <a:chOff x="0" y="0"/>
+          <a:chExt cx="0" cy="0"/>
+        </a:xfrm>
+      </p:grpSpPr>
+      <p:sp>
+        <p:nvSpPr>
+          <p:cNvPr id="2" name="标题 1"/>
+          <p:cNvSpPr>
+            <a:spLocks noGrp="1"/>
+          </p:cNvSpPr>
+          <p:nvPr>
+            <p:ph type="title"/>
+          </p:nvPr>
+        </p:nvSpPr>
+        <p:spPr/>
+        <p:txBody>
+          <a:bodyPr/>
+          <a:lstStyle/>
+          <a:p>
+            <a:r>
+              <a:rPr lang="en-US" altLang="zh-CN" dirty="0">
+                <a:latin typeface="Courier New" charset="0"/>
+                <a:ea typeface="宋体" charset="0"/>
+                <a:cs typeface="宋体" charset="0"/>
+              </a:rPr>
+              <a:t>Protocol</a:t>
+            </a:r>
+            <a:r>
+              <a:rPr lang="zh-CN" altLang="en-US" dirty="0">
+                <a:latin typeface="Courier New" charset="0"/>
+                <a:ea typeface="宋体" charset="0"/>
+                <a:cs typeface="宋体" charset="0"/>
+              </a:rPr>
+              <a:t>的实现</a:t>
+            </a:r>
+            <a:endParaRPr kumimoji="1" lang="zh-CN" altLang="en-US" dirty="0"/>
+          </a:p>
+        </p:txBody>
+      </p:sp>
+      <p:sp>
+        <p:nvSpPr>
+          <p:cNvPr id="3" name="幻灯片编号占位符 2"/>
+          <p:cNvSpPr>
+            <a:spLocks noGrp="1"/>
+          </p:cNvSpPr>
+          <p:nvPr>
+            <p:ph type="sldNum" sz="quarter" idx="4"/>
+          </p:nvPr>
+        </p:nvSpPr>
+        <p:spPr/>
+        <p:txBody>
+          <a:bodyPr/>
+          <a:lstStyle/>
+          <a:p>
+            <a:fld id="{BF10DB53-D7D3-4DB6-A29F-40217B92EC88}" type="slidenum">
+              <a:rPr lang="en-US" smtClean="0"/>
+              <a:pPr/>
+              <a:t>8</a:t>
+            </a:fld>
+            <a:endParaRPr lang="en-US" dirty="0"/>
+          </a:p>
+        </p:txBody>
+      </p:sp>
+      <p:sp>
+        <p:nvSpPr>
+          <p:cNvPr id="5" name="文本框 4"/>
+          <p:cNvSpPr txBox="1"/>
+          <p:nvPr/>
+        </p:nvSpPr>
+        <p:spPr>
+          <a:xfrm>
+            <a:off x="251520" y="1268760"/>
+            <a:ext cx="8352928" cy="4216539"/>
+          </a:xfrm>
+          <a:prstGeom prst="rect">
+            <a:avLst/>
+          </a:prstGeom>
+          <a:noFill/>
+        </p:spPr>
+        <p:txBody>
+          <a:bodyPr wrap="square" rtlCol="0">
+            <a:spAutoFit/>
+          </a:bodyPr>
+          <a:lstStyle/>
+          <a:p>
+            <a:pPr marL="342900" indent="-342900">
+              <a:buFont typeface="Wingdings" charset="2"/>
+              <a:buChar char="l"/>
+            </a:pPr>
+            <a:r>
+              <a:rPr lang="en-US" altLang="zh-CN" sz="2400" dirty="0" err="1">
+                <a:latin typeface="Courier New" charset="0"/>
+                <a:ea typeface="宋体" charset="0"/>
+                <a:cs typeface="宋体" charset="0"/>
+              </a:rPr>
+              <a:t>创建一个普通OC类，在h文件中引入包含Protocol的h文件</a:t>
+            </a:r>
+            <a:r>
+              <a:rPr lang="zh-CN" altLang="en-US" sz="2400" dirty="0">
+                <a:latin typeface="Courier New" charset="0"/>
+                <a:ea typeface="宋体" charset="0"/>
+                <a:cs typeface="宋体" charset="0"/>
+              </a:rPr>
+              <a:t>(</a:t>
+            </a:r>
+            <a:r>
+              <a:rPr lang="zh-CN" altLang="en-US" sz="2400" b="1" dirty="0">
+                <a:latin typeface="Courier New" charset="0"/>
+                <a:ea typeface="宋体" charset="0"/>
+                <a:cs typeface="宋体" charset="0"/>
+              </a:rPr>
+              <a:t>或者用@protocol声明这个协议,作用跟@class类似, 建议用这种方式</a:t>
+            </a:r>
+            <a:r>
+              <a:rPr lang="zh-CN" altLang="en-US" sz="2400" dirty="0">
+                <a:latin typeface="Courier New" charset="0"/>
+                <a:ea typeface="宋体" charset="0"/>
+                <a:cs typeface="宋体" charset="0"/>
+              </a:rPr>
+              <a:t>)</a:t>
+            </a:r>
+          </a:p>
+          <a:p>
+            <a:pPr>
+              <a:buFont typeface="Wingdings" charset="0"/>
+              <a:buNone/>
+            </a:pPr>
+            <a:r>
+              <a:rPr lang="zh-CN" altLang="en-US" sz="2000" dirty="0">
+                <a:solidFill>
+                  <a:srgbClr val="0000CC"/>
+                </a:solidFill>
+                <a:latin typeface="Courier New" charset="0"/>
+                <a:ea typeface="宋体" charset="0"/>
+                <a:cs typeface="宋体" charset="0"/>
+                <a:sym typeface="Arial" charset="0"/>
+              </a:rPr>
+              <a:t>// #import "</a:t>
+            </a:r>
+            <a:r>
+              <a:rPr lang="zh-CN" altLang="en-US" sz="2000" dirty="0">
+                <a:solidFill>
+                  <a:srgbClr val="0000CC"/>
+                </a:solidFill>
+                <a:latin typeface="Courier New" charset="0"/>
+                <a:ea typeface="宋体" charset="0"/>
+                <a:cs typeface="宋体" charset="0"/>
+              </a:rPr>
+              <a:t>MyBtn</a:t>
+            </a:r>
+            <a:r>
+              <a:rPr lang="en-US" altLang="zh-CN" sz="2000" dirty="0">
+                <a:solidFill>
+                  <a:srgbClr val="0000CC"/>
+                </a:solidFill>
+                <a:latin typeface="Courier New" charset="0"/>
+                <a:ea typeface="宋体" charset="0"/>
+                <a:cs typeface="宋体" charset="0"/>
+              </a:rPr>
+              <a:t>Delegate</a:t>
+            </a:r>
+            <a:r>
+              <a:rPr lang="zh-CN" altLang="en-US" sz="2000" dirty="0">
+                <a:solidFill>
+                  <a:srgbClr val="0000CC"/>
+                </a:solidFill>
+                <a:latin typeface="Courier New" charset="0"/>
+                <a:ea typeface="宋体" charset="0"/>
+                <a:cs typeface="宋体" charset="0"/>
+              </a:rPr>
+              <a:t>.h</a:t>
+            </a:r>
+            <a:r>
+              <a:rPr lang="zh-CN" altLang="en-US" sz="2000" dirty="0">
+                <a:solidFill>
+                  <a:srgbClr val="0000CC"/>
+                </a:solidFill>
+                <a:latin typeface="Courier New" charset="0"/>
+                <a:ea typeface="宋体" charset="0"/>
+                <a:cs typeface="宋体" charset="0"/>
+                <a:sym typeface="Arial" charset="0"/>
+              </a:rPr>
+              <a:t>"</a:t>
+            </a:r>
+          </a:p>
+          <a:p>
+            <a:pPr>
+              <a:buFont typeface="Wingdings" charset="0"/>
+              <a:buNone/>
+            </a:pPr>
+            <a:r>
+              <a:rPr lang="zh-CN" altLang="en-US" sz="2000" b="1" dirty="0">
+                <a:solidFill>
+                  <a:srgbClr val="FF0000"/>
+                </a:solidFill>
+                <a:latin typeface="Courier New" charset="0"/>
+                <a:ea typeface="宋体" charset="0"/>
+                <a:cs typeface="宋体" charset="0"/>
+                <a:sym typeface="Arial" charset="0"/>
+              </a:rPr>
+              <a:t>@protocol </a:t>
+            </a:r>
+            <a:r>
+              <a:rPr lang="zh-CN" altLang="en-US" sz="2000" b="1" dirty="0">
+                <a:solidFill>
+                  <a:srgbClr val="FF0000"/>
+                </a:solidFill>
+                <a:latin typeface="Courier New" charset="0"/>
+                <a:ea typeface="宋体" charset="0"/>
+                <a:cs typeface="宋体" charset="0"/>
+              </a:rPr>
+              <a:t>MyBtn</a:t>
+            </a:r>
+            <a:r>
+              <a:rPr lang="en-US" altLang="zh-CN" sz="2000" b="1" dirty="0">
+                <a:solidFill>
+                  <a:srgbClr val="FF0000"/>
+                </a:solidFill>
+                <a:latin typeface="Courier New" charset="0"/>
+                <a:ea typeface="宋体" charset="0"/>
+                <a:cs typeface="宋体" charset="0"/>
+              </a:rPr>
+              <a:t>Delegate</a:t>
+            </a:r>
+            <a:r>
+              <a:rPr lang="zh-CN" altLang="en-US" sz="2000" b="1" dirty="0">
+                <a:solidFill>
+                  <a:srgbClr val="FF0000"/>
+                </a:solidFill>
+                <a:latin typeface="Courier New" charset="0"/>
+                <a:ea typeface="宋体" charset="0"/>
+                <a:cs typeface="宋体" charset="0"/>
+              </a:rPr>
+              <a:t>;</a:t>
+            </a:r>
+            <a:endParaRPr lang="en-US" altLang="zh-CN" sz="2000" b="1" dirty="0">
+              <a:solidFill>
+                <a:srgbClr val="FF0000"/>
+              </a:solidFill>
+              <a:latin typeface="Courier New" charset="0"/>
+              <a:ea typeface="宋体" charset="0"/>
+              <a:cs typeface="宋体" charset="0"/>
+            </a:endParaRPr>
+          </a:p>
+          <a:p>
+            <a:pPr>
+              <a:buFont typeface="Wingdings" charset="0"/>
+              <a:buNone/>
+            </a:pPr>
+            <a:r>
+              <a:rPr lang="en-US" altLang="zh-CN" sz="2000" dirty="0">
+                <a:latin typeface="Courier New" charset="0"/>
+                <a:ea typeface="宋体" charset="0"/>
+                <a:cs typeface="宋体" charset="0"/>
+              </a:rPr>
+              <a:t>@interface </a:t>
+            </a:r>
+            <a:r>
+              <a:rPr lang="zh-CN" altLang="en-US" sz="2000" dirty="0">
+                <a:latin typeface="Courier New" charset="0"/>
+                <a:ea typeface="宋体" charset="0"/>
+                <a:cs typeface="宋体" charset="0"/>
+              </a:rPr>
+              <a:t>MyController</a:t>
+            </a:r>
+            <a:r>
+              <a:rPr lang="en-US" altLang="zh-CN" sz="2000" dirty="0">
+                <a:latin typeface="Courier New" charset="0"/>
+                <a:ea typeface="宋体" charset="0"/>
+                <a:cs typeface="宋体" charset="0"/>
+              </a:rPr>
+              <a:t> : </a:t>
+            </a:r>
+            <a:r>
+              <a:rPr lang="en-US" altLang="zh-CN" sz="2000" dirty="0" err="1">
+                <a:latin typeface="Courier New" charset="0"/>
+                <a:ea typeface="宋体" charset="0"/>
+                <a:cs typeface="宋体" charset="0"/>
+              </a:rPr>
+              <a:t>NSObject</a:t>
+            </a:r>
+            <a:r>
+              <a:rPr lang="en-US" altLang="zh-CN" sz="2000" dirty="0">
+                <a:latin typeface="Courier New" charset="0"/>
+                <a:ea typeface="宋体" charset="0"/>
+                <a:cs typeface="宋体" charset="0"/>
+              </a:rPr>
+              <a:t>&lt;</a:t>
+            </a:r>
+            <a:r>
+              <a:rPr lang="zh-CN" altLang="en-US" sz="2000" dirty="0">
+                <a:solidFill>
+                  <a:srgbClr val="FF0000"/>
+                </a:solidFill>
+                <a:latin typeface="Courier New" charset="0"/>
+                <a:ea typeface="宋体" charset="0"/>
+                <a:cs typeface="宋体" charset="0"/>
+              </a:rPr>
+              <a:t>MyBtn</a:t>
+            </a:r>
+            <a:r>
+              <a:rPr lang="en-US" altLang="zh-CN" sz="2000" dirty="0">
+                <a:solidFill>
+                  <a:srgbClr val="FF0000"/>
+                </a:solidFill>
+                <a:latin typeface="Courier New" charset="0"/>
+                <a:ea typeface="宋体" charset="0"/>
+                <a:cs typeface="宋体" charset="0"/>
+              </a:rPr>
+              <a:t>Delegate</a:t>
+            </a:r>
+            <a:r>
+              <a:rPr lang="en-US" altLang="zh-CN" sz="2000" dirty="0">
+                <a:latin typeface="Courier New" charset="0"/>
+                <a:ea typeface="宋体" charset="0"/>
+                <a:cs typeface="宋体" charset="0"/>
+              </a:rPr>
+              <a:t>&gt;</a:t>
+            </a:r>
+          </a:p>
+          <a:p>
+            <a:pPr>
+              <a:buFont typeface="Wingdings" charset="0"/>
+              <a:buNone/>
+            </a:pPr>
+            <a:r>
+              <a:rPr lang="en-US" altLang="zh-CN" sz="2000" dirty="0">
+                <a:latin typeface="Courier New" charset="0"/>
+                <a:ea typeface="宋体" charset="0"/>
+                <a:cs typeface="宋体" charset="0"/>
+              </a:rPr>
+              <a:t>@</a:t>
+            </a:r>
+            <a:r>
+              <a:rPr lang="en-US" altLang="zh-CN" sz="2000" dirty="0" smtClean="0">
+                <a:latin typeface="Courier New" charset="0"/>
+                <a:ea typeface="宋体" charset="0"/>
+                <a:cs typeface="宋体" charset="0"/>
+              </a:rPr>
+              <a:t>end</a:t>
+            </a:r>
+          </a:p>
+          <a:p>
+            <a:pPr>
+              <a:buFont typeface="Wingdings" charset="0"/>
+              <a:buNone/>
+            </a:pPr>
+            <a:endParaRPr lang="en-US" altLang="zh-CN" sz="2000" dirty="0">
+              <a:latin typeface="Courier New" charset="0"/>
+              <a:ea typeface="宋体" charset="0"/>
+              <a:cs typeface="宋体" charset="0"/>
+            </a:endParaRPr>
+          </a:p>
+          <a:p>
+            <a:pPr marL="342900" indent="-342900">
+              <a:buFont typeface="Wingdings" charset="2"/>
+              <a:buChar char="l"/>
+            </a:pPr>
+            <a:r>
+              <a:rPr lang="en-US" altLang="zh-CN" sz="2400" dirty="0">
+                <a:latin typeface="Courier New" charset="0"/>
+                <a:ea typeface="宋体" charset="0"/>
+                <a:cs typeface="宋体" charset="0"/>
+              </a:rPr>
+              <a:t>用</a:t>
+            </a:r>
+            <a:r>
+              <a:rPr lang="en-US" altLang="ja-JP" sz="2400" b="1" dirty="0">
+                <a:solidFill>
+                  <a:srgbClr val="FF0000"/>
+                </a:solidFill>
+                <a:latin typeface="Courier New" charset="0"/>
+                <a:ea typeface="宋体" charset="0"/>
+                <a:cs typeface="宋体" charset="0"/>
+              </a:rPr>
+              <a:t>&lt;&gt;</a:t>
+            </a:r>
+            <a:r>
+              <a:rPr lang="en-US" altLang="zh-CN" sz="2400" dirty="0">
+                <a:latin typeface="Courier New" charset="0"/>
+                <a:ea typeface="宋体" charset="0"/>
+                <a:cs typeface="宋体" charset="0"/>
+              </a:rPr>
+              <a:t>括起来的</a:t>
+            </a:r>
+            <a:r>
+              <a:rPr lang="zh-CN" altLang="en-US" sz="2400" dirty="0">
+                <a:solidFill>
+                  <a:srgbClr val="FF0000"/>
+                </a:solidFill>
+                <a:latin typeface="Courier New" charset="0"/>
+                <a:ea typeface="宋体" charset="0"/>
+                <a:cs typeface="宋体" charset="0"/>
+              </a:rPr>
+              <a:t>MyBtn</a:t>
+            </a:r>
+            <a:r>
+              <a:rPr lang="en-US" altLang="ja-JP" sz="2400" dirty="0" err="1">
+                <a:solidFill>
+                  <a:srgbClr val="FF0000"/>
+                </a:solidFill>
+                <a:latin typeface="Courier New" charset="0"/>
+                <a:ea typeface="宋体" charset="0"/>
+                <a:cs typeface="宋体" charset="0"/>
+              </a:rPr>
+              <a:t>Delegate</a:t>
+            </a:r>
+            <a:r>
+              <a:rPr lang="en-US" altLang="zh-CN" sz="2400" dirty="0" err="1">
+                <a:latin typeface="Courier New" charset="0"/>
+                <a:ea typeface="宋体" charset="0"/>
+                <a:cs typeface="宋体" charset="0"/>
+              </a:rPr>
+              <a:t>就是我们创建的</a:t>
+            </a:r>
+            <a:r>
+              <a:rPr lang="en-US" altLang="ja-JP" sz="2400" dirty="0" err="1">
+                <a:latin typeface="Courier New" charset="0"/>
+                <a:ea typeface="宋体" charset="0"/>
+                <a:cs typeface="宋体" charset="0"/>
+              </a:rPr>
+              <a:t>Protocol</a:t>
+            </a:r>
+            <a:r>
+              <a:rPr lang="en-US" altLang="zh-CN" sz="2400" dirty="0" err="1">
+                <a:latin typeface="Courier New" charset="0"/>
+                <a:ea typeface="宋体" charset="0"/>
+                <a:cs typeface="宋体" charset="0"/>
+              </a:rPr>
+              <a:t>。如果要</a:t>
+            </a:r>
+            <a:r>
+              <a:rPr lang="zh-CN" altLang="en-US" sz="2400" dirty="0">
+                <a:latin typeface="Courier New" charset="0"/>
+                <a:ea typeface="宋体" charset="0"/>
+                <a:cs typeface="宋体" charset="0"/>
+              </a:rPr>
+              <a:t>实现了</a:t>
+            </a:r>
+            <a:r>
+              <a:rPr lang="en-US" altLang="zh-CN" sz="2400" dirty="0" err="1">
+                <a:latin typeface="Courier New" charset="0"/>
+                <a:ea typeface="宋体" charset="0"/>
+                <a:cs typeface="宋体" charset="0"/>
+              </a:rPr>
+              <a:t>多个</a:t>
+            </a:r>
+            <a:r>
+              <a:rPr lang="en-US" altLang="ja-JP" sz="2400" dirty="0" err="1">
+                <a:latin typeface="Courier New" charset="0"/>
+                <a:ea typeface="宋体" charset="0"/>
+                <a:cs typeface="宋体" charset="0"/>
+              </a:rPr>
+              <a:t>Protocol</a:t>
+            </a:r>
+            <a:r>
+              <a:rPr lang="en-US" altLang="zh-CN" sz="2400" dirty="0" err="1">
+                <a:latin typeface="Courier New" charset="0"/>
+                <a:ea typeface="宋体" charset="0"/>
+                <a:cs typeface="宋体" charset="0"/>
+              </a:rPr>
+              <a:t>，可以在尖括号内引入多个</a:t>
+            </a:r>
+            <a:r>
+              <a:rPr lang="en-US" altLang="ja-JP" sz="2400" dirty="0" err="1">
+                <a:latin typeface="Courier New" charset="0"/>
+                <a:ea typeface="宋体" charset="0"/>
+                <a:cs typeface="宋体" charset="0"/>
+              </a:rPr>
+              <a:t>Protocol</a:t>
+            </a:r>
+            <a:r>
+              <a:rPr lang="en-US" altLang="zh-CN" sz="2400" dirty="0" err="1">
+                <a:latin typeface="Courier New" charset="0"/>
+                <a:ea typeface="宋体" charset="0"/>
+                <a:cs typeface="宋体" charset="0"/>
+              </a:rPr>
+              <a:t>名称，并用逗号隔开即可。例如</a:t>
+            </a:r>
+            <a:r>
+              <a:rPr lang="en-US" altLang="ja-JP" sz="2400" dirty="0">
+                <a:latin typeface="Courier New" charset="0"/>
+                <a:ea typeface="宋体" charset="0"/>
+                <a:cs typeface="宋体" charset="0"/>
+              </a:rPr>
+              <a:t>&lt;</a:t>
+            </a:r>
+            <a:r>
+              <a:rPr lang="zh-CN" altLang="en-US" sz="2400" dirty="0">
+                <a:solidFill>
+                  <a:srgbClr val="FF0000"/>
+                </a:solidFill>
+                <a:latin typeface="Courier New" charset="0"/>
+                <a:ea typeface="宋体" charset="0"/>
+                <a:cs typeface="宋体" charset="0"/>
+              </a:rPr>
+              <a:t>MyBtn</a:t>
+            </a:r>
+            <a:r>
+              <a:rPr lang="en-US" altLang="ja-JP" sz="2400" dirty="0" err="1">
+                <a:solidFill>
+                  <a:srgbClr val="FF0000"/>
+                </a:solidFill>
+                <a:latin typeface="Courier New" charset="0"/>
+                <a:ea typeface="宋体" charset="0"/>
+                <a:cs typeface="宋体" charset="0"/>
+              </a:rPr>
+              <a:t>Delegate</a:t>
+            </a:r>
+            <a:r>
+              <a:rPr lang="en-US" altLang="ja-JP" sz="2400" dirty="0" err="1">
+                <a:latin typeface="Courier New" charset="0"/>
+                <a:ea typeface="宋体" charset="0"/>
+                <a:cs typeface="宋体" charset="0"/>
+              </a:rPr>
+              <a:t>,xxxDelegate</a:t>
+            </a:r>
+            <a:r>
+              <a:rPr lang="en-US" altLang="ja-JP" sz="2400" dirty="0">
+                <a:latin typeface="Courier New" charset="0"/>
+                <a:ea typeface="宋体" charset="0"/>
+                <a:cs typeface="宋体" charset="0"/>
+              </a:rPr>
+              <a:t>&gt;</a:t>
+            </a:r>
+            <a:endParaRPr lang="en-US" altLang="zh-CN" sz="2400" dirty="0">
+              <a:latin typeface="Courier New" charset="0"/>
+              <a:ea typeface="宋体" charset="0"/>
+              <a:cs typeface="宋体" charset="0"/>
+            </a:endParaRPr>
+          </a:p>
+        </p:txBody>
+      </p:sp>
+      <p:sp>
+        <p:nvSpPr>
+          <p:cNvPr id="4" name="文本框 3"/>
+          <p:cNvSpPr txBox="1"/>
+          <p:nvPr/>
+        </p:nvSpPr>
+        <p:spPr>
+          <a:xfrm>
+            <a:off x="1206500" y="6426200"/>
+            <a:ext cx="184666" cy="369332"/>
+          </a:xfrm>
+          <a:prstGeom prst="rect">
+            <a:avLst/>
+          </a:prstGeom>
+          <a:noFill/>
+        </p:spPr>
+        <p:txBody>
+          <a:bodyPr wrap="none" rtlCol="0">
+            <a:spAutoFit/>
+          </a:bodyPr>
+          <a:lstStyle/>
+          <a:p>
+            <a:endParaRPr kumimoji="1" lang="zh-CN" altLang="en-US" dirty="0"/>
+          </a:p>
+        </p:txBody>
+      </p:sp>
+    </p:spTree>
+    <p:extLst>
+      <p:ext uri="{BB962C8B-B14F-4D97-AF65-F5344CB8AC3E}">
+        <p14:creationId xmlns:p14="http://schemas.microsoft.com/office/powerpoint/2010/main" val="895250558"/>
       </p:ext>
     </p:extLst>
   </p:cSld>
